--- a/dsm2/presentations/d1_historical.pptx
+++ b/dsm2/presentations/d1_historical.pptx
@@ -7005,8 +7005,17 @@
               <a:rPr lang="en-US" altLang="zh-CN" dirty="0" smtClean="0">
                 <a:ea typeface="宋体" charset="-122"/>
               </a:rPr>
-              <a:t>Modify configuration file</a:t>
-            </a:r>
+              <a:t>Modify configuration </a:t>
+            </a:r>
+            <a:r>
+              <a:rPr lang="en-US" altLang="zh-CN" dirty="0" smtClean="0">
+                <a:ea typeface="宋体" charset="-122"/>
+              </a:rPr>
+              <a:t>file</a:t>
+            </a:r>
+            <a:endParaRPr lang="en-US" altLang="zh-CN" dirty="0" smtClean="0">
+              <a:ea typeface="宋体" charset="-122"/>
+            </a:endParaRPr>
           </a:p>
           <a:p>
             <a:r>
@@ -7025,7 +7034,13 @@
               <a:rPr lang="en-US" altLang="zh-CN" dirty="0" smtClean="0">
                 <a:ea typeface="宋体" charset="-122"/>
               </a:rPr>
-              <a:t> and output in the launch files</a:t>
+              <a:t> and output in the launch </a:t>
+            </a:r>
+            <a:r>
+              <a:rPr lang="en-US" altLang="zh-CN" dirty="0" smtClean="0">
+                <a:ea typeface="宋体" charset="-122"/>
+              </a:rPr>
+              <a:t>files</a:t>
             </a:r>
           </a:p>
           <a:p>
@@ -7151,7 +7166,13 @@
               <a:rPr lang="en-US" altLang="zh-CN" dirty="0" smtClean="0">
                 <a:ea typeface="宋体" charset="-122"/>
               </a:rPr>
-              <a:t>Configuration File</a:t>
+              <a:t>Configuration </a:t>
+            </a:r>
+            <a:r>
+              <a:rPr lang="en-US" altLang="zh-CN" dirty="0" smtClean="0">
+                <a:ea typeface="宋体" charset="-122"/>
+              </a:rPr>
+              <a:t>File</a:t>
             </a:r>
           </a:p>
         </p:txBody>
@@ -7338,8 +7359,17 @@
               <a:rPr lang="en-US" altLang="zh-CN" sz="4000" dirty="0" smtClean="0">
                 <a:ea typeface="宋体" charset="-122"/>
               </a:rPr>
-              <a:t>Launch Files</a:t>
-            </a:r>
+              <a:t>Launch </a:t>
+            </a:r>
+            <a:r>
+              <a:rPr lang="en-US" altLang="zh-CN" sz="4000" dirty="0" smtClean="0">
+                <a:ea typeface="宋体" charset="-122"/>
+              </a:rPr>
+              <a:t>Files</a:t>
+            </a:r>
+            <a:endParaRPr lang="en-US" altLang="zh-CN" sz="4000" dirty="0" smtClean="0">
+              <a:ea typeface="宋体" charset="-122"/>
+            </a:endParaRPr>
           </a:p>
         </p:txBody>
       </p:sp>
@@ -8021,7 +8051,13 @@
               <a:rPr lang="en-US" altLang="zh-CN" dirty="0" smtClean="0">
                 <a:ea typeface="宋体" charset="-122"/>
               </a:rPr>
-              <a:t>Use a launch script to run dsm2 models</a:t>
+              <a:t>Use </a:t>
+            </a:r>
+            <a:r>
+              <a:rPr lang="en-US" altLang="zh-CN" dirty="0" smtClean="0">
+                <a:ea typeface="宋体" charset="-122"/>
+              </a:rPr>
+              <a:t>a launch script to run dsm2 models</a:t>
             </a:r>
           </a:p>
           <a:p>
@@ -8249,8 +8285,13 @@
             </a:pPr>
             <a:r>
               <a:rPr lang="en-US" sz="2600" dirty="0" smtClean="0"/>
-              <a:t>Time series setting problems</a:t>
-            </a:r>
+              <a:t>Time series setting </a:t>
+            </a:r>
+            <a:r>
+              <a:rPr lang="en-US" sz="2600" dirty="0" smtClean="0"/>
+              <a:t>problems</a:t>
+            </a:r>
+            <a:endParaRPr lang="en-US" sz="2600" dirty="0" smtClean="0"/>
           </a:p>
           <a:p>
             <a:pPr marL="742950" indent="-742950" algn="l">
@@ -8279,7 +8320,11 @@
             </a:pPr>
             <a:r>
               <a:rPr lang="en-US" sz="2600" dirty="0" smtClean="0"/>
-              <a:t>Restart run</a:t>
+              <a:t>Restart </a:t>
+            </a:r>
+            <a:r>
+              <a:rPr lang="en-US" sz="2600" dirty="0" smtClean="0"/>
+              <a:t>run</a:t>
             </a:r>
           </a:p>
           <a:p>
@@ -8291,6 +8336,7 @@
               <a:rPr lang="en-US" sz="2600" dirty="0" smtClean="0"/>
               <a:t>Channel dried up</a:t>
             </a:r>
+            <a:endParaRPr lang="en-US" sz="2600" dirty="0" smtClean="0"/>
           </a:p>
           <a:p>
             <a:pPr marL="742950" indent="-742950" algn="l">
@@ -9556,8 +9602,17 @@
               <a:rPr lang="en-US" altLang="zh-CN" sz="2600" dirty="0" smtClean="0">
                 <a:ea typeface="宋体" charset="-122"/>
               </a:rPr>
-              <a:t>How to start model simulation</a:t>
-            </a:r>
+              <a:t>How to start model </a:t>
+            </a:r>
+            <a:r>
+              <a:rPr lang="en-US" altLang="zh-CN" sz="2600" dirty="0" smtClean="0">
+                <a:ea typeface="宋体" charset="-122"/>
+              </a:rPr>
+              <a:t>simulation</a:t>
+            </a:r>
+            <a:endParaRPr lang="en-US" altLang="zh-CN" sz="2600" dirty="0" smtClean="0">
+              <a:ea typeface="宋体" charset="-122"/>
+            </a:endParaRPr>
           </a:p>
           <a:p>
             <a:pPr>
@@ -9795,9 +9850,78 @@
           </a:p>
         </p:txBody>
       </p:sp>
+      <p:sp>
+        <p:nvSpPr>
+          <p:cNvPr id="6" name="TextBox 5"/>
+          <p:cNvSpPr txBox="1"/>
+          <p:nvPr/>
+        </p:nvSpPr>
+        <p:spPr>
+          <a:xfrm>
+            <a:off x="1175656" y="1306286"/>
+            <a:ext cx="7445830" cy="1815882"/>
+          </a:xfrm>
+          <a:prstGeom prst="rect">
+            <a:avLst/>
+          </a:prstGeom>
+          <a:noFill/>
+        </p:spPr>
+        <p:txBody>
+          <a:bodyPr wrap="square" rtlCol="0">
+            <a:spAutoFit/>
+          </a:bodyPr>
+          <a:lstStyle/>
+          <a:p>
+            <a:pPr algn="l"/>
+            <a:r>
+              <a:rPr lang="en-US" sz="2800" dirty="0" smtClean="0"/>
+              <a:t>Step 1: Make a transfer flow time series</a:t>
+            </a:r>
+          </a:p>
+          <a:p>
+            <a:pPr algn="l"/>
+            <a:r>
+              <a:rPr lang="en-US" sz="2800" dirty="0" smtClean="0"/>
+              <a:t>Step 2: Create a transfer flow  .</a:t>
+            </a:r>
+            <a:r>
+              <a:rPr lang="en-US" sz="2800" dirty="0" err="1" smtClean="0"/>
+              <a:t>inp</a:t>
+            </a:r>
+            <a:r>
+              <a:rPr lang="en-US" sz="2800" dirty="0" smtClean="0"/>
+              <a:t> file</a:t>
+            </a:r>
+          </a:p>
+          <a:p>
+            <a:pPr algn="l"/>
+            <a:r>
+              <a:rPr lang="en-US" sz="2800" dirty="0" smtClean="0"/>
+              <a:t>Step 3: Add .</a:t>
+            </a:r>
+            <a:r>
+              <a:rPr lang="en-US" sz="2800" dirty="0" err="1" smtClean="0"/>
+              <a:t>inp</a:t>
+            </a:r>
+            <a:r>
+              <a:rPr lang="en-US" sz="2800" dirty="0" smtClean="0"/>
+              <a:t> file in </a:t>
+            </a:r>
+            <a:r>
+              <a:rPr lang="en-US" sz="2800" dirty="0" smtClean="0"/>
+              <a:t>the historical _hydro.inp </a:t>
+            </a:r>
+            <a:r>
+              <a:rPr lang="en-US" sz="2800" dirty="0" smtClean="0"/>
+              <a:t>file</a:t>
+            </a:r>
+            <a:endParaRPr lang="en-US" sz="2800" dirty="0"/>
+          </a:p>
+        </p:txBody>
+      </p:sp>
       <p:pic>
         <p:nvPicPr>
-          <p:cNvPr id="5" name="Picture 4" descr="wind4.JPG"/>
+          <p:cNvPr id="8" name="Picture 7" descr="trans1.JPG"/>
           <p:cNvPicPr>
             <a:picLocks noChangeAspect="1"/>
           </p:cNvPicPr>
@@ -9811,75 +9935,14 @@
         </p:blipFill>
         <p:spPr>
           <a:xfrm>
-            <a:off x="396875" y="3181124"/>
-            <a:ext cx="8543925" cy="2905125"/>
+            <a:off x="521380" y="3143022"/>
+            <a:ext cx="8391525" cy="2981325"/>
           </a:xfrm>
           <a:prstGeom prst="rect">
             <a:avLst/>
           </a:prstGeom>
         </p:spPr>
       </p:pic>
-      <p:sp>
-        <p:nvSpPr>
-          <p:cNvPr id="6" name="TextBox 5"/>
-          <p:cNvSpPr txBox="1"/>
-          <p:nvPr/>
-        </p:nvSpPr>
-        <p:spPr>
-          <a:xfrm>
-            <a:off x="475012" y="1306286"/>
-            <a:ext cx="8431481" cy="1815882"/>
-          </a:xfrm>
-          <a:prstGeom prst="rect">
-            <a:avLst/>
-          </a:prstGeom>
-          <a:noFill/>
-        </p:spPr>
-        <p:txBody>
-          <a:bodyPr wrap="square" rtlCol="0">
-            <a:spAutoFit/>
-          </a:bodyPr>
-          <a:lstStyle/>
-          <a:p>
-            <a:pPr algn="l"/>
-            <a:r>
-              <a:rPr lang="en-US" sz="2800" dirty="0" smtClean="0"/>
-              <a:t>Step 1: Make a transfer flow time series</a:t>
-            </a:r>
-          </a:p>
-          <a:p>
-            <a:pPr algn="l"/>
-            <a:r>
-              <a:rPr lang="en-US" sz="2800" dirty="0" smtClean="0"/>
-              <a:t>Step 2: Create a transfer flow  .</a:t>
-            </a:r>
-            <a:r>
-              <a:rPr lang="en-US" sz="2800" dirty="0" err="1" smtClean="0"/>
-              <a:t>inp</a:t>
-            </a:r>
-            <a:r>
-              <a:rPr lang="en-US" sz="2800" dirty="0" smtClean="0"/>
-              <a:t> file</a:t>
-            </a:r>
-          </a:p>
-          <a:p>
-            <a:pPr algn="l"/>
-            <a:r>
-              <a:rPr lang="en-US" sz="2800" dirty="0" smtClean="0"/>
-              <a:t>Step 3: Add .</a:t>
-            </a:r>
-            <a:r>
-              <a:rPr lang="en-US" sz="2800" dirty="0" err="1" smtClean="0"/>
-              <a:t>inp</a:t>
-            </a:r>
-            <a:r>
-              <a:rPr lang="en-US" sz="2800" dirty="0" smtClean="0"/>
-              <a:t> file in the historical _hydro.inp file</a:t>
-            </a:r>
-            <a:endParaRPr lang="en-US" sz="2800" dirty="0"/>
-          </a:p>
-        </p:txBody>
-      </p:sp>
     </p:spTree>
   </p:cSld>
   <p:clrMapOvr>
@@ -10095,8 +10158,13 @@
             </a:pPr>
             <a:r>
               <a:rPr lang="en-US" sz="2800" dirty="0" smtClean="0"/>
-              <a:t>It saves the flow and stage for all the channels and nodes of DSM2.</a:t>
-            </a:r>
+              <a:t>It saves the flow and stage for all the channels and nodes of </a:t>
+            </a:r>
+            <a:r>
+              <a:rPr lang="en-US" sz="2800" dirty="0" smtClean="0"/>
+              <a:t>DSM2.</a:t>
+            </a:r>
+            <a:endParaRPr lang="en-US" sz="2800" dirty="0" smtClean="0"/>
           </a:p>
           <a:p>
             <a:pPr algn="l">
@@ -11016,7 +11084,19 @@
               <a:rPr lang="en-US" altLang="zh-CN" dirty="0" smtClean="0">
                 <a:ea typeface="宋体" charset="-122"/>
               </a:rPr>
-              <a:t>Hydro Data Requirements</a:t>
+              <a:t>Hydro</a:t>
+            </a:r>
+            <a:r>
+              <a:rPr lang="en-US" altLang="zh-CN" dirty="0" smtClean="0">
+                <a:ea typeface="宋体" charset="-122"/>
+              </a:rPr>
+              <a:t> </a:t>
+            </a:r>
+            <a:r>
+              <a:rPr lang="en-US" altLang="zh-CN" dirty="0" smtClean="0">
+                <a:ea typeface="宋体" charset="-122"/>
+              </a:rPr>
+              <a:t>Data Requirements</a:t>
             </a:r>
           </a:p>
         </p:txBody>
@@ -15272,7 +15352,15 @@
             </a:r>
             <a:r>
               <a:rPr lang="en-US" sz="2400" dirty="0" smtClean="0"/>
-              <a:t>) of parameter, grid, initial condition, boundary condition, gate operation,  and output time series</a:t>
+              <a:t>) of </a:t>
+            </a:r>
+            <a:r>
+              <a:rPr lang="en-US" sz="2400" dirty="0" smtClean="0"/>
+              <a:t>parameter, </a:t>
+            </a:r>
+            <a:r>
+              <a:rPr lang="en-US" sz="2400" dirty="0" smtClean="0"/>
+              <a:t>grid, initial condition, boundary condition, gate operation,  and output time series</a:t>
             </a:r>
             <a:endParaRPr lang="en-US" sz="2400" dirty="0"/>
           </a:p>

--- a/dsm2/presentations/d1_historical.pptx
+++ b/dsm2/presentations/d1_historical.pptx
@@ -5,37 +5,36 @@
     <p:sldMasterId id="2147483648" r:id="rId1"/>
   </p:sldMasterIdLst>
   <p:notesMasterIdLst>
-    <p:notesMasterId r:id="rId27"/>
+    <p:notesMasterId r:id="rId26"/>
   </p:notesMasterIdLst>
   <p:handoutMasterIdLst>
-    <p:handoutMasterId r:id="rId28"/>
+    <p:handoutMasterId r:id="rId27"/>
   </p:handoutMasterIdLst>
   <p:sldIdLst>
     <p:sldId id="429" r:id="rId2"/>
     <p:sldId id="450" r:id="rId3"/>
     <p:sldId id="475" r:id="rId4"/>
-    <p:sldId id="477" r:id="rId5"/>
-    <p:sldId id="451" r:id="rId6"/>
-    <p:sldId id="452" r:id="rId7"/>
-    <p:sldId id="474" r:id="rId8"/>
-    <p:sldId id="453" r:id="rId9"/>
-    <p:sldId id="471" r:id="rId10"/>
-    <p:sldId id="456" r:id="rId11"/>
-    <p:sldId id="446" r:id="rId12"/>
-    <p:sldId id="448" r:id="rId13"/>
-    <p:sldId id="436" r:id="rId14"/>
-    <p:sldId id="445" r:id="rId15"/>
-    <p:sldId id="440" r:id="rId16"/>
-    <p:sldId id="458" r:id="rId17"/>
-    <p:sldId id="459" r:id="rId18"/>
-    <p:sldId id="460" r:id="rId19"/>
-    <p:sldId id="462" r:id="rId20"/>
-    <p:sldId id="472" r:id="rId21"/>
-    <p:sldId id="463" r:id="rId22"/>
-    <p:sldId id="461" r:id="rId23"/>
-    <p:sldId id="464" r:id="rId24"/>
-    <p:sldId id="468" r:id="rId25"/>
-    <p:sldId id="473" r:id="rId26"/>
+    <p:sldId id="451" r:id="rId5"/>
+    <p:sldId id="452" r:id="rId6"/>
+    <p:sldId id="474" r:id="rId7"/>
+    <p:sldId id="453" r:id="rId8"/>
+    <p:sldId id="471" r:id="rId9"/>
+    <p:sldId id="456" r:id="rId10"/>
+    <p:sldId id="446" r:id="rId11"/>
+    <p:sldId id="448" r:id="rId12"/>
+    <p:sldId id="436" r:id="rId13"/>
+    <p:sldId id="445" r:id="rId14"/>
+    <p:sldId id="440" r:id="rId15"/>
+    <p:sldId id="458" r:id="rId16"/>
+    <p:sldId id="459" r:id="rId17"/>
+    <p:sldId id="460" r:id="rId18"/>
+    <p:sldId id="462" r:id="rId19"/>
+    <p:sldId id="472" r:id="rId20"/>
+    <p:sldId id="463" r:id="rId21"/>
+    <p:sldId id="461" r:id="rId22"/>
+    <p:sldId id="464" r:id="rId23"/>
+    <p:sldId id="468" r:id="rId24"/>
+    <p:sldId id="473" r:id="rId25"/>
   </p:sldIdLst>
   <p:sldSz cx="9144000" cy="6858000" type="screen4x3"/>
   <p:notesSz cx="7010400" cy="9296400"/>
@@ -1017,7 +1016,7 @@
       </p:grpSpPr>
       <p:sp>
         <p:nvSpPr>
-          <p:cNvPr id="45058" name="Rectangle 2"/>
+          <p:cNvPr id="47106" name="Rectangle 2"/>
           <p:cNvSpPr>
             <a:spLocks noGrp="1" noChangeArrowheads="1"/>
           </p:cNvSpPr>
@@ -1041,7 +1040,7 @@
       </p:sp>
       <p:sp>
         <p:nvSpPr>
-          <p:cNvPr id="45059" name="Rectangle 3"/>
+          <p:cNvPr id="47107" name="Rectangle 3"/>
           <p:cNvSpPr>
             <a:spLocks noGrp="1" noChangeArrowheads="1"/>
           </p:cNvSpPr>
@@ -1065,7 +1064,7 @@
       </p:sp>
       <p:sp>
         <p:nvSpPr>
-          <p:cNvPr id="45060" name="Rectangle 7"/>
+          <p:cNvPr id="47108" name="Rectangle 7"/>
           <p:cNvSpPr>
             <a:spLocks noGrp="1" noChangeArrowheads="1"/>
           </p:cNvSpPr>
@@ -1080,7 +1079,7 @@
           <a:bodyPr/>
           <a:lstStyle/>
           <a:p>
-            <a:fld id="{D88366DE-E0D6-44A6-A3B4-81FB2252242E}" type="slidenum">
+            <a:fld id="{30ED9598-49D1-47D3-AC75-4FD412898C59}" type="slidenum">
               <a:rPr lang="zh-CN" altLang="en-US"/>
               <a:pPr/>
               <a:t>11</a:t>
@@ -1091,7 +1090,7 @@
       </p:sp>
       <p:sp>
         <p:nvSpPr>
-          <p:cNvPr id="45061" name="Rectangle 2"/>
+          <p:cNvPr id="47109" name="Rectangle 2"/>
           <p:cNvSpPr>
             <a:spLocks noGrp="1" noRot="1" noChangeAspect="1" noChangeArrowheads="1" noTextEdit="1"/>
           </p:cNvSpPr>
@@ -1105,7 +1104,7 @@
       </p:sp>
       <p:sp>
         <p:nvSpPr>
-          <p:cNvPr id="45062" name="Rectangle 3"/>
+          <p:cNvPr id="47110" name="Rectangle 3"/>
           <p:cNvSpPr>
             <a:spLocks noGrp="1" noChangeArrowheads="1"/>
           </p:cNvSpPr>
@@ -1152,7 +1151,7 @@
       </p:grpSpPr>
       <p:sp>
         <p:nvSpPr>
-          <p:cNvPr id="47106" name="Rectangle 2"/>
+          <p:cNvPr id="40962" name="Rectangle 2"/>
           <p:cNvSpPr>
             <a:spLocks noGrp="1" noChangeArrowheads="1"/>
           </p:cNvSpPr>
@@ -1176,7 +1175,7 @@
       </p:sp>
       <p:sp>
         <p:nvSpPr>
-          <p:cNvPr id="47107" name="Rectangle 3"/>
+          <p:cNvPr id="40963" name="Rectangle 3"/>
           <p:cNvSpPr>
             <a:spLocks noGrp="1" noChangeArrowheads="1"/>
           </p:cNvSpPr>
@@ -1200,7 +1199,7 @@
       </p:sp>
       <p:sp>
         <p:nvSpPr>
-          <p:cNvPr id="47108" name="Rectangle 7"/>
+          <p:cNvPr id="40964" name="Rectangle 7"/>
           <p:cNvSpPr>
             <a:spLocks noGrp="1" noChangeArrowheads="1"/>
           </p:cNvSpPr>
@@ -1215,7 +1214,7 @@
           <a:bodyPr/>
           <a:lstStyle/>
           <a:p>
-            <a:fld id="{30ED9598-49D1-47D3-AC75-4FD412898C59}" type="slidenum">
+            <a:fld id="{8A11C9E0-6EFF-4579-B060-21E622B505C2}" type="slidenum">
               <a:rPr lang="zh-CN" altLang="en-US"/>
               <a:pPr/>
               <a:t>12</a:t>
@@ -1226,7 +1225,7 @@
       </p:sp>
       <p:sp>
         <p:nvSpPr>
-          <p:cNvPr id="47109" name="Rectangle 2"/>
+          <p:cNvPr id="40965" name="Rectangle 2"/>
           <p:cNvSpPr>
             <a:spLocks noGrp="1" noRot="1" noChangeAspect="1" noChangeArrowheads="1" noTextEdit="1"/>
           </p:cNvSpPr>
@@ -1240,7 +1239,7 @@
       </p:sp>
       <p:sp>
         <p:nvSpPr>
-          <p:cNvPr id="47110" name="Rectangle 3"/>
+          <p:cNvPr id="40966" name="Rectangle 3"/>
           <p:cNvSpPr>
             <a:spLocks noGrp="1" noChangeArrowheads="1"/>
           </p:cNvSpPr>
@@ -1287,7 +1286,7 @@
       </p:grpSpPr>
       <p:sp>
         <p:nvSpPr>
-          <p:cNvPr id="40962" name="Rectangle 2"/>
+          <p:cNvPr id="43010" name="Rectangle 2"/>
           <p:cNvSpPr>
             <a:spLocks noGrp="1" noChangeArrowheads="1"/>
           </p:cNvSpPr>
@@ -1311,7 +1310,7 @@
       </p:sp>
       <p:sp>
         <p:nvSpPr>
-          <p:cNvPr id="40963" name="Rectangle 3"/>
+          <p:cNvPr id="43011" name="Rectangle 3"/>
           <p:cNvSpPr>
             <a:spLocks noGrp="1" noChangeArrowheads="1"/>
           </p:cNvSpPr>
@@ -1335,7 +1334,7 @@
       </p:sp>
       <p:sp>
         <p:nvSpPr>
-          <p:cNvPr id="40964" name="Rectangle 7"/>
+          <p:cNvPr id="43012" name="Rectangle 7"/>
           <p:cNvSpPr>
             <a:spLocks noGrp="1" noChangeArrowheads="1"/>
           </p:cNvSpPr>
@@ -1350,7 +1349,7 @@
           <a:bodyPr/>
           <a:lstStyle/>
           <a:p>
-            <a:fld id="{8A11C9E0-6EFF-4579-B060-21E622B505C2}" type="slidenum">
+            <a:fld id="{914BC507-61DD-4FC9-A208-43E62A94AECF}" type="slidenum">
               <a:rPr lang="zh-CN" altLang="en-US"/>
               <a:pPr/>
               <a:t>13</a:t>
@@ -1361,7 +1360,7 @@
       </p:sp>
       <p:sp>
         <p:nvSpPr>
-          <p:cNvPr id="40965" name="Rectangle 2"/>
+          <p:cNvPr id="43013" name="Rectangle 2"/>
           <p:cNvSpPr>
             <a:spLocks noGrp="1" noRot="1" noChangeAspect="1" noChangeArrowheads="1" noTextEdit="1"/>
           </p:cNvSpPr>
@@ -1375,7 +1374,7 @@
       </p:sp>
       <p:sp>
         <p:nvSpPr>
-          <p:cNvPr id="40966" name="Rectangle 3"/>
+          <p:cNvPr id="43014" name="Rectangle 3"/>
           <p:cNvSpPr>
             <a:spLocks noGrp="1" noChangeArrowheads="1"/>
           </p:cNvSpPr>
@@ -1422,7 +1421,7 @@
       </p:grpSpPr>
       <p:sp>
         <p:nvSpPr>
-          <p:cNvPr id="43010" name="Rectangle 2"/>
+          <p:cNvPr id="39938" name="Rectangle 2"/>
           <p:cNvSpPr>
             <a:spLocks noGrp="1" noChangeArrowheads="1"/>
           </p:cNvSpPr>
@@ -1446,7 +1445,7 @@
       </p:sp>
       <p:sp>
         <p:nvSpPr>
-          <p:cNvPr id="43011" name="Rectangle 3"/>
+          <p:cNvPr id="39939" name="Rectangle 3"/>
           <p:cNvSpPr>
             <a:spLocks noGrp="1" noChangeArrowheads="1"/>
           </p:cNvSpPr>
@@ -1470,7 +1469,7 @@
       </p:sp>
       <p:sp>
         <p:nvSpPr>
-          <p:cNvPr id="43012" name="Rectangle 7"/>
+          <p:cNvPr id="39940" name="Rectangle 7"/>
           <p:cNvSpPr>
             <a:spLocks noGrp="1" noChangeArrowheads="1"/>
           </p:cNvSpPr>
@@ -1485,7 +1484,7 @@
           <a:bodyPr/>
           <a:lstStyle/>
           <a:p>
-            <a:fld id="{914BC507-61DD-4FC9-A208-43E62A94AECF}" type="slidenum">
+            <a:fld id="{32455B1C-2261-4E05-B5B0-358B61E76896}" type="slidenum">
               <a:rPr lang="zh-CN" altLang="en-US"/>
               <a:pPr/>
               <a:t>14</a:t>
@@ -1496,7 +1495,7 @@
       </p:sp>
       <p:sp>
         <p:nvSpPr>
-          <p:cNvPr id="43013" name="Rectangle 2"/>
+          <p:cNvPr id="39941" name="Rectangle 2"/>
           <p:cNvSpPr>
             <a:spLocks noGrp="1" noRot="1" noChangeAspect="1" noChangeArrowheads="1" noTextEdit="1"/>
           </p:cNvSpPr>
@@ -1510,7 +1509,7 @@
       </p:sp>
       <p:sp>
         <p:nvSpPr>
-          <p:cNvPr id="43014" name="Rectangle 3"/>
+          <p:cNvPr id="39942" name="Rectangle 3"/>
           <p:cNvSpPr>
             <a:spLocks noGrp="1" noChangeArrowheads="1"/>
           </p:cNvSpPr>
@@ -1557,7 +1556,7 @@
       </p:grpSpPr>
       <p:sp>
         <p:nvSpPr>
-          <p:cNvPr id="39938" name="Rectangle 2"/>
+          <p:cNvPr id="49154" name="Rectangle 2"/>
           <p:cNvSpPr>
             <a:spLocks noGrp="1" noChangeArrowheads="1"/>
           </p:cNvSpPr>
@@ -1581,7 +1580,7 @@
       </p:sp>
       <p:sp>
         <p:nvSpPr>
-          <p:cNvPr id="39939" name="Rectangle 3"/>
+          <p:cNvPr id="49155" name="Rectangle 3"/>
           <p:cNvSpPr>
             <a:spLocks noGrp="1" noChangeArrowheads="1"/>
           </p:cNvSpPr>
@@ -1605,7 +1604,7 @@
       </p:sp>
       <p:sp>
         <p:nvSpPr>
-          <p:cNvPr id="39940" name="Rectangle 7"/>
+          <p:cNvPr id="49156" name="Rectangle 7"/>
           <p:cNvSpPr>
             <a:spLocks noGrp="1" noChangeArrowheads="1"/>
           </p:cNvSpPr>
@@ -1620,7 +1619,7 @@
           <a:bodyPr/>
           <a:lstStyle/>
           <a:p>
-            <a:fld id="{32455B1C-2261-4E05-B5B0-358B61E76896}" type="slidenum">
+            <a:fld id="{932778EE-9179-4669-814E-AE3AD3E0CF2E}" type="slidenum">
               <a:rPr lang="zh-CN" altLang="en-US"/>
               <a:pPr/>
               <a:t>15</a:t>
@@ -1631,7 +1630,7 @@
       </p:sp>
       <p:sp>
         <p:nvSpPr>
-          <p:cNvPr id="39941" name="Rectangle 2"/>
+          <p:cNvPr id="49157" name="Rectangle 2"/>
           <p:cNvSpPr>
             <a:spLocks noGrp="1" noRot="1" noChangeAspect="1" noChangeArrowheads="1" noTextEdit="1"/>
           </p:cNvSpPr>
@@ -1645,7 +1644,7 @@
       </p:sp>
       <p:sp>
         <p:nvSpPr>
-          <p:cNvPr id="39942" name="Rectangle 3"/>
+          <p:cNvPr id="49158" name="Rectangle 3"/>
           <p:cNvSpPr>
             <a:spLocks noGrp="1" noChangeArrowheads="1"/>
           </p:cNvSpPr>
@@ -2981,7 +2980,7 @@
       </p:grpSpPr>
       <p:sp>
         <p:nvSpPr>
-          <p:cNvPr id="49154" name="Rectangle 2"/>
+          <p:cNvPr id="48130" name="Rectangle 2"/>
           <p:cNvSpPr>
             <a:spLocks noGrp="1" noChangeArrowheads="1"/>
           </p:cNvSpPr>
@@ -3005,7 +3004,7 @@
       </p:sp>
       <p:sp>
         <p:nvSpPr>
-          <p:cNvPr id="49155" name="Rectangle 3"/>
+          <p:cNvPr id="48131" name="Rectangle 3"/>
           <p:cNvSpPr>
             <a:spLocks noGrp="1" noChangeArrowheads="1"/>
           </p:cNvSpPr>
@@ -3029,7 +3028,7 @@
       </p:sp>
       <p:sp>
         <p:nvSpPr>
-          <p:cNvPr id="49156" name="Rectangle 7"/>
+          <p:cNvPr id="48132" name="Rectangle 7"/>
           <p:cNvSpPr>
             <a:spLocks noGrp="1" noChangeArrowheads="1"/>
           </p:cNvSpPr>
@@ -3044,145 +3043,10 @@
           <a:bodyPr/>
           <a:lstStyle/>
           <a:p>
-            <a:fld id="{932778EE-9179-4669-814E-AE3AD3E0CF2E}" type="slidenum">
+            <a:fld id="{2565D5C6-6509-4E0D-950F-55C5FAD20281}" type="slidenum">
               <a:rPr lang="zh-CN" altLang="en-US"/>
               <a:pPr/>
               <a:t>24</a:t>
-            </a:fld>
-            <a:endParaRPr lang="en-US" altLang="zh-CN"/>
-          </a:p>
-        </p:txBody>
-      </p:sp>
-      <p:sp>
-        <p:nvSpPr>
-          <p:cNvPr id="49157" name="Rectangle 2"/>
-          <p:cNvSpPr>
-            <a:spLocks noGrp="1" noRot="1" noChangeAspect="1" noChangeArrowheads="1" noTextEdit="1"/>
-          </p:cNvSpPr>
-          <p:nvPr>
-            <p:ph type="sldImg"/>
-          </p:nvPr>
-        </p:nvSpPr>
-        <p:spPr>
-          <a:ln/>
-        </p:spPr>
-      </p:sp>
-      <p:sp>
-        <p:nvSpPr>
-          <p:cNvPr id="49158" name="Rectangle 3"/>
-          <p:cNvSpPr>
-            <a:spLocks noGrp="1" noChangeArrowheads="1"/>
-          </p:cNvSpPr>
-          <p:nvPr>
-            <p:ph type="body" idx="1"/>
-          </p:nvPr>
-        </p:nvSpPr>
-        <p:spPr>
-          <a:noFill/>
-          <a:ln/>
-        </p:spPr>
-        <p:txBody>
-          <a:bodyPr/>
-          <a:lstStyle/>
-          <a:p>
-            <a:endParaRPr lang="zh-CN" altLang="en-US" smtClean="0"/>
-          </a:p>
-        </p:txBody>
-      </p:sp>
-    </p:spTree>
-  </p:cSld>
-  <p:clrMapOvr>
-    <a:masterClrMapping/>
-  </p:clrMapOvr>
-</p:notes>
-</file>
-
-<file path=ppt/notesSlides/notesSlide24.xml><?xml version="1.0" encoding="utf-8"?>
-<p:notes xmlns:a="http://schemas.openxmlformats.org/drawingml/2006/main" xmlns:r="http://schemas.openxmlformats.org/officeDocument/2006/relationships" xmlns:p="http://schemas.openxmlformats.org/presentationml/2006/main">
-  <p:cSld>
-    <p:spTree>
-      <p:nvGrpSpPr>
-        <p:cNvPr id="1" name=""/>
-        <p:cNvGrpSpPr/>
-        <p:nvPr/>
-      </p:nvGrpSpPr>
-      <p:grpSpPr>
-        <a:xfrm>
-          <a:off x="0" y="0"/>
-          <a:ext cx="0" cy="0"/>
-          <a:chOff x="0" y="0"/>
-          <a:chExt cx="0" cy="0"/>
-        </a:xfrm>
-      </p:grpSpPr>
-      <p:sp>
-        <p:nvSpPr>
-          <p:cNvPr id="48130" name="Rectangle 2"/>
-          <p:cNvSpPr>
-            <a:spLocks noGrp="1" noChangeArrowheads="1"/>
-          </p:cNvSpPr>
-          <p:nvPr>
-            <p:ph type="hdr" sz="quarter"/>
-          </p:nvPr>
-        </p:nvSpPr>
-        <p:spPr>
-          <a:noFill/>
-        </p:spPr>
-        <p:txBody>
-          <a:bodyPr/>
-          <a:lstStyle/>
-          <a:p>
-            <a:r>
-              <a:rPr lang="en-US" altLang="zh-CN" smtClean="0"/>
-              <a:t>DSM2 Users Group: "EXAMPLE: Filling in Martinez Stage"</a:t>
-            </a:r>
-          </a:p>
-        </p:txBody>
-      </p:sp>
-      <p:sp>
-        <p:nvSpPr>
-          <p:cNvPr id="48131" name="Rectangle 3"/>
-          <p:cNvSpPr>
-            <a:spLocks noGrp="1" noChangeArrowheads="1"/>
-          </p:cNvSpPr>
-          <p:nvPr>
-            <p:ph type="dt" sz="quarter" idx="1"/>
-          </p:nvPr>
-        </p:nvSpPr>
-        <p:spPr>
-          <a:noFill/>
-        </p:spPr>
-        <p:txBody>
-          <a:bodyPr/>
-          <a:lstStyle/>
-          <a:p>
-            <a:r>
-              <a:rPr lang="en-US" altLang="zh-CN" smtClean="0"/>
-              <a:t>2004.04.27</a:t>
-            </a:r>
-          </a:p>
-        </p:txBody>
-      </p:sp>
-      <p:sp>
-        <p:nvSpPr>
-          <p:cNvPr id="48132" name="Rectangle 7"/>
-          <p:cNvSpPr>
-            <a:spLocks noGrp="1" noChangeArrowheads="1"/>
-          </p:cNvSpPr>
-          <p:nvPr>
-            <p:ph type="sldNum" sz="quarter" idx="5"/>
-          </p:nvPr>
-        </p:nvSpPr>
-        <p:spPr>
-          <a:noFill/>
-        </p:spPr>
-        <p:txBody>
-          <a:bodyPr/>
-          <a:lstStyle/>
-          <a:p>
-            <a:fld id="{2565D5C6-6509-4E0D-950F-55C5FAD20281}" type="slidenum">
-              <a:rPr lang="zh-CN" altLang="en-US"/>
-              <a:pPr/>
-              <a:t>25</a:t>
             </a:fld>
             <a:endParaRPr lang="en-US" altLang="zh-CN"/>
           </a:p>
@@ -3386,11 +3250,59 @@
       </p:grpSpPr>
       <p:sp>
         <p:nvSpPr>
-          <p:cNvPr id="37890" name="Rectangle 7"/>
+          <p:cNvPr id="35842" name="Rectangle 2"/>
           <p:cNvSpPr>
             <a:spLocks noGrp="1" noChangeArrowheads="1"/>
           </p:cNvSpPr>
           <p:nvPr>
+            <p:ph type="hdr" sz="quarter"/>
+          </p:nvPr>
+        </p:nvSpPr>
+        <p:spPr>
+          <a:noFill/>
+        </p:spPr>
+        <p:txBody>
+          <a:bodyPr/>
+          <a:lstStyle/>
+          <a:p>
+            <a:r>
+              <a:rPr lang="en-US" altLang="zh-CN" smtClean="0"/>
+              <a:t>DSM2 Users Group: "EXAMPLE: Filling in Martinez Stage"</a:t>
+            </a:r>
+          </a:p>
+        </p:txBody>
+      </p:sp>
+      <p:sp>
+        <p:nvSpPr>
+          <p:cNvPr id="35843" name="Rectangle 3"/>
+          <p:cNvSpPr>
+            <a:spLocks noGrp="1" noChangeArrowheads="1"/>
+          </p:cNvSpPr>
+          <p:nvPr>
+            <p:ph type="dt" sz="quarter" idx="1"/>
+          </p:nvPr>
+        </p:nvSpPr>
+        <p:spPr>
+          <a:noFill/>
+        </p:spPr>
+        <p:txBody>
+          <a:bodyPr/>
+          <a:lstStyle/>
+          <a:p>
+            <a:r>
+              <a:rPr lang="en-US" altLang="zh-CN" smtClean="0"/>
+              <a:t>2004.04.27</a:t>
+            </a:r>
+          </a:p>
+        </p:txBody>
+      </p:sp>
+      <p:sp>
+        <p:nvSpPr>
+          <p:cNvPr id="35844" name="Rectangle 7"/>
+          <p:cNvSpPr>
+            <a:spLocks noGrp="1" noChangeArrowheads="1"/>
+          </p:cNvSpPr>
+          <p:nvPr>
             <p:ph type="sldNum" sz="quarter" idx="5"/>
           </p:nvPr>
         </p:nvSpPr>
@@ -3401,18 +3313,18 @@
           <a:bodyPr/>
           <a:lstStyle/>
           <a:p>
-            <a:fld id="{299FE59D-EBAE-4974-BC06-35C1A3C88DC2}" type="slidenum">
-              <a:rPr lang="en-US"/>
+            <a:fld id="{B930FE18-6EB0-472F-BEB7-F0C363D8026E}" type="slidenum">
+              <a:rPr lang="zh-CN" altLang="en-US"/>
               <a:pPr/>
               <a:t>4</a:t>
             </a:fld>
-            <a:endParaRPr lang="en-US"/>
-          </a:p>
-        </p:txBody>
-      </p:sp>
-      <p:sp>
-        <p:nvSpPr>
-          <p:cNvPr id="37891" name="Rectangle 2"/>
+            <a:endParaRPr lang="en-US" altLang="zh-CN"/>
+          </a:p>
+        </p:txBody>
+      </p:sp>
+      <p:sp>
+        <p:nvSpPr>
+          <p:cNvPr id="35845" name="Rectangle 2"/>
           <p:cNvSpPr>
             <a:spLocks noGrp="1" noRot="1" noChangeAspect="1" noChangeArrowheads="1" noTextEdit="1"/>
           </p:cNvSpPr>
@@ -3426,7 +3338,7 @@
       </p:sp>
       <p:sp>
         <p:nvSpPr>
-          <p:cNvPr id="37892" name="Rectangle 3"/>
+          <p:cNvPr id="35846" name="Rectangle 3"/>
           <p:cNvSpPr>
             <a:spLocks noGrp="1" noChangeArrowheads="1"/>
           </p:cNvSpPr>
@@ -3442,7 +3354,7 @@
           <a:bodyPr/>
           <a:lstStyle/>
           <a:p>
-            <a:endParaRPr lang="en-US" smtClean="0"/>
+            <a:endParaRPr lang="zh-CN" altLang="en-US" smtClean="0"/>
           </a:p>
         </p:txBody>
       </p:sp>
@@ -3473,7 +3385,7 @@
       </p:grpSpPr>
       <p:sp>
         <p:nvSpPr>
-          <p:cNvPr id="35842" name="Rectangle 2"/>
+          <p:cNvPr id="36866" name="Rectangle 2"/>
           <p:cNvSpPr>
             <a:spLocks noGrp="1" noChangeArrowheads="1"/>
           </p:cNvSpPr>
@@ -3497,7 +3409,7 @@
       </p:sp>
       <p:sp>
         <p:nvSpPr>
-          <p:cNvPr id="35843" name="Rectangle 3"/>
+          <p:cNvPr id="36867" name="Rectangle 3"/>
           <p:cNvSpPr>
             <a:spLocks noGrp="1" noChangeArrowheads="1"/>
           </p:cNvSpPr>
@@ -3521,7 +3433,7 @@
       </p:sp>
       <p:sp>
         <p:nvSpPr>
-          <p:cNvPr id="35844" name="Rectangle 7"/>
+          <p:cNvPr id="36868" name="Rectangle 7"/>
           <p:cNvSpPr>
             <a:spLocks noGrp="1" noChangeArrowheads="1"/>
           </p:cNvSpPr>
@@ -3536,7 +3448,7 @@
           <a:bodyPr/>
           <a:lstStyle/>
           <a:p>
-            <a:fld id="{B930FE18-6EB0-472F-BEB7-F0C363D8026E}" type="slidenum">
+            <a:fld id="{AE964FA9-B3F4-44E3-A473-75A4BD442219}" type="slidenum">
               <a:rPr lang="zh-CN" altLang="en-US"/>
               <a:pPr/>
               <a:t>5</a:t>
@@ -3547,7 +3459,7 @@
       </p:sp>
       <p:sp>
         <p:nvSpPr>
-          <p:cNvPr id="35845" name="Rectangle 2"/>
+          <p:cNvPr id="36869" name="Rectangle 2"/>
           <p:cNvSpPr>
             <a:spLocks noGrp="1" noRot="1" noChangeAspect="1" noChangeArrowheads="1" noTextEdit="1"/>
           </p:cNvSpPr>
@@ -3561,7 +3473,7 @@
       </p:sp>
       <p:sp>
         <p:nvSpPr>
-          <p:cNvPr id="35846" name="Rectangle 3"/>
+          <p:cNvPr id="36870" name="Rectangle 3"/>
           <p:cNvSpPr>
             <a:spLocks noGrp="1" noChangeArrowheads="1"/>
           </p:cNvSpPr>
@@ -3608,7 +3520,7 @@
       </p:grpSpPr>
       <p:sp>
         <p:nvSpPr>
-          <p:cNvPr id="36866" name="Rectangle 2"/>
+          <p:cNvPr id="38914" name="Rectangle 2"/>
           <p:cNvSpPr>
             <a:spLocks noGrp="1" noChangeArrowheads="1"/>
           </p:cNvSpPr>
@@ -3632,7 +3544,7 @@
       </p:sp>
       <p:sp>
         <p:nvSpPr>
-          <p:cNvPr id="36867" name="Rectangle 3"/>
+          <p:cNvPr id="38915" name="Rectangle 3"/>
           <p:cNvSpPr>
             <a:spLocks noGrp="1" noChangeArrowheads="1"/>
           </p:cNvSpPr>
@@ -3656,7 +3568,7 @@
       </p:sp>
       <p:sp>
         <p:nvSpPr>
-          <p:cNvPr id="36868" name="Rectangle 7"/>
+          <p:cNvPr id="38916" name="Rectangle 7"/>
           <p:cNvSpPr>
             <a:spLocks noGrp="1" noChangeArrowheads="1"/>
           </p:cNvSpPr>
@@ -3671,10 +3583,10 @@
           <a:bodyPr/>
           <a:lstStyle/>
           <a:p>
-            <a:fld id="{AE964FA9-B3F4-44E3-A473-75A4BD442219}" type="slidenum">
+            <a:fld id="{A4681464-1691-441C-B6B1-35CC1E7B486D}" type="slidenum">
               <a:rPr lang="zh-CN" altLang="en-US"/>
               <a:pPr/>
-              <a:t>6</a:t>
+              <a:t>7</a:t>
             </a:fld>
             <a:endParaRPr lang="en-US" altLang="zh-CN"/>
           </a:p>
@@ -3682,7 +3594,7 @@
       </p:sp>
       <p:sp>
         <p:nvSpPr>
-          <p:cNvPr id="36869" name="Rectangle 2"/>
+          <p:cNvPr id="38917" name="Rectangle 2"/>
           <p:cNvSpPr>
             <a:spLocks noGrp="1" noRot="1" noChangeAspect="1" noChangeArrowheads="1" noTextEdit="1"/>
           </p:cNvSpPr>
@@ -3696,7 +3608,7 @@
       </p:sp>
       <p:sp>
         <p:nvSpPr>
-          <p:cNvPr id="36870" name="Rectangle 3"/>
+          <p:cNvPr id="38918" name="Rectangle 3"/>
           <p:cNvSpPr>
             <a:spLocks noGrp="1" noChangeArrowheads="1"/>
           </p:cNvSpPr>
@@ -3743,7 +3655,7 @@
       </p:grpSpPr>
       <p:sp>
         <p:nvSpPr>
-          <p:cNvPr id="38914" name="Rectangle 2"/>
+          <p:cNvPr id="49154" name="Rectangle 2"/>
           <p:cNvSpPr>
             <a:spLocks noGrp="1" noChangeArrowheads="1"/>
           </p:cNvSpPr>
@@ -3767,7 +3679,7 @@
       </p:sp>
       <p:sp>
         <p:nvSpPr>
-          <p:cNvPr id="38915" name="Rectangle 3"/>
+          <p:cNvPr id="49155" name="Rectangle 3"/>
           <p:cNvSpPr>
             <a:spLocks noGrp="1" noChangeArrowheads="1"/>
           </p:cNvSpPr>
@@ -3791,7 +3703,7 @@
       </p:sp>
       <p:sp>
         <p:nvSpPr>
-          <p:cNvPr id="38916" name="Rectangle 7"/>
+          <p:cNvPr id="49156" name="Rectangle 7"/>
           <p:cNvSpPr>
             <a:spLocks noGrp="1" noChangeArrowheads="1"/>
           </p:cNvSpPr>
@@ -3806,7 +3718,7 @@
           <a:bodyPr/>
           <a:lstStyle/>
           <a:p>
-            <a:fld id="{A4681464-1691-441C-B6B1-35CC1E7B486D}" type="slidenum">
+            <a:fld id="{932778EE-9179-4669-814E-AE3AD3E0CF2E}" type="slidenum">
               <a:rPr lang="zh-CN" altLang="en-US"/>
               <a:pPr/>
               <a:t>8</a:t>
@@ -3817,7 +3729,7 @@
       </p:sp>
       <p:sp>
         <p:nvSpPr>
-          <p:cNvPr id="38917" name="Rectangle 2"/>
+          <p:cNvPr id="49157" name="Rectangle 2"/>
           <p:cNvSpPr>
             <a:spLocks noGrp="1" noRot="1" noChangeAspect="1" noChangeArrowheads="1" noTextEdit="1"/>
           </p:cNvSpPr>
@@ -3831,7 +3743,7 @@
       </p:sp>
       <p:sp>
         <p:nvSpPr>
-          <p:cNvPr id="38918" name="Rectangle 3"/>
+          <p:cNvPr id="49158" name="Rectangle 3"/>
           <p:cNvSpPr>
             <a:spLocks noGrp="1" noChangeArrowheads="1"/>
           </p:cNvSpPr>
@@ -3878,7 +3790,7 @@
       </p:grpSpPr>
       <p:sp>
         <p:nvSpPr>
-          <p:cNvPr id="49154" name="Rectangle 2"/>
+          <p:cNvPr id="46082" name="Rectangle 2"/>
           <p:cNvSpPr>
             <a:spLocks noGrp="1" noChangeArrowheads="1"/>
           </p:cNvSpPr>
@@ -3902,7 +3814,7 @@
       </p:sp>
       <p:sp>
         <p:nvSpPr>
-          <p:cNvPr id="49155" name="Rectangle 3"/>
+          <p:cNvPr id="46083" name="Rectangle 3"/>
           <p:cNvSpPr>
             <a:spLocks noGrp="1" noChangeArrowheads="1"/>
           </p:cNvSpPr>
@@ -3926,7 +3838,7 @@
       </p:sp>
       <p:sp>
         <p:nvSpPr>
-          <p:cNvPr id="49156" name="Rectangle 7"/>
+          <p:cNvPr id="46084" name="Rectangle 7"/>
           <p:cNvSpPr>
             <a:spLocks noGrp="1" noChangeArrowheads="1"/>
           </p:cNvSpPr>
@@ -3941,7 +3853,7 @@
           <a:bodyPr/>
           <a:lstStyle/>
           <a:p>
-            <a:fld id="{932778EE-9179-4669-814E-AE3AD3E0CF2E}" type="slidenum">
+            <a:fld id="{CADA2325-9CD7-45C7-B630-315BF89A314E}" type="slidenum">
               <a:rPr lang="zh-CN" altLang="en-US"/>
               <a:pPr/>
               <a:t>9</a:t>
@@ -3952,7 +3864,7 @@
       </p:sp>
       <p:sp>
         <p:nvSpPr>
-          <p:cNvPr id="49157" name="Rectangle 2"/>
+          <p:cNvPr id="46085" name="Rectangle 2"/>
           <p:cNvSpPr>
             <a:spLocks noGrp="1" noRot="1" noChangeAspect="1" noChangeArrowheads="1" noTextEdit="1"/>
           </p:cNvSpPr>
@@ -3966,7 +3878,7 @@
       </p:sp>
       <p:sp>
         <p:nvSpPr>
-          <p:cNvPr id="49158" name="Rectangle 3"/>
+          <p:cNvPr id="46086" name="Rectangle 3"/>
           <p:cNvSpPr>
             <a:spLocks noGrp="1" noChangeArrowheads="1"/>
           </p:cNvSpPr>
@@ -3982,7 +3894,7 @@
           <a:bodyPr/>
           <a:lstStyle/>
           <a:p>
-            <a:endParaRPr lang="zh-CN" altLang="en-US" smtClean="0"/>
+            <a:endParaRPr lang="zh-CN" altLang="en-US" dirty="0" smtClean="0"/>
           </a:p>
         </p:txBody>
       </p:sp>
@@ -4013,7 +3925,7 @@
       </p:grpSpPr>
       <p:sp>
         <p:nvSpPr>
-          <p:cNvPr id="46082" name="Rectangle 2"/>
+          <p:cNvPr id="45058" name="Rectangle 2"/>
           <p:cNvSpPr>
             <a:spLocks noGrp="1" noChangeArrowheads="1"/>
           </p:cNvSpPr>
@@ -4037,7 +3949,7 @@
       </p:sp>
       <p:sp>
         <p:nvSpPr>
-          <p:cNvPr id="46083" name="Rectangle 3"/>
+          <p:cNvPr id="45059" name="Rectangle 3"/>
           <p:cNvSpPr>
             <a:spLocks noGrp="1" noChangeArrowheads="1"/>
           </p:cNvSpPr>
@@ -4061,7 +3973,7 @@
       </p:sp>
       <p:sp>
         <p:nvSpPr>
-          <p:cNvPr id="46084" name="Rectangle 7"/>
+          <p:cNvPr id="45060" name="Rectangle 7"/>
           <p:cNvSpPr>
             <a:spLocks noGrp="1" noChangeArrowheads="1"/>
           </p:cNvSpPr>
@@ -4076,7 +3988,7 @@
           <a:bodyPr/>
           <a:lstStyle/>
           <a:p>
-            <a:fld id="{CADA2325-9CD7-45C7-B630-315BF89A314E}" type="slidenum">
+            <a:fld id="{D88366DE-E0D6-44A6-A3B4-81FB2252242E}" type="slidenum">
               <a:rPr lang="zh-CN" altLang="en-US"/>
               <a:pPr/>
               <a:t>10</a:t>
@@ -4087,7 +3999,7 @@
       </p:sp>
       <p:sp>
         <p:nvSpPr>
-          <p:cNvPr id="46085" name="Rectangle 2"/>
+          <p:cNvPr id="45061" name="Rectangle 2"/>
           <p:cNvSpPr>
             <a:spLocks noGrp="1" noRot="1" noChangeAspect="1" noChangeArrowheads="1" noTextEdit="1"/>
           </p:cNvSpPr>
@@ -4101,7 +4013,7 @@
       </p:sp>
       <p:sp>
         <p:nvSpPr>
-          <p:cNvPr id="46086" name="Rectangle 3"/>
+          <p:cNvPr id="45062" name="Rectangle 3"/>
           <p:cNvSpPr>
             <a:spLocks noGrp="1" noChangeArrowheads="1"/>
           </p:cNvSpPr>
@@ -4117,7 +4029,7 @@
           <a:bodyPr/>
           <a:lstStyle/>
           <a:p>
-            <a:endParaRPr lang="zh-CN" altLang="en-US" dirty="0" smtClean="0"/>
+            <a:endParaRPr lang="zh-CN" altLang="en-US" smtClean="0"/>
           </a:p>
         </p:txBody>
       </p:sp>
@@ -6900,7 +6812,7 @@
       </p:grpSpPr>
       <p:sp>
         <p:nvSpPr>
-          <p:cNvPr id="27650" name="Date Placeholder 3"/>
+          <p:cNvPr id="26626" name="Date Placeholder 3"/>
           <p:cNvSpPr>
             <a:spLocks noGrp="1"/>
           </p:cNvSpPr>
@@ -6915,7 +6827,7 @@
           <a:bodyPr/>
           <a:lstStyle/>
           <a:p>
-            <a:fld id="{88A28128-C081-432C-935D-5E65757EC0BB}" type="slidenum">
+            <a:fld id="{DF5A8C5A-A3F9-4388-92B9-6887819860B5}" type="slidenum">
               <a:rPr lang="zh-CN" altLang="en-US"/>
               <a:pPr/>
               <a:t>10</a:t>
@@ -6926,7 +6838,7 @@
       </p:sp>
       <p:sp>
         <p:nvSpPr>
-          <p:cNvPr id="27651" name="Rectangle 4"/>
+          <p:cNvPr id="26627" name="Rectangle 2"/>
           <p:cNvSpPr>
             <a:spLocks noGrp="1" noChangeArrowheads="1"/>
           </p:cNvSpPr>
@@ -6934,12 +6846,7 @@
             <p:ph type="title"/>
           </p:nvPr>
         </p:nvSpPr>
-        <p:spPr>
-          <a:xfrm>
-            <a:off x="394855" y="303069"/>
-            <a:ext cx="8749145" cy="1143000"/>
-          </a:xfrm>
-        </p:spPr>
+        <p:spPr/>
         <p:txBody>
           <a:bodyPr/>
           <a:lstStyle/>
@@ -6948,14 +6855,14 @@
               <a:rPr lang="en-US" altLang="zh-CN" dirty="0" smtClean="0">
                 <a:ea typeface="宋体" charset="-122"/>
               </a:rPr>
-              <a:t>How to start model simulation</a:t>
-            </a:r>
-          </a:p>
-        </p:txBody>
-      </p:sp>
-      <p:sp>
-        <p:nvSpPr>
-          <p:cNvPr id="27652" name="Rectangle 5"/>
+              <a:t>Configuration File</a:t>
+            </a:r>
+          </a:p>
+        </p:txBody>
+      </p:sp>
+      <p:sp>
+        <p:nvSpPr>
+          <p:cNvPr id="26628" name="Rectangle 3"/>
           <p:cNvSpPr>
             <a:spLocks noGrp="1" noChangeArrowheads="1"/>
           </p:cNvSpPr>
@@ -6965,8 +6872,8 @@
         </p:nvSpPr>
         <p:spPr>
           <a:xfrm>
-            <a:off x="685800" y="1465943"/>
-            <a:ext cx="8066314" cy="5109028"/>
+            <a:off x="244475" y="1981200"/>
+            <a:ext cx="8642350" cy="4114800"/>
           </a:xfrm>
         </p:spPr>
         <p:txBody>
@@ -6974,117 +6881,81 @@
           <a:lstStyle/>
           <a:p>
             <a:pPr>
-              <a:buNone/>
+              <a:lnSpc>
+                <a:spcPct val="90000"/>
+              </a:lnSpc>
             </a:pPr>
             <a:r>
-              <a:rPr lang="en-US" altLang="zh-CN" dirty="0" smtClean="0">
+              <a:rPr lang="en-US" altLang="zh-CN" smtClean="0">
                 <a:ea typeface="宋体" charset="-122"/>
               </a:rPr>
-              <a:t>Modify data as needed</a:t>
-            </a:r>
-          </a:p>
-          <a:p>
-            <a:r>
-              <a:rPr lang="en-US" altLang="zh-CN" dirty="0" smtClean="0">
+              <a:t>Really just an extra ENVVARS section</a:t>
+            </a:r>
+          </a:p>
+          <a:p>
+            <a:pPr>
+              <a:lnSpc>
+                <a:spcPct val="90000"/>
+              </a:lnSpc>
+            </a:pPr>
+            <a:r>
+              <a:rPr lang="en-US" altLang="zh-CN" smtClean="0">
                 <a:ea typeface="宋体" charset="-122"/>
               </a:rPr>
-              <a:t>Use preprocess tool to update </a:t>
-            </a:r>
-            <a:r>
-              <a:rPr lang="en-US" altLang="zh-CN" dirty="0" err="1" smtClean="0">
+              <a:t>Can comment out a variable if you supply it in the environment</a:t>
+            </a:r>
+          </a:p>
+          <a:p>
+            <a:pPr>
+              <a:lnSpc>
+                <a:spcPct val="90000"/>
+              </a:lnSpc>
+            </a:pPr>
+            <a:r>
+              <a:rPr lang="en-US" altLang="zh-CN" smtClean="0">
                 <a:ea typeface="宋体" charset="-122"/>
               </a:rPr>
-              <a:t>timeseries</a:t>
-            </a:r>
-            <a:endParaRPr lang="en-US" altLang="zh-CN" dirty="0" smtClean="0">
-              <a:ea typeface="宋体" charset="-122"/>
-            </a:endParaRPr>
-          </a:p>
-          <a:p>
-            <a:r>
-              <a:rPr lang="en-US" altLang="zh-CN" dirty="0" smtClean="0">
+              <a:t>Defines runtime, historical version, output file names</a:t>
+            </a:r>
+          </a:p>
+          <a:p>
+            <a:pPr>
+              <a:lnSpc>
+                <a:spcPct val="90000"/>
+              </a:lnSpc>
+            </a:pPr>
+            <a:r>
+              <a:rPr lang="en-US" altLang="zh-CN" smtClean="0">
                 <a:ea typeface="宋体" charset="-122"/>
               </a:rPr>
-              <a:t>Modify configuration </a:t>
-            </a:r>
-            <a:r>
-              <a:rPr lang="en-US" altLang="zh-CN" dirty="0" smtClean="0">
+              <a:t>Defines DSM2MODIFIER</a:t>
+            </a:r>
+          </a:p>
+          <a:p>
+            <a:pPr>
+              <a:lnSpc>
+                <a:spcPct val="90000"/>
+              </a:lnSpc>
+            </a:pPr>
+            <a:r>
+              <a:rPr lang="en-US" altLang="zh-CN" smtClean="0">
                 <a:ea typeface="宋体" charset="-122"/>
               </a:rPr>
-              <a:t>file</a:t>
-            </a:r>
-            <a:endParaRPr lang="en-US" altLang="zh-CN" dirty="0" smtClean="0">
-              <a:ea typeface="宋体" charset="-122"/>
-            </a:endParaRPr>
-          </a:p>
-          <a:p>
-            <a:r>
-              <a:rPr lang="en-US" altLang="zh-CN" dirty="0" smtClean="0">
+              <a:t>Defines tidefile name</a:t>
+            </a:r>
+          </a:p>
+          <a:p>
+            <a:pPr>
+              <a:lnSpc>
+                <a:spcPct val="90000"/>
+              </a:lnSpc>
+            </a:pPr>
+            <a:r>
+              <a:rPr lang="en-US" altLang="zh-CN" smtClean="0">
                 <a:ea typeface="宋体" charset="-122"/>
               </a:rPr>
-              <a:t>Adjust scalars, </a:t>
-            </a:r>
-            <a:r>
-              <a:rPr lang="en-US" altLang="zh-CN" dirty="0" err="1" smtClean="0">
-                <a:ea typeface="宋体" charset="-122"/>
-              </a:rPr>
-              <a:t>tidefile</a:t>
-            </a:r>
-            <a:r>
-              <a:rPr lang="en-US" altLang="zh-CN" dirty="0" smtClean="0">
-                <a:ea typeface="宋体" charset="-122"/>
-              </a:rPr>
-              <a:t> and output in the launch </a:t>
-            </a:r>
-            <a:r>
-              <a:rPr lang="en-US" altLang="zh-CN" dirty="0" smtClean="0">
-                <a:ea typeface="宋体" charset="-122"/>
-              </a:rPr>
-              <a:t>files</a:t>
-            </a:r>
-          </a:p>
-          <a:p>
-            <a:pPr>
-              <a:buNone/>
-            </a:pPr>
-            <a:endParaRPr lang="en-US" altLang="zh-CN" dirty="0" smtClean="0">
-              <a:ea typeface="宋体" charset="-122"/>
-            </a:endParaRPr>
-          </a:p>
-          <a:p>
-            <a:pPr>
-              <a:buNone/>
-            </a:pPr>
-            <a:r>
-              <a:rPr lang="en-US" altLang="zh-CN" dirty="0" smtClean="0">
-                <a:ea typeface="宋体" charset="-122"/>
-              </a:rPr>
-              <a:t>Use historical model template</a:t>
-            </a:r>
-          </a:p>
-          <a:p>
-            <a:pPr>
-              <a:buNone/>
-            </a:pPr>
-            <a:endParaRPr lang="en-US" altLang="zh-CN" dirty="0" smtClean="0">
-              <a:ea typeface="宋体" charset="-122"/>
-            </a:endParaRPr>
-          </a:p>
-          <a:p>
-            <a:pPr>
-              <a:buNone/>
-            </a:pPr>
-            <a:r>
-              <a:rPr lang="en-US" altLang="zh-CN" dirty="0" smtClean="0">
-                <a:ea typeface="宋体" charset="-122"/>
-              </a:rPr>
-              <a:t>Run DSM2 historical models</a:t>
-            </a:r>
-          </a:p>
-          <a:p>
-            <a:endParaRPr lang="en-US" altLang="zh-CN" dirty="0" smtClean="0">
-              <a:ea typeface="宋体" charset="-122"/>
-            </a:endParaRPr>
+              <a:t>Allows you to move things around</a:t>
+            </a:r>
           </a:p>
         </p:txBody>
       </p:sp>
@@ -7123,7 +6994,7 @@
       </p:grpSpPr>
       <p:sp>
         <p:nvSpPr>
-          <p:cNvPr id="26626" name="Date Placeholder 3"/>
+          <p:cNvPr id="28674" name="Date Placeholder 3"/>
           <p:cNvSpPr>
             <a:spLocks noGrp="1"/>
           </p:cNvSpPr>
@@ -7138,7 +7009,7 @@
           <a:bodyPr/>
           <a:lstStyle/>
           <a:p>
-            <a:fld id="{DF5A8C5A-A3F9-4388-92B9-6887819860B5}" type="slidenum">
+            <a:fld id="{C465E6CE-CF45-4968-94C1-FBE0DAEFB64C}" type="slidenum">
               <a:rPr lang="zh-CN" altLang="en-US"/>
               <a:pPr/>
               <a:t>11</a:t>
@@ -7149,7 +7020,7 @@
       </p:sp>
       <p:sp>
         <p:nvSpPr>
-          <p:cNvPr id="26627" name="Rectangle 2"/>
+          <p:cNvPr id="28675" name="Rectangle 2"/>
           <p:cNvSpPr>
             <a:spLocks noGrp="1" noChangeArrowheads="1"/>
           </p:cNvSpPr>
@@ -7157,29 +7028,28 @@
             <p:ph type="title"/>
           </p:nvPr>
         </p:nvSpPr>
-        <p:spPr/>
+        <p:spPr>
+          <a:xfrm>
+            <a:off x="346075" y="190500"/>
+            <a:ext cx="8154988" cy="1143000"/>
+          </a:xfrm>
+        </p:spPr>
         <p:txBody>
           <a:bodyPr/>
           <a:lstStyle/>
           <a:p>
             <a:r>
-              <a:rPr lang="en-US" altLang="zh-CN" dirty="0" smtClean="0">
+              <a:rPr lang="en-US" altLang="zh-CN" sz="4000" dirty="0" smtClean="0">
                 <a:ea typeface="宋体" charset="-122"/>
               </a:rPr>
-              <a:t>Configuration </a:t>
-            </a:r>
-            <a:r>
-              <a:rPr lang="en-US" altLang="zh-CN" dirty="0" smtClean="0">
-                <a:ea typeface="宋体" charset="-122"/>
-              </a:rPr>
-              <a:t>File</a:t>
-            </a:r>
-          </a:p>
-        </p:txBody>
-      </p:sp>
-      <p:sp>
-        <p:nvSpPr>
-          <p:cNvPr id="26628" name="Rectangle 3"/>
+              <a:t>Launch Files</a:t>
+            </a:r>
+          </a:p>
+        </p:txBody>
+      </p:sp>
+      <p:sp>
+        <p:nvSpPr>
+          <p:cNvPr id="28676" name="Rectangle 3"/>
           <p:cNvSpPr>
             <a:spLocks noGrp="1" noChangeArrowheads="1"/>
           </p:cNvSpPr>
@@ -7189,8 +7059,8 @@
         </p:nvSpPr>
         <p:spPr>
           <a:xfrm>
-            <a:off x="244475" y="1981200"/>
-            <a:ext cx="8642350" cy="4114800"/>
+            <a:off x="198438" y="1708150"/>
+            <a:ext cx="8945562" cy="4454525"/>
           </a:xfrm>
         </p:spPr>
         <p:txBody>
@@ -7203,10 +7073,49 @@
               </a:lnSpc>
             </a:pPr>
             <a:r>
-              <a:rPr lang="en-US" altLang="zh-CN" smtClean="0">
+              <a:rPr lang="en-US" altLang="zh-CN" dirty="0" smtClean="0">
                 <a:ea typeface="宋体" charset="-122"/>
               </a:rPr>
-              <a:t>Really just an extra ENVVARS section</a:t>
+              <a:t>Applies </a:t>
+            </a:r>
+            <a:r>
+              <a:rPr lang="en-US" altLang="zh-CN" dirty="0" err="1" smtClean="0">
+                <a:ea typeface="宋体" charset="-122"/>
+              </a:rPr>
+              <a:t>config</a:t>
+            </a:r>
+            <a:r>
+              <a:rPr lang="en-US" altLang="zh-CN" dirty="0" smtClean="0">
+                <a:ea typeface="宋体" charset="-122"/>
+              </a:rPr>
+              <a:t> for particular model:</a:t>
+            </a:r>
+          </a:p>
+          <a:p>
+            <a:pPr lvl="1">
+              <a:lnSpc>
+                <a:spcPct val="90000"/>
+              </a:lnSpc>
+              <a:buFontTx/>
+              <a:buNone/>
+            </a:pPr>
+            <a:r>
+              <a:rPr lang="en-US" altLang="zh-CN" dirty="0" smtClean="0">
+                <a:ea typeface="宋体" charset="-122"/>
+              </a:rPr>
+              <a:t>e.g. HYDROTIDEFILE: hydro output, </a:t>
+            </a:r>
+            <a:r>
+              <a:rPr lang="en-US" altLang="zh-CN" dirty="0" err="1" smtClean="0">
+                <a:ea typeface="宋体" charset="-122"/>
+              </a:rPr>
+              <a:t>qual</a:t>
+            </a:r>
+            <a:r>
+              <a:rPr lang="en-US" altLang="zh-CN" dirty="0" smtClean="0">
+                <a:ea typeface="宋体" charset="-122"/>
+              </a:rPr>
+              <a:t> input</a:t>
             </a:r>
           </a:p>
           <a:p>
@@ -7216,10 +7125,58 @@
               </a:lnSpc>
             </a:pPr>
             <a:r>
-              <a:rPr lang="en-US" altLang="zh-CN" smtClean="0">
+              <a:rPr lang="en-US" altLang="zh-CN" dirty="0" smtClean="0">
                 <a:ea typeface="宋体" charset="-122"/>
               </a:rPr>
-              <a:t>Can comment out a variable if you supply it in the environment</a:t>
+              <a:t>The IO_FILES section:</a:t>
+            </a:r>
+          </a:p>
+          <a:p>
+            <a:pPr lvl="1">
+              <a:lnSpc>
+                <a:spcPct val="90000"/>
+              </a:lnSpc>
+            </a:pPr>
+            <a:r>
+              <a:rPr lang="en-US" altLang="zh-CN" dirty="0" smtClean="0">
+                <a:ea typeface="宋体" charset="-122"/>
+              </a:rPr>
+              <a:t>Define </a:t>
+            </a:r>
+            <a:r>
+              <a:rPr lang="en-US" altLang="zh-CN" dirty="0" err="1" smtClean="0">
+                <a:ea typeface="宋体" charset="-122"/>
+              </a:rPr>
+              <a:t>tidefile</a:t>
+            </a:r>
+            <a:endParaRPr lang="en-US" altLang="zh-CN" dirty="0" smtClean="0">
+              <a:ea typeface="宋体" charset="-122"/>
+            </a:endParaRPr>
+          </a:p>
+          <a:p>
+            <a:pPr lvl="1">
+              <a:lnSpc>
+                <a:spcPct val="90000"/>
+              </a:lnSpc>
+            </a:pPr>
+            <a:r>
+              <a:rPr lang="en-US" altLang="zh-CN" dirty="0" smtClean="0">
+                <a:ea typeface="宋体" charset="-122"/>
+              </a:rPr>
+              <a:t>Use/disable restart files</a:t>
+            </a:r>
+          </a:p>
+          <a:p>
+            <a:pPr lvl="1">
+              <a:lnSpc>
+                <a:spcPct val="90000"/>
+              </a:lnSpc>
+            </a:pPr>
+            <a:r>
+              <a:rPr lang="en-US" altLang="zh-CN" dirty="0" smtClean="0">
+                <a:ea typeface="宋体" charset="-122"/>
+              </a:rPr>
+              <a:t>Name your echoed output file</a:t>
             </a:r>
           </a:p>
           <a:p>
@@ -7229,10 +7186,10 @@
               </a:lnSpc>
             </a:pPr>
             <a:r>
-              <a:rPr lang="en-US" altLang="zh-CN" smtClean="0">
+              <a:rPr lang="en-US" altLang="zh-CN" dirty="0" smtClean="0">
                 <a:ea typeface="宋体" charset="-122"/>
               </a:rPr>
-              <a:t>Defines runtime, historical version, output file names</a:t>
+              <a:t>Extra output</a:t>
             </a:r>
           </a:p>
           <a:p>
@@ -7242,36 +7199,22 @@
               </a:lnSpc>
             </a:pPr>
             <a:r>
-              <a:rPr lang="en-US" altLang="zh-CN" smtClean="0">
+              <a:rPr lang="en-US" altLang="zh-CN" dirty="0" smtClean="0">
                 <a:ea typeface="宋体" charset="-122"/>
               </a:rPr>
-              <a:t>Defines DSM2MODIFIER</a:t>
-            </a:r>
-          </a:p>
-          <a:p>
-            <a:pPr>
-              <a:lnSpc>
-                <a:spcPct val="90000"/>
-              </a:lnSpc>
-            </a:pPr>
-            <a:r>
-              <a:rPr lang="en-US" altLang="zh-CN" smtClean="0">
+              <a:t>Changes in SCALAR (print level, time step, </a:t>
+            </a:r>
+            <a:r>
+              <a:rPr lang="en-US" altLang="zh-CN" dirty="0" err="1" smtClean="0">
                 <a:ea typeface="宋体" charset="-122"/>
               </a:rPr>
-              <a:t>Defines tidefile name</a:t>
-            </a:r>
-          </a:p>
-          <a:p>
-            <a:pPr>
-              <a:lnSpc>
-                <a:spcPct val="90000"/>
-              </a:lnSpc>
-            </a:pPr>
-            <a:r>
-              <a:rPr lang="en-US" altLang="zh-CN" smtClean="0">
+              <a:t>qual</a:t>
+            </a:r>
+            <a:r>
+              <a:rPr lang="en-US" altLang="zh-CN" dirty="0" smtClean="0">
                 <a:ea typeface="宋体" charset="-122"/>
               </a:rPr>
-              <a:t>Allows you to move things around</a:t>
+              <a:t> initial concentration)</a:t>
             </a:r>
           </a:p>
         </p:txBody>
@@ -7311,7 +7254,7 @@
       </p:grpSpPr>
       <p:sp>
         <p:nvSpPr>
-          <p:cNvPr id="28674" name="Date Placeholder 3"/>
+          <p:cNvPr id="22530" name="Date Placeholder 2"/>
           <p:cNvSpPr>
             <a:spLocks noGrp="1"/>
           </p:cNvSpPr>
@@ -7326,7 +7269,7 @@
           <a:bodyPr/>
           <a:lstStyle/>
           <a:p>
-            <a:fld id="{C465E6CE-CF45-4968-94C1-FBE0DAEFB64C}" type="slidenum">
+            <a:fld id="{F596AD69-25AE-4CFF-942B-1660962F4DAC}" type="slidenum">
               <a:rPr lang="zh-CN" altLang="en-US"/>
               <a:pPr/>
               <a:t>12</a:t>
@@ -7337,7 +7280,7 @@
       </p:sp>
       <p:sp>
         <p:nvSpPr>
-          <p:cNvPr id="28675" name="Rectangle 2"/>
+          <p:cNvPr id="22531" name="Rectangle 2"/>
           <p:cNvSpPr>
             <a:spLocks noGrp="1" noChangeArrowheads="1"/>
           </p:cNvSpPr>
@@ -7345,203 +7288,131 @@
             <p:ph type="title"/>
           </p:nvPr>
         </p:nvSpPr>
-        <p:spPr>
-          <a:xfrm>
-            <a:off x="346075" y="190500"/>
-            <a:ext cx="8154988" cy="1143000"/>
-          </a:xfrm>
-        </p:spPr>
+        <p:spPr/>
         <p:txBody>
           <a:bodyPr/>
           <a:lstStyle/>
           <a:p>
             <a:r>
-              <a:rPr lang="en-US" altLang="zh-CN" sz="4000" dirty="0" smtClean="0">
+              <a:rPr lang="en-US" altLang="zh-CN" sz="4000" smtClean="0">
                 <a:ea typeface="宋体" charset="-122"/>
               </a:rPr>
-              <a:t>Launch </a:t>
-            </a:r>
-            <a:r>
-              <a:rPr lang="en-US" altLang="zh-CN" sz="4000" dirty="0" smtClean="0">
-                <a:ea typeface="宋体" charset="-122"/>
-              </a:rPr>
-              <a:t>Files</a:t>
-            </a:r>
-            <a:endParaRPr lang="en-US" altLang="zh-CN" sz="4000" dirty="0" smtClean="0">
-              <a:ea typeface="宋体" charset="-122"/>
-            </a:endParaRPr>
-          </a:p>
-        </p:txBody>
-      </p:sp>
-      <p:sp>
-        <p:nvSpPr>
-          <p:cNvPr id="28676" name="Rectangle 3"/>
+              <a:t>Historical Model Template</a:t>
+            </a:r>
+          </a:p>
+        </p:txBody>
+      </p:sp>
+      <p:sp>
+        <p:nvSpPr>
+          <p:cNvPr id="22532" name="Rectangle 3"/>
           <p:cNvSpPr>
             <a:spLocks noGrp="1" noChangeArrowheads="1"/>
           </p:cNvSpPr>
           <p:nvPr>
-            <p:ph type="body" idx="1"/>
+            <p:ph type="body" idx="4294967295"/>
           </p:nvPr>
         </p:nvSpPr>
         <p:spPr>
           <a:xfrm>
-            <a:off x="198438" y="1708150"/>
-            <a:ext cx="8945562" cy="4454525"/>
+            <a:off x="269875" y="1654175"/>
+            <a:ext cx="8561388" cy="4471988"/>
           </a:xfrm>
         </p:spPr>
         <p:txBody>
           <a:bodyPr/>
           <a:lstStyle/>
           <a:p>
-            <a:pPr>
-              <a:lnSpc>
-                <a:spcPct val="90000"/>
-              </a:lnSpc>
-            </a:pPr>
             <a:r>
               <a:rPr lang="en-US" altLang="zh-CN" dirty="0" smtClean="0">
                 <a:ea typeface="宋体" charset="-122"/>
               </a:rPr>
-              <a:t>Applies </a:t>
+              <a:t>Historical Simulations </a:t>
+            </a:r>
+          </a:p>
+          <a:p>
+            <a:pPr>
+              <a:buNone/>
+            </a:pPr>
+            <a:r>
+              <a:rPr lang="en-US" altLang="zh-CN" dirty="0" smtClean="0">
+                <a:ea typeface="宋体" charset="-122"/>
+              </a:rPr>
+              <a:t>      Oct.,1989 - current, available </a:t>
             </a:r>
             <a:r>
               <a:rPr lang="en-US" altLang="zh-CN" dirty="0" err="1" smtClean="0">
                 <a:ea typeface="宋体" charset="-122"/>
               </a:rPr>
-              <a:t>config</a:t>
-            </a:r>
+              <a:t>timeseries</a:t>
+            </a:r>
+            <a:endParaRPr lang="en-US" altLang="zh-CN" dirty="0" smtClean="0">
+              <a:ea typeface="宋体" charset="-122"/>
+            </a:endParaRPr>
+          </a:p>
+          <a:p>
+            <a:pPr>
+              <a:defRPr/>
+            </a:pPr>
             <a:r>
               <a:rPr lang="en-US" altLang="zh-CN" dirty="0" smtClean="0">
                 <a:ea typeface="宋体" charset="-122"/>
               </a:rPr>
-              <a:t> for particular model:</a:t>
-            </a:r>
-          </a:p>
-          <a:p>
-            <a:pPr lvl="1">
-              <a:lnSpc>
-                <a:spcPct val="90000"/>
-              </a:lnSpc>
+              <a:t>Data updated</a:t>
+            </a:r>
+          </a:p>
+          <a:p>
+            <a:pPr>
+              <a:buNone/>
+              <a:defRPr/>
+            </a:pPr>
+            <a:r>
+              <a:rPr lang="en-US" altLang="zh-CN" dirty="0" smtClean="0">
+                <a:ea typeface="宋体" charset="-122"/>
+              </a:rPr>
+              <a:t>	  Monthly, by O&amp;M, Delta Compliance &amp;    		Modeling section for MWQI</a:t>
+            </a:r>
+          </a:p>
+          <a:p>
+            <a:pPr>
+              <a:buNone/>
+              <a:defRPr/>
+            </a:pPr>
+            <a:r>
+              <a:rPr lang="en-US" altLang="zh-CN" dirty="0" smtClean="0">
+                <a:ea typeface="宋体" charset="-122"/>
+              </a:rPr>
+              <a:t>	  Perhaps annually, by BDO </a:t>
+            </a:r>
+          </a:p>
+          <a:p>
+            <a:pPr>
+              <a:buNone/>
+            </a:pPr>
+            <a:endParaRPr lang="en-US" altLang="zh-CN" dirty="0" smtClean="0">
+              <a:ea typeface="宋体" charset="-122"/>
+            </a:endParaRPr>
+          </a:p>
+          <a:p>
+            <a:pPr>
+              <a:buNone/>
+            </a:pPr>
+            <a:endParaRPr lang="en-US" altLang="zh-CN" dirty="0" smtClean="0">
+              <a:ea typeface="宋体" charset="-122"/>
+            </a:endParaRPr>
+          </a:p>
+          <a:p>
+            <a:endParaRPr lang="en-US" altLang="zh-CN" dirty="0" smtClean="0">
+              <a:ea typeface="宋体" charset="-122"/>
+            </a:endParaRPr>
+          </a:p>
+          <a:p>
+            <a:pPr>
               <a:buFontTx/>
               <a:buNone/>
             </a:pPr>
-            <a:r>
-              <a:rPr lang="en-US" altLang="zh-CN" dirty="0" smtClean="0">
-                <a:ea typeface="宋体" charset="-122"/>
-              </a:rPr>
-              <a:t>e.g. HYDROTIDEFILE: hydro output, </a:t>
-            </a:r>
-            <a:r>
-              <a:rPr lang="en-US" altLang="zh-CN" dirty="0" err="1" smtClean="0">
-                <a:ea typeface="宋体" charset="-122"/>
-              </a:rPr>
-              <a:t>qual</a:t>
-            </a:r>
-            <a:r>
-              <a:rPr lang="en-US" altLang="zh-CN" dirty="0" smtClean="0">
-                <a:ea typeface="宋体" charset="-122"/>
-              </a:rPr>
-              <a:t> input</a:t>
-            </a:r>
-          </a:p>
-          <a:p>
-            <a:pPr>
-              <a:lnSpc>
-                <a:spcPct val="90000"/>
-              </a:lnSpc>
-            </a:pPr>
-            <a:r>
-              <a:rPr lang="en-US" altLang="zh-CN" dirty="0" smtClean="0">
-                <a:ea typeface="宋体" charset="-122"/>
-              </a:rPr>
-              <a:t>The IO_FILES section:</a:t>
-            </a:r>
-          </a:p>
-          <a:p>
-            <a:pPr lvl="1">
-              <a:lnSpc>
-                <a:spcPct val="90000"/>
-              </a:lnSpc>
-            </a:pPr>
-            <a:r>
-              <a:rPr lang="en-US" altLang="zh-CN" dirty="0" smtClean="0">
-                <a:ea typeface="宋体" charset="-122"/>
-              </a:rPr>
-              <a:t>Define </a:t>
-            </a:r>
-            <a:r>
-              <a:rPr lang="en-US" altLang="zh-CN" dirty="0" err="1" smtClean="0">
-                <a:ea typeface="宋体" charset="-122"/>
-              </a:rPr>
-              <a:t>tidefile</a:t>
-            </a:r>
-            <a:endParaRPr lang="en-US" altLang="zh-CN" dirty="0" smtClean="0">
+            <a:endParaRPr lang="zh-CN" altLang="en-US" dirty="0" smtClean="0">
               <a:ea typeface="宋体" charset="-122"/>
             </a:endParaRPr>
-          </a:p>
-          <a:p>
-            <a:pPr lvl="1">
-              <a:lnSpc>
-                <a:spcPct val="90000"/>
-              </a:lnSpc>
-            </a:pPr>
-            <a:r>
-              <a:rPr lang="en-US" altLang="zh-CN" dirty="0" smtClean="0">
-                <a:ea typeface="宋体" charset="-122"/>
-              </a:rPr>
-              <a:t>Use/disable restart files</a:t>
-            </a:r>
-          </a:p>
-          <a:p>
-            <a:pPr lvl="1">
-              <a:lnSpc>
-                <a:spcPct val="90000"/>
-              </a:lnSpc>
-            </a:pPr>
-            <a:r>
-              <a:rPr lang="en-US" altLang="zh-CN" dirty="0" smtClean="0">
-                <a:ea typeface="宋体" charset="-122"/>
-              </a:rPr>
-              <a:t>Name your echoed output file</a:t>
-            </a:r>
-          </a:p>
-          <a:p>
-            <a:pPr>
-              <a:lnSpc>
-                <a:spcPct val="90000"/>
-              </a:lnSpc>
-            </a:pPr>
-            <a:r>
-              <a:rPr lang="en-US" altLang="zh-CN" dirty="0" smtClean="0">
-                <a:ea typeface="宋体" charset="-122"/>
-              </a:rPr>
-              <a:t>Extra output</a:t>
-            </a:r>
-          </a:p>
-          <a:p>
-            <a:pPr>
-              <a:lnSpc>
-                <a:spcPct val="90000"/>
-              </a:lnSpc>
-            </a:pPr>
-            <a:r>
-              <a:rPr lang="en-US" altLang="zh-CN" dirty="0" smtClean="0">
-                <a:ea typeface="宋体" charset="-122"/>
-              </a:rPr>
-              <a:t>Changes in SCALAR (print level, time step, </a:t>
-            </a:r>
-            <a:r>
-              <a:rPr lang="en-US" altLang="zh-CN" dirty="0" err="1" smtClean="0">
-                <a:ea typeface="宋体" charset="-122"/>
-              </a:rPr>
-              <a:t>qual</a:t>
-            </a:r>
-            <a:r>
-              <a:rPr lang="en-US" altLang="zh-CN" dirty="0" smtClean="0">
-                <a:ea typeface="宋体" charset="-122"/>
-              </a:rPr>
-              <a:t> initial concentration)</a:t>
-            </a:r>
           </a:p>
         </p:txBody>
       </p:sp>
@@ -7580,7 +7451,7 @@
       </p:grpSpPr>
       <p:sp>
         <p:nvSpPr>
-          <p:cNvPr id="22530" name="Date Placeholder 2"/>
+          <p:cNvPr id="24578" name="Date Placeholder 2"/>
           <p:cNvSpPr>
             <a:spLocks noGrp="1"/>
           </p:cNvSpPr>
@@ -7595,7 +7466,7 @@
           <a:bodyPr/>
           <a:lstStyle/>
           <a:p>
-            <a:fld id="{F596AD69-25AE-4CFF-942B-1660962F4DAC}" type="slidenum">
+            <a:fld id="{7711EC10-D019-47C4-B585-AF4B58617F4D}" type="slidenum">
               <a:rPr lang="zh-CN" altLang="en-US"/>
               <a:pPr/>
               <a:t>13</a:t>
@@ -7606,137 +7477,142 @@
       </p:sp>
       <p:sp>
         <p:nvSpPr>
-          <p:cNvPr id="22531" name="Rectangle 2"/>
-          <p:cNvSpPr>
-            <a:spLocks noGrp="1" noChangeArrowheads="1"/>
-          </p:cNvSpPr>
-          <p:nvPr>
-            <p:ph type="title"/>
-          </p:nvPr>
-        </p:nvSpPr>
-        <p:spPr/>
+          <p:cNvPr id="5" name="Rectangle 5"/>
+          <p:cNvSpPr txBox="1">
+            <a:spLocks noChangeArrowheads="1"/>
+          </p:cNvSpPr>
+          <p:nvPr/>
+        </p:nvSpPr>
+        <p:spPr>
+          <a:xfrm>
+            <a:off x="627063" y="1492250"/>
+            <a:ext cx="7772400" cy="4114800"/>
+          </a:xfrm>
+          <a:prstGeom prst="rect">
+            <a:avLst/>
+          </a:prstGeom>
+        </p:spPr>
         <p:txBody>
           <a:bodyPr/>
           <a:lstStyle/>
           <a:p>
-            <a:r>
-              <a:rPr lang="en-US" altLang="zh-CN" sz="4000" smtClean="0">
+            <a:pPr algn="l">
+              <a:buFont typeface="Arial" pitchFamily="34" charset="0"/>
+              <a:buChar char="•"/>
+            </a:pPr>
+            <a:r>
+              <a:rPr lang="en-US" altLang="zh-CN" sz="2600" dirty="0" smtClean="0">
                 <a:ea typeface="宋体" charset="-122"/>
               </a:rPr>
-              <a:t>Historical Model Template</a:t>
-            </a:r>
-          </a:p>
-        </p:txBody>
-      </p:sp>
-      <p:sp>
-        <p:nvSpPr>
-          <p:cNvPr id="22532" name="Rectangle 3"/>
-          <p:cNvSpPr>
-            <a:spLocks noGrp="1" noChangeArrowheads="1"/>
-          </p:cNvSpPr>
-          <p:nvPr>
-            <p:ph type="body" idx="4294967295"/>
-          </p:nvPr>
-        </p:nvSpPr>
-        <p:spPr>
-          <a:xfrm>
-            <a:off x="269875" y="1654175"/>
-            <a:ext cx="8561388" cy="4471988"/>
-          </a:xfrm>
-        </p:spPr>
-        <p:txBody>
-          <a:bodyPr/>
-          <a:lstStyle/>
-          <a:p>
-            <a:r>
-              <a:rPr lang="en-US" altLang="zh-CN" dirty="0" smtClean="0">
+              <a:t>Study templates for historical:</a:t>
+            </a:r>
+          </a:p>
+          <a:p>
+            <a:pPr algn="l">
+              <a:buFont typeface="Arial" pitchFamily="34" charset="0"/>
+              <a:buChar char="•"/>
+            </a:pPr>
+            <a:endParaRPr lang="en-US" altLang="zh-CN" sz="2600" dirty="0" smtClean="0">
+              <a:ea typeface="宋体" charset="-122"/>
+            </a:endParaRPr>
+          </a:p>
+          <a:p>
+            <a:pPr lvl="1" algn="l">
+              <a:buFont typeface="Arial" pitchFamily="34" charset="0"/>
+              <a:buChar char="•"/>
+            </a:pPr>
+            <a:r>
+              <a:rPr lang="en-US" altLang="zh-CN" sz="2600" dirty="0" smtClean="0">
                 <a:ea typeface="宋体" charset="-122"/>
               </a:rPr>
-              <a:t>Historical Simulations </a:t>
-            </a:r>
-          </a:p>
-          <a:p>
-            <a:pPr>
-              <a:buNone/>
+              <a:t>Typical change is updated data</a:t>
+            </a:r>
+          </a:p>
+          <a:p>
+            <a:pPr lvl="1" algn="l">
+              <a:buFont typeface="Arial" pitchFamily="34" charset="0"/>
+              <a:buChar char="•"/>
             </a:pPr>
             <a:r>
-              <a:rPr lang="en-US" altLang="zh-CN" dirty="0" smtClean="0">
+              <a:rPr lang="en-US" altLang="zh-CN" sz="2600" dirty="0" err="1" smtClean="0">
                 <a:ea typeface="宋体" charset="-122"/>
               </a:rPr>
-              <a:t>      Oct.,1989 - current, available </a:t>
-            </a:r>
-            <a:r>
-              <a:rPr lang="en-US" altLang="zh-CN" dirty="0" err="1" smtClean="0">
+              <a:t>Config</a:t>
+            </a:r>
+            <a:r>
+              <a:rPr lang="en-US" altLang="zh-CN" sz="2600" dirty="0" smtClean="0">
                 <a:ea typeface="宋体" charset="-122"/>
               </a:rPr>
-              <a:t>timeseries</a:t>
-            </a:r>
-            <a:endParaRPr lang="en-US" altLang="zh-CN" dirty="0" smtClean="0">
+              <a:t> file </a:t>
+            </a:r>
+            <a:r>
+              <a:rPr lang="en-US" altLang="zh-CN" sz="2800" dirty="0" smtClean="0">
+                <a:ea typeface="宋体" charset="-122"/>
+              </a:rPr>
+              <a:t>for</a:t>
+            </a:r>
+            <a:r>
+              <a:rPr lang="en-US" altLang="zh-CN" sz="2600" dirty="0" smtClean="0">
+                <a:ea typeface="宋体" charset="-122"/>
+              </a:rPr>
+              <a:t> small changes/alternatives</a:t>
+            </a:r>
+          </a:p>
+          <a:p>
+            <a:pPr lvl="1" algn="l">
+              <a:buFont typeface="Arial" pitchFamily="34" charset="0"/>
+              <a:buChar char="•"/>
+            </a:pPr>
+            <a:endParaRPr lang="en-US" altLang="zh-CN" sz="2600" dirty="0" smtClean="0">
               <a:ea typeface="宋体" charset="-122"/>
             </a:endParaRPr>
           </a:p>
           <a:p>
-            <a:pPr>
-              <a:defRPr/>
+            <a:pPr algn="l">
+              <a:buFont typeface="Arial" pitchFamily="34" charset="0"/>
+              <a:buChar char="•"/>
             </a:pPr>
             <a:r>
-              <a:rPr lang="en-US" altLang="zh-CN" dirty="0" smtClean="0">
+              <a:rPr lang="en-US" altLang="zh-CN" sz="2600" dirty="0" smtClean="0">
                 <a:ea typeface="宋体" charset="-122"/>
               </a:rPr>
-              <a:t>Data updated</a:t>
-            </a:r>
-          </a:p>
-          <a:p>
-            <a:pPr>
-              <a:buNone/>
-              <a:defRPr/>
+              <a:t>New Simulations for major changes:</a:t>
+            </a:r>
+          </a:p>
+          <a:p>
+            <a:pPr algn="l">
+              <a:buFont typeface="Arial" pitchFamily="34" charset="0"/>
+              <a:buChar char="•"/>
             </a:pPr>
-            <a:r>
-              <a:rPr lang="en-US" altLang="zh-CN" dirty="0" smtClean="0">
+            <a:endParaRPr lang="en-US" altLang="zh-CN" sz="2600" dirty="0" smtClean="0">
+              <a:ea typeface="宋体" charset="-122"/>
+            </a:endParaRPr>
+          </a:p>
+          <a:p>
+            <a:pPr lvl="1" algn="l">
+              <a:buFont typeface="Arial" pitchFamily="34" charset="0"/>
+              <a:buChar char="•"/>
+            </a:pPr>
+            <a:r>
+              <a:rPr lang="en-US" altLang="zh-CN" sz="2600" dirty="0" smtClean="0">
                 <a:ea typeface="宋体" charset="-122"/>
               </a:rPr>
-              <a:t>	  Monthly, by O&amp;M, Delta Compliance &amp;    		Modeling section for MWQI</a:t>
-            </a:r>
-          </a:p>
-          <a:p>
-            <a:pPr>
-              <a:buNone/>
-              <a:defRPr/>
+              <a:t>New geometry</a:t>
+            </a:r>
+          </a:p>
+          <a:p>
+            <a:pPr lvl="1" algn="l">
+              <a:buFont typeface="Arial" pitchFamily="34" charset="0"/>
+              <a:buChar char="•"/>
             </a:pPr>
             <a:r>
-              <a:rPr lang="en-US" altLang="zh-CN" dirty="0" smtClean="0">
+              <a:rPr lang="en-US" altLang="zh-CN" sz="2600" dirty="0" smtClean="0">
                 <a:ea typeface="宋体" charset="-122"/>
               </a:rPr>
-              <a:t>	  Perhaps annually, by BDO </a:t>
-            </a:r>
-          </a:p>
-          <a:p>
-            <a:pPr>
-              <a:buNone/>
-            </a:pPr>
-            <a:endParaRPr lang="en-US" altLang="zh-CN" dirty="0" smtClean="0">
-              <a:ea typeface="宋体" charset="-122"/>
-            </a:endParaRPr>
-          </a:p>
-          <a:p>
-            <a:pPr>
-              <a:buNone/>
-            </a:pPr>
-            <a:endParaRPr lang="en-US" altLang="zh-CN" dirty="0" smtClean="0">
-              <a:ea typeface="宋体" charset="-122"/>
-            </a:endParaRPr>
-          </a:p>
-          <a:p>
-            <a:endParaRPr lang="en-US" altLang="zh-CN" dirty="0" smtClean="0">
-              <a:ea typeface="宋体" charset="-122"/>
-            </a:endParaRPr>
-          </a:p>
-          <a:p>
-            <a:pPr>
-              <a:buFontTx/>
-              <a:buNone/>
-            </a:pPr>
-            <a:endParaRPr lang="zh-CN" altLang="en-US" dirty="0" smtClean="0">
+              <a:t>New constituents</a:t>
+            </a:r>
+            <a:endParaRPr lang="en-US" altLang="zh-CN" sz="2600" b="0" kern="0" dirty="0">
+              <a:latin typeface="+mn-lt"/>
               <a:ea typeface="宋体" charset="-122"/>
             </a:endParaRPr>
           </a:p>
@@ -7777,7 +7653,7 @@
       </p:grpSpPr>
       <p:sp>
         <p:nvSpPr>
-          <p:cNvPr id="24578" name="Date Placeholder 2"/>
+          <p:cNvPr id="21506" name="Date Placeholder 3"/>
           <p:cNvSpPr>
             <a:spLocks noGrp="1"/>
           </p:cNvSpPr>
@@ -7792,7 +7668,7 @@
           <a:bodyPr/>
           <a:lstStyle/>
           <a:p>
-            <a:fld id="{7711EC10-D019-47C4-B585-AF4B58617F4D}" type="slidenum">
+            <a:fld id="{0048D41D-F37A-4E60-B200-6F9877C014D6}" type="slidenum">
               <a:rPr lang="zh-CN" altLang="en-US"/>
               <a:pPr/>
               <a:t>14</a:t>
@@ -7803,142 +7679,150 @@
       </p:sp>
       <p:sp>
         <p:nvSpPr>
-          <p:cNvPr id="5" name="Rectangle 5"/>
-          <p:cNvSpPr txBox="1">
-            <a:spLocks noChangeArrowheads="1"/>
-          </p:cNvSpPr>
-          <p:nvPr/>
-        </p:nvSpPr>
-        <p:spPr>
-          <a:xfrm>
-            <a:off x="627063" y="1492250"/>
-            <a:ext cx="7772400" cy="4114800"/>
-          </a:xfrm>
-          <a:prstGeom prst="rect">
-            <a:avLst/>
-          </a:prstGeom>
-        </p:spPr>
+          <p:cNvPr id="21507" name="Rectangle 2"/>
+          <p:cNvSpPr>
+            <a:spLocks noGrp="1" noChangeArrowheads="1"/>
+          </p:cNvSpPr>
+          <p:nvPr>
+            <p:ph type="title"/>
+          </p:nvPr>
+        </p:nvSpPr>
+        <p:spPr/>
         <p:txBody>
           <a:bodyPr/>
           <a:lstStyle/>
           <a:p>
-            <a:pPr algn="l">
-              <a:buFont typeface="Arial" pitchFamily="34" charset="0"/>
-              <a:buChar char="•"/>
-            </a:pPr>
-            <a:r>
-              <a:rPr lang="en-US" altLang="zh-CN" sz="2600" dirty="0" smtClean="0">
+            <a:r>
+              <a:rPr lang="en-US" altLang="zh-CN" dirty="0" smtClean="0">
                 <a:ea typeface="宋体" charset="-122"/>
               </a:rPr>
-              <a:t>Study templates for historical:</a:t>
-            </a:r>
-          </a:p>
-          <a:p>
-            <a:pPr algn="l">
-              <a:buFont typeface="Arial" pitchFamily="34" charset="0"/>
-              <a:buChar char="•"/>
+              <a:t>Historical Setup</a:t>
+            </a:r>
+          </a:p>
+        </p:txBody>
+      </p:sp>
+      <p:sp>
+        <p:nvSpPr>
+          <p:cNvPr id="21508" name="Rectangle 3"/>
+          <p:cNvSpPr>
+            <a:spLocks noGrp="1" noChangeArrowheads="1"/>
+          </p:cNvSpPr>
+          <p:nvPr>
+            <p:ph type="body" idx="1"/>
+          </p:nvPr>
+        </p:nvSpPr>
+        <p:spPr>
+          <a:xfrm>
+            <a:off x="514350" y="1600200"/>
+            <a:ext cx="8413750" cy="4767263"/>
+          </a:xfrm>
+        </p:spPr>
+        <p:txBody>
+          <a:bodyPr/>
+          <a:lstStyle/>
+          <a:p>
+            <a:r>
+              <a:rPr lang="en-US" altLang="zh-CN" dirty="0" smtClean="0">
+                <a:ea typeface="宋体" charset="-122"/>
+              </a:rPr>
+              <a:t>Use a launch script to run dsm2 models</a:t>
+            </a:r>
+          </a:p>
+          <a:p>
+            <a:pPr lvl="1">
+              <a:buFontTx/>
+              <a:buNone/>
             </a:pPr>
-            <a:endParaRPr lang="en-US" altLang="zh-CN" sz="2600" dirty="0" smtClean="0">
+            <a:r>
+              <a:rPr lang="en-US" altLang="zh-CN" dirty="0" smtClean="0">
+                <a:ea typeface="宋体" charset="-122"/>
+              </a:rPr>
+              <a:t>&gt; hydro historical_hydro.inp</a:t>
+            </a:r>
+          </a:p>
+          <a:p>
+            <a:pPr lvl="1">
+              <a:buFontTx/>
+              <a:buNone/>
+            </a:pPr>
+            <a:r>
+              <a:rPr lang="en-US" altLang="zh-CN" dirty="0" smtClean="0">
+                <a:ea typeface="宋体" charset="-122"/>
+              </a:rPr>
+              <a:t>&gt; </a:t>
+            </a:r>
+            <a:r>
+              <a:rPr lang="en-US" altLang="zh-CN" dirty="0" err="1" smtClean="0">
+                <a:ea typeface="宋体" charset="-122"/>
+              </a:rPr>
+              <a:t>qual</a:t>
+            </a:r>
+            <a:r>
+              <a:rPr lang="en-US" altLang="zh-CN" dirty="0" smtClean="0">
+                <a:ea typeface="宋体" charset="-122"/>
+              </a:rPr>
+              <a:t> qual_ec.inp </a:t>
+            </a:r>
+          </a:p>
+          <a:p>
+            <a:pPr lvl="1">
+              <a:buFont typeface="Wingdings" pitchFamily="2" charset="2"/>
+              <a:buNone/>
+            </a:pPr>
+            <a:r>
+              <a:rPr lang="en-US" altLang="zh-CN" dirty="0" smtClean="0">
+                <a:ea typeface="宋体" charset="-122"/>
+              </a:rPr>
+              <a:t>&gt; </a:t>
+            </a:r>
+            <a:r>
+              <a:rPr lang="en-US" altLang="zh-CN" dirty="0" err="1" smtClean="0">
+                <a:ea typeface="宋体" charset="-122"/>
+              </a:rPr>
+              <a:t>qual</a:t>
+            </a:r>
+            <a:r>
+              <a:rPr lang="en-US" altLang="zh-CN" dirty="0" smtClean="0">
+                <a:ea typeface="宋体" charset="-122"/>
+              </a:rPr>
+              <a:t> qual_do.inp</a:t>
+            </a:r>
+          </a:p>
+          <a:p>
+            <a:pPr lvl="1">
+              <a:buFont typeface="Wingdings" pitchFamily="2" charset="2"/>
+              <a:buNone/>
+            </a:pPr>
+            <a:r>
+              <a:rPr lang="en-US" altLang="zh-CN" dirty="0" smtClean="0">
+                <a:ea typeface="宋体" charset="-122"/>
+              </a:rPr>
+              <a:t>&gt; </a:t>
+            </a:r>
+            <a:r>
+              <a:rPr lang="en-US" altLang="zh-CN" dirty="0" err="1" smtClean="0">
+                <a:ea typeface="宋体" charset="-122"/>
+              </a:rPr>
+              <a:t>ptm</a:t>
+            </a:r>
+            <a:r>
+              <a:rPr lang="en-US" altLang="zh-CN" dirty="0" smtClean="0">
+                <a:ea typeface="宋体" charset="-122"/>
+              </a:rPr>
+              <a:t> historical_ptm.inp</a:t>
+            </a:r>
+          </a:p>
+          <a:p>
+            <a:pPr lvl="1">
+              <a:buFont typeface="Wingdings" pitchFamily="2" charset="2"/>
+              <a:buNone/>
+            </a:pPr>
+            <a:endParaRPr lang="en-US" altLang="zh-CN" dirty="0" smtClean="0">
               <a:ea typeface="宋体" charset="-122"/>
             </a:endParaRPr>
           </a:p>
           <a:p>
-            <a:pPr lvl="1" algn="l">
-              <a:buFont typeface="Arial" pitchFamily="34" charset="0"/>
-              <a:buChar char="•"/>
-            </a:pPr>
-            <a:r>
-              <a:rPr lang="en-US" altLang="zh-CN" sz="2600" dirty="0" smtClean="0">
-                <a:ea typeface="宋体" charset="-122"/>
-              </a:rPr>
-              <a:t>Typical change is updated data</a:t>
-            </a:r>
-          </a:p>
-          <a:p>
-            <a:pPr lvl="1" algn="l">
-              <a:buFont typeface="Arial" pitchFamily="34" charset="0"/>
-              <a:buChar char="•"/>
-            </a:pPr>
-            <a:r>
-              <a:rPr lang="en-US" altLang="zh-CN" sz="2600" dirty="0" err="1" smtClean="0">
-                <a:ea typeface="宋体" charset="-122"/>
-              </a:rPr>
-              <a:t>Config</a:t>
-            </a:r>
-            <a:r>
-              <a:rPr lang="en-US" altLang="zh-CN" sz="2600" dirty="0" smtClean="0">
-                <a:ea typeface="宋体" charset="-122"/>
-              </a:rPr>
-              <a:t> file </a:t>
-            </a:r>
-            <a:r>
-              <a:rPr lang="en-US" altLang="zh-CN" sz="2800" dirty="0" smtClean="0">
-                <a:ea typeface="宋体" charset="-122"/>
-              </a:rPr>
-              <a:t>for</a:t>
-            </a:r>
-            <a:r>
-              <a:rPr lang="en-US" altLang="zh-CN" sz="2600" dirty="0" smtClean="0">
-                <a:ea typeface="宋体" charset="-122"/>
-              </a:rPr>
-              <a:t> small changes/alternatives</a:t>
-            </a:r>
-          </a:p>
-          <a:p>
-            <a:pPr lvl="1" algn="l">
-              <a:buFont typeface="Arial" pitchFamily="34" charset="0"/>
-              <a:buChar char="•"/>
-            </a:pPr>
-            <a:endParaRPr lang="en-US" altLang="zh-CN" sz="2600" dirty="0" smtClean="0">
-              <a:ea typeface="宋体" charset="-122"/>
-            </a:endParaRPr>
-          </a:p>
-          <a:p>
-            <a:pPr algn="l">
-              <a:buFont typeface="Arial" pitchFamily="34" charset="0"/>
-              <a:buChar char="•"/>
-            </a:pPr>
-            <a:r>
-              <a:rPr lang="en-US" altLang="zh-CN" sz="2600" dirty="0" smtClean="0">
-                <a:ea typeface="宋体" charset="-122"/>
-              </a:rPr>
-              <a:t>New Simulations for major changes:</a:t>
-            </a:r>
-          </a:p>
-          <a:p>
-            <a:pPr algn="l">
-              <a:buFont typeface="Arial" pitchFamily="34" charset="0"/>
-              <a:buChar char="•"/>
-            </a:pPr>
-            <a:endParaRPr lang="en-US" altLang="zh-CN" sz="2600" dirty="0" smtClean="0">
-              <a:ea typeface="宋体" charset="-122"/>
-            </a:endParaRPr>
-          </a:p>
-          <a:p>
-            <a:pPr lvl="1" algn="l">
-              <a:buFont typeface="Arial" pitchFamily="34" charset="0"/>
-              <a:buChar char="•"/>
-            </a:pPr>
-            <a:r>
-              <a:rPr lang="en-US" altLang="zh-CN" sz="2600" dirty="0" smtClean="0">
-                <a:ea typeface="宋体" charset="-122"/>
-              </a:rPr>
-              <a:t>New geometry</a:t>
-            </a:r>
-          </a:p>
-          <a:p>
-            <a:pPr lvl="1" algn="l">
-              <a:buFont typeface="Arial" pitchFamily="34" charset="0"/>
-              <a:buChar char="•"/>
-            </a:pPr>
-            <a:r>
-              <a:rPr lang="en-US" altLang="zh-CN" sz="2600" dirty="0" smtClean="0">
-                <a:ea typeface="宋体" charset="-122"/>
-              </a:rPr>
-              <a:t>New constituents</a:t>
-            </a:r>
-            <a:endParaRPr lang="en-US" altLang="zh-CN" sz="2600" b="0" kern="0" dirty="0">
-              <a:latin typeface="+mn-lt"/>
+            <a:endParaRPr lang="en-US" altLang="zh-CN" dirty="0" smtClean="0">
               <a:ea typeface="宋体" charset="-122"/>
             </a:endParaRPr>
           </a:p>
@@ -7979,7 +7863,7 @@
       </p:grpSpPr>
       <p:sp>
         <p:nvSpPr>
-          <p:cNvPr id="21506" name="Date Placeholder 3"/>
+          <p:cNvPr id="30722" name="Date Placeholder 1"/>
           <p:cNvSpPr>
             <a:spLocks noGrp="1"/>
           </p:cNvSpPr>
@@ -7994,7 +7878,7 @@
           <a:bodyPr/>
           <a:lstStyle/>
           <a:p>
-            <a:fld id="{0048D41D-F37A-4E60-B200-6F9877C014D6}" type="slidenum">
+            <a:fld id="{9E533BF5-C97B-4A26-846D-6C6295B9B19D}" type="slidenum">
               <a:rPr lang="zh-CN" altLang="en-US"/>
               <a:pPr/>
               <a:t>15</a:t>
@@ -8005,158 +7889,122 @@
       </p:sp>
       <p:sp>
         <p:nvSpPr>
-          <p:cNvPr id="21507" name="Rectangle 2"/>
-          <p:cNvSpPr>
-            <a:spLocks noGrp="1" noChangeArrowheads="1"/>
-          </p:cNvSpPr>
-          <p:nvPr>
-            <p:ph type="title"/>
-          </p:nvPr>
-        </p:nvSpPr>
-        <p:spPr/>
-        <p:txBody>
-          <a:bodyPr/>
-          <a:lstStyle/>
-          <a:p>
-            <a:r>
-              <a:rPr lang="en-US" altLang="zh-CN" dirty="0" smtClean="0">
-                <a:ea typeface="宋体" charset="-122"/>
+          <p:cNvPr id="3" name="TextBox 2"/>
+          <p:cNvSpPr txBox="1"/>
+          <p:nvPr/>
+        </p:nvSpPr>
+        <p:spPr>
+          <a:xfrm>
+            <a:off x="1407885" y="624115"/>
+            <a:ext cx="6400800" cy="1200329"/>
+          </a:xfrm>
+          <a:prstGeom prst="rect">
+            <a:avLst/>
+          </a:prstGeom>
+          <a:noFill/>
+        </p:spPr>
+        <p:txBody>
+          <a:bodyPr wrap="square" rtlCol="0">
+            <a:spAutoFit/>
+          </a:bodyPr>
+          <a:lstStyle/>
+          <a:p>
+            <a:r>
+              <a:rPr lang="en-US" dirty="0" smtClean="0">
+                <a:solidFill>
+                  <a:schemeClr val="tx2"/>
+                </a:solidFill>
               </a:rPr>
-              <a:t>Historical Setup</a:t>
-            </a:r>
-          </a:p>
-        </p:txBody>
-      </p:sp>
-      <p:sp>
-        <p:nvSpPr>
-          <p:cNvPr id="21508" name="Rectangle 3"/>
-          <p:cNvSpPr>
-            <a:spLocks noGrp="1" noChangeArrowheads="1"/>
-          </p:cNvSpPr>
-          <p:nvPr>
-            <p:ph type="body" idx="1"/>
-          </p:nvPr>
+              <a:t>Possible problems running historical simulation</a:t>
+            </a:r>
+            <a:endParaRPr lang="en-US" dirty="0">
+              <a:solidFill>
+                <a:schemeClr val="tx2"/>
+              </a:solidFill>
+            </a:endParaRPr>
+          </a:p>
+        </p:txBody>
+      </p:sp>
+      <p:sp>
+        <p:nvSpPr>
+          <p:cNvPr id="4" name="TextBox 3"/>
+          <p:cNvSpPr txBox="1"/>
+          <p:nvPr/>
         </p:nvSpPr>
         <p:spPr>
           <a:xfrm>
-            <a:off x="514350" y="1600200"/>
-            <a:ext cx="8413750" cy="4767263"/>
+            <a:off x="1059543" y="2249714"/>
+            <a:ext cx="6676571" cy="3046988"/>
           </a:xfrm>
-        </p:spPr>
-        <p:txBody>
-          <a:bodyPr/>
-          <a:lstStyle/>
-          <a:p>
-            <a:r>
-              <a:rPr lang="en-US" altLang="zh-CN" dirty="0" smtClean="0">
-                <a:ea typeface="宋体" charset="-122"/>
-              </a:rPr>
-              <a:t>Use </a:t>
-            </a:r>
-            <a:r>
-              <a:rPr lang="en-US" altLang="zh-CN" dirty="0" smtClean="0">
-                <a:ea typeface="宋体" charset="-122"/>
-              </a:rPr>
-              <a:t>a launch script to run dsm2 models</a:t>
-            </a:r>
-          </a:p>
-          <a:p>
-            <a:pPr lvl="1">
-              <a:buFontTx/>
-              <a:buNone/>
+          <a:prstGeom prst="rect">
+            <a:avLst/>
+          </a:prstGeom>
+          <a:noFill/>
+        </p:spPr>
+        <p:txBody>
+          <a:bodyPr wrap="square" rtlCol="0">
+            <a:spAutoFit/>
+          </a:bodyPr>
+          <a:lstStyle/>
+          <a:p>
+            <a:pPr marL="742950" indent="-742950" algn="l">
+              <a:buFont typeface="+mj-lt"/>
+              <a:buAutoNum type="arabicPeriod"/>
             </a:pPr>
             <a:r>
-              <a:rPr lang="en-US" altLang="zh-CN" dirty="0" smtClean="0">
-                <a:ea typeface="宋体" charset="-122"/>
-              </a:rPr>
-              <a:t>&gt; hydro historical_hydro.inp</a:t>
-            </a:r>
-          </a:p>
-          <a:p>
-            <a:pPr lvl="1">
-              <a:buFontTx/>
-              <a:buNone/>
+              <a:rPr lang="en-US" sz="2600" dirty="0" smtClean="0"/>
+              <a:t>Time series setting problems</a:t>
+            </a:r>
+          </a:p>
+          <a:p>
+            <a:pPr marL="742950" indent="-742950" algn="l">
+              <a:buFont typeface="+mj-lt"/>
+              <a:buAutoNum type="arabicPeriod"/>
             </a:pPr>
             <a:r>
-              <a:rPr lang="en-US" altLang="zh-CN" dirty="0" smtClean="0">
-                <a:ea typeface="宋体" charset="-122"/>
-              </a:rPr>
-              <a:t>&gt; </a:t>
-            </a:r>
-            <a:r>
-              <a:rPr lang="en-US" altLang="zh-CN" dirty="0" err="1" smtClean="0">
-                <a:ea typeface="宋体" charset="-122"/>
-              </a:rPr>
-              <a:t>qual</a:t>
-            </a:r>
-            <a:r>
-              <a:rPr lang="en-US" altLang="zh-CN" dirty="0" smtClean="0">
-                <a:ea typeface="宋体" charset="-122"/>
-              </a:rPr>
-              <a:t> qual_ec.inp </a:t>
-            </a:r>
-          </a:p>
-          <a:p>
-            <a:pPr lvl="1">
-              <a:buFont typeface="Wingdings" pitchFamily="2" charset="2"/>
-              <a:buNone/>
+              <a:rPr lang="en-US" sz="2600" dirty="0" smtClean="0"/>
+              <a:t>Flow transfer</a:t>
+            </a:r>
+          </a:p>
+          <a:p>
+            <a:pPr marL="742950" indent="-742950" algn="l">
+              <a:buFont typeface="+mj-lt"/>
+              <a:buAutoNum type="arabicPeriod"/>
             </a:pPr>
             <a:r>
-              <a:rPr lang="en-US" altLang="zh-CN" dirty="0" smtClean="0">
-                <a:ea typeface="宋体" charset="-122"/>
-              </a:rPr>
-              <a:t>&gt; </a:t>
-            </a:r>
-            <a:r>
-              <a:rPr lang="en-US" altLang="zh-CN" dirty="0" err="1" smtClean="0">
-                <a:ea typeface="宋体" charset="-122"/>
-              </a:rPr>
-              <a:t>qual</a:t>
-            </a:r>
-            <a:r>
-              <a:rPr lang="en-US" altLang="zh-CN" dirty="0" smtClean="0">
-                <a:ea typeface="宋体" charset="-122"/>
-              </a:rPr>
-              <a:t> qual_do.inp</a:t>
-            </a:r>
-          </a:p>
-          <a:p>
-            <a:pPr lvl="1">
-              <a:buFont typeface="Wingdings" pitchFamily="2" charset="2"/>
-              <a:buNone/>
+              <a:rPr lang="en-US" sz="2600" dirty="0" smtClean="0"/>
+              <a:t>Using tide file </a:t>
+            </a:r>
+          </a:p>
+          <a:p>
+            <a:pPr marL="742950" indent="-742950" algn="l">
+              <a:buFont typeface="+mj-lt"/>
+              <a:buAutoNum type="arabicPeriod"/>
             </a:pPr>
             <a:r>
-              <a:rPr lang="en-US" altLang="zh-CN" dirty="0" smtClean="0">
-                <a:ea typeface="宋体" charset="-122"/>
-              </a:rPr>
-              <a:t>&gt; </a:t>
-            </a:r>
-            <a:r>
-              <a:rPr lang="en-US" altLang="zh-CN" dirty="0" err="1" smtClean="0">
-                <a:ea typeface="宋体" charset="-122"/>
-              </a:rPr>
-              <a:t>ptm</a:t>
-            </a:r>
-            <a:r>
-              <a:rPr lang="en-US" altLang="zh-CN" dirty="0" smtClean="0">
-                <a:ea typeface="宋体" charset="-122"/>
-              </a:rPr>
-              <a:t> historical_ptm.inp</a:t>
-            </a:r>
-          </a:p>
-          <a:p>
-            <a:pPr lvl="1">
-              <a:buFont typeface="Wingdings" pitchFamily="2" charset="2"/>
-              <a:buNone/>
+              <a:rPr lang="en-US" sz="2600" dirty="0" smtClean="0"/>
+              <a:t>Restart run</a:t>
+            </a:r>
+          </a:p>
+          <a:p>
+            <a:pPr marL="742950" indent="-742950" algn="l">
+              <a:buFont typeface="+mj-lt"/>
+              <a:buAutoNum type="arabicPeriod"/>
             </a:pPr>
-            <a:endParaRPr lang="en-US" altLang="zh-CN" dirty="0" smtClean="0">
-              <a:ea typeface="宋体" charset="-122"/>
-            </a:endParaRPr>
-          </a:p>
-          <a:p>
-            <a:endParaRPr lang="en-US" altLang="zh-CN" dirty="0" smtClean="0">
-              <a:ea typeface="宋体" charset="-122"/>
-            </a:endParaRPr>
+            <a:r>
+              <a:rPr lang="en-US" sz="2600" dirty="0" smtClean="0"/>
+              <a:t>Channel dried up</a:t>
+            </a:r>
+          </a:p>
+          <a:p>
+            <a:pPr marL="742950" indent="-742950" algn="l">
+              <a:buFont typeface="+mj-lt"/>
+              <a:buAutoNum type="arabicPeriod"/>
+            </a:pPr>
+            <a:endParaRPr lang="en-US" sz="2600" dirty="0" smtClean="0"/>
+          </a:p>
+          <a:p>
+            <a:endParaRPr lang="en-US" dirty="0"/>
           </a:p>
         </p:txBody>
       </p:sp>
@@ -8221,14 +8069,14 @@
       </p:sp>
       <p:sp>
         <p:nvSpPr>
-          <p:cNvPr id="3" name="TextBox 2"/>
+          <p:cNvPr id="5" name="TextBox 4"/>
           <p:cNvSpPr txBox="1"/>
           <p:nvPr/>
         </p:nvSpPr>
         <p:spPr>
           <a:xfrm>
-            <a:off x="1407885" y="624115"/>
-            <a:ext cx="6400800" cy="1200329"/>
+            <a:off x="624114" y="246743"/>
+            <a:ext cx="7271657" cy="646331"/>
           </a:xfrm>
           <a:prstGeom prst="rect">
             <a:avLst/>
@@ -8242,111 +8090,361 @@
           <a:lstStyle/>
           <a:p>
             <a:r>
-              <a:rPr lang="en-US" dirty="0" smtClean="0">
-                <a:solidFill>
-                  <a:schemeClr val="tx2"/>
-                </a:solidFill>
-              </a:rPr>
-              <a:t>Possible problems running historical simulation</a:t>
-            </a:r>
-            <a:endParaRPr lang="en-US" dirty="0">
-              <a:solidFill>
-                <a:schemeClr val="tx2"/>
-              </a:solidFill>
-            </a:endParaRPr>
-          </a:p>
-        </p:txBody>
-      </p:sp>
-      <p:sp>
-        <p:nvSpPr>
-          <p:cNvPr id="4" name="TextBox 3"/>
-          <p:cNvSpPr txBox="1"/>
+              <a:rPr lang="en-US" dirty="0" smtClean="0"/>
+              <a:t>Time series setting problem 1</a:t>
+            </a:r>
+            <a:endParaRPr lang="en-US" dirty="0"/>
+          </a:p>
+        </p:txBody>
+      </p:sp>
+      <p:pic>
+        <p:nvPicPr>
+          <p:cNvPr id="6" name="Picture 5" descr="wind1.JPG"/>
+          <p:cNvPicPr>
+            <a:picLocks noChangeAspect="1"/>
+          </p:cNvPicPr>
           <p:nvPr/>
-        </p:nvSpPr>
+        </p:nvPicPr>
+        <p:blipFill>
+          <a:blip r:embed="rId3" cstate="print"/>
+          <a:stretch>
+            <a:fillRect/>
+          </a:stretch>
+        </p:blipFill>
         <p:spPr>
           <a:xfrm>
-            <a:off x="1059543" y="2249714"/>
-            <a:ext cx="6676571" cy="3046988"/>
+            <a:off x="1192213" y="885371"/>
+            <a:ext cx="6353175" cy="3200400"/>
           </a:xfrm>
           <a:prstGeom prst="rect">
             <a:avLst/>
           </a:prstGeom>
-          <a:noFill/>
-        </p:spPr>
-        <p:txBody>
-          <a:bodyPr wrap="square" rtlCol="0">
-            <a:spAutoFit/>
+        </p:spPr>
+      </p:pic>
+      <p:pic>
+        <p:nvPicPr>
+          <p:cNvPr id="7" name="Picture 6" descr="wind2.JPG"/>
+          <p:cNvPicPr>
+            <a:picLocks noChangeAspect="1"/>
+          </p:cNvPicPr>
+          <p:nvPr/>
+        </p:nvPicPr>
+        <p:blipFill>
+          <a:blip r:embed="rId4" cstate="print"/>
+          <a:stretch>
+            <a:fillRect/>
+          </a:stretch>
+        </p:blipFill>
+        <p:spPr>
+          <a:xfrm>
+            <a:off x="746577" y="3897994"/>
+            <a:ext cx="3238500" cy="2495550"/>
+          </a:xfrm>
+          <a:prstGeom prst="rect">
+            <a:avLst/>
+          </a:prstGeom>
+        </p:spPr>
+      </p:pic>
+      <p:pic>
+        <p:nvPicPr>
+          <p:cNvPr id="8" name="Picture 7" descr="wind3.JPG"/>
+          <p:cNvPicPr>
+            <a:picLocks noChangeAspect="1"/>
+          </p:cNvPicPr>
+          <p:nvPr/>
+        </p:nvPicPr>
+        <p:blipFill>
+          <a:blip r:embed="rId5" cstate="print"/>
+          <a:stretch>
+            <a:fillRect/>
+          </a:stretch>
+        </p:blipFill>
+        <p:spPr>
+          <a:xfrm>
+            <a:off x="5126717" y="3868965"/>
+            <a:ext cx="3248025" cy="2495550"/>
+          </a:xfrm>
+          <a:prstGeom prst="rect">
+            <a:avLst/>
+          </a:prstGeom>
+        </p:spPr>
+      </p:pic>
+      <p:cxnSp>
+        <p:nvCxnSpPr>
+          <p:cNvPr id="12" name="Straight Arrow Connector 11"/>
+          <p:cNvCxnSpPr/>
+          <p:nvPr/>
+        </p:nvCxnSpPr>
+        <p:spPr bwMode="auto">
+          <a:xfrm>
+            <a:off x="580571" y="5747657"/>
+            <a:ext cx="769258" cy="1588"/>
+          </a:xfrm>
+          <a:prstGeom prst="straightConnector1">
+            <a:avLst/>
+          </a:prstGeom>
+          <a:solidFill>
+            <a:srgbClr val="FFFF99"/>
+          </a:solidFill>
+          <a:ln w="9525" cap="flat" cmpd="sng" algn="ctr">
+            <a:noFill/>
+            <a:prstDash val="solid"/>
+            <a:round/>
+            <a:headEnd type="none" w="med" len="med"/>
+            <a:tailEnd type="arrow"/>
+          </a:ln>
+          <a:effectLst/>
+        </p:spPr>
+      </p:cxnSp>
+      <p:sp>
+        <p:nvSpPr>
+          <p:cNvPr id="15" name="Right Arrow 14"/>
+          <p:cNvSpPr/>
+          <p:nvPr/>
+        </p:nvSpPr>
+        <p:spPr bwMode="auto">
+          <a:xfrm>
+            <a:off x="580572" y="3360059"/>
+            <a:ext cx="616856" cy="224971"/>
+          </a:xfrm>
+          <a:prstGeom prst="rightArrow">
+            <a:avLst/>
+          </a:prstGeom>
+          <a:solidFill>
+            <a:srgbClr val="FF0000"/>
+          </a:solidFill>
+          <a:ln w="9525" cap="flat" cmpd="sng" algn="ctr">
+            <a:noFill/>
+            <a:prstDash val="solid"/>
+            <a:round/>
+            <a:headEnd type="none" w="med" len="med"/>
+            <a:tailEnd type="none" w="med" len="med"/>
+          </a:ln>
+          <a:effectLst/>
+        </p:spPr>
+        <p:txBody>
+          <a:bodyPr vert="horz" wrap="square" lIns="91440" tIns="45720" rIns="91440" bIns="45720" numCol="1" rtlCol="0" anchor="ctr" anchorCtr="0" compatLnSpc="1">
+            <a:prstTxWarp prst="textNoShape">
+              <a:avLst/>
+            </a:prstTxWarp>
           </a:bodyPr>
           <a:lstStyle/>
           <a:p>
-            <a:pPr marL="742950" indent="-742950" algn="l">
-              <a:buFont typeface="+mj-lt"/>
-              <a:buAutoNum type="arabicPeriod"/>
+            <a:pPr marL="0" marR="0" indent="0" algn="ctr" defTabSz="914400" rtl="0" eaLnBrk="0" fontAlgn="base" latinLnBrk="0" hangingPunct="0">
+              <a:lnSpc>
+                <a:spcPct val="100000"/>
+              </a:lnSpc>
+              <a:spcBef>
+                <a:spcPct val="0"/>
+              </a:spcBef>
+              <a:spcAft>
+                <a:spcPct val="0"/>
+              </a:spcAft>
+              <a:buClrTx/>
+              <a:buSzTx/>
+              <a:buFontTx/>
+              <a:buNone/>
+              <a:tabLst/>
             </a:pPr>
-            <a:r>
-              <a:rPr lang="en-US" sz="2600" dirty="0" smtClean="0"/>
-              <a:t>Time series setting </a:t>
-            </a:r>
-            <a:r>
-              <a:rPr lang="en-US" sz="2600" dirty="0" smtClean="0"/>
-              <a:t>problems</a:t>
-            </a:r>
-            <a:endParaRPr lang="en-US" sz="2600" dirty="0" smtClean="0"/>
-          </a:p>
-          <a:p>
-            <a:pPr marL="742950" indent="-742950" algn="l">
-              <a:buFont typeface="+mj-lt"/>
-              <a:buAutoNum type="arabicPeriod"/>
+            <a:endParaRPr kumimoji="0" lang="en-US" sz="3600" b="1" i="0" u="none" strike="noStrike" cap="none" normalizeH="0" baseline="0" smtClean="0">
+              <a:ln>
+                <a:noFill/>
+              </a:ln>
+              <a:solidFill>
+                <a:schemeClr val="tx1"/>
+              </a:solidFill>
+              <a:effectLst/>
+              <a:latin typeface="Arial" charset="0"/>
+            </a:endParaRPr>
+          </a:p>
+        </p:txBody>
+      </p:sp>
+      <p:sp>
+        <p:nvSpPr>
+          <p:cNvPr id="16" name="Right Arrow 15"/>
+          <p:cNvSpPr/>
+          <p:nvPr/>
+        </p:nvSpPr>
+        <p:spPr bwMode="auto">
+          <a:xfrm>
+            <a:off x="5232400" y="5399316"/>
+            <a:ext cx="616856" cy="224971"/>
+          </a:xfrm>
+          <a:prstGeom prst="rightArrow">
+            <a:avLst/>
+          </a:prstGeom>
+          <a:solidFill>
+            <a:srgbClr val="FF0000"/>
+          </a:solidFill>
+          <a:ln w="9525" cap="flat" cmpd="sng" algn="ctr">
+            <a:noFill/>
+            <a:prstDash val="solid"/>
+            <a:round/>
+            <a:headEnd type="none" w="med" len="med"/>
+            <a:tailEnd type="none" w="med" len="med"/>
+          </a:ln>
+          <a:effectLst/>
+        </p:spPr>
+        <p:txBody>
+          <a:bodyPr vert="horz" wrap="square" lIns="91440" tIns="45720" rIns="91440" bIns="45720" numCol="1" rtlCol="0" anchor="ctr" anchorCtr="0" compatLnSpc="1">
+            <a:prstTxWarp prst="textNoShape">
+              <a:avLst/>
+            </a:prstTxWarp>
+          </a:bodyPr>
+          <a:lstStyle/>
+          <a:p>
+            <a:pPr marL="0" marR="0" indent="0" algn="ctr" defTabSz="914400" rtl="0" eaLnBrk="0" fontAlgn="base" latinLnBrk="0" hangingPunct="0">
+              <a:lnSpc>
+                <a:spcPct val="100000"/>
+              </a:lnSpc>
+              <a:spcBef>
+                <a:spcPct val="0"/>
+              </a:spcBef>
+              <a:spcAft>
+                <a:spcPct val="0"/>
+              </a:spcAft>
+              <a:buClrTx/>
+              <a:buSzTx/>
+              <a:buFontTx/>
+              <a:buNone/>
+              <a:tabLst/>
             </a:pPr>
-            <a:r>
-              <a:rPr lang="en-US" sz="2600" dirty="0" smtClean="0"/>
-              <a:t>Flow transfer</a:t>
-            </a:r>
-          </a:p>
-          <a:p>
-            <a:pPr marL="742950" indent="-742950" algn="l">
-              <a:buFont typeface="+mj-lt"/>
-              <a:buAutoNum type="arabicPeriod"/>
+            <a:endParaRPr kumimoji="0" lang="en-US" sz="3600" b="1" i="0" u="none" strike="noStrike" cap="none" normalizeH="0" baseline="0" smtClean="0">
+              <a:ln>
+                <a:noFill/>
+              </a:ln>
+              <a:solidFill>
+                <a:schemeClr val="tx1"/>
+              </a:solidFill>
+              <a:effectLst/>
+              <a:latin typeface="Arial" charset="0"/>
+            </a:endParaRPr>
+          </a:p>
+        </p:txBody>
+      </p:sp>
+      <p:sp>
+        <p:nvSpPr>
+          <p:cNvPr id="17" name="Right Arrow 16"/>
+          <p:cNvSpPr/>
+          <p:nvPr/>
+        </p:nvSpPr>
+        <p:spPr bwMode="auto">
+          <a:xfrm>
+            <a:off x="928915" y="5406575"/>
+            <a:ext cx="616856" cy="224971"/>
+          </a:xfrm>
+          <a:prstGeom prst="rightArrow">
+            <a:avLst/>
+          </a:prstGeom>
+          <a:solidFill>
+            <a:srgbClr val="FF0000"/>
+          </a:solidFill>
+          <a:ln w="9525" cap="flat" cmpd="sng" algn="ctr">
+            <a:noFill/>
+            <a:prstDash val="solid"/>
+            <a:round/>
+            <a:headEnd type="none" w="med" len="med"/>
+            <a:tailEnd type="none" w="med" len="med"/>
+          </a:ln>
+          <a:effectLst/>
+        </p:spPr>
+        <p:txBody>
+          <a:bodyPr vert="horz" wrap="square" lIns="91440" tIns="45720" rIns="91440" bIns="45720" numCol="1" rtlCol="0" anchor="ctr" anchorCtr="0" compatLnSpc="1">
+            <a:prstTxWarp prst="textNoShape">
+              <a:avLst/>
+            </a:prstTxWarp>
+          </a:bodyPr>
+          <a:lstStyle/>
+          <a:p>
+            <a:pPr marL="0" marR="0" indent="0" algn="ctr" defTabSz="914400" rtl="0" eaLnBrk="0" fontAlgn="base" latinLnBrk="0" hangingPunct="0">
+              <a:lnSpc>
+                <a:spcPct val="100000"/>
+              </a:lnSpc>
+              <a:spcBef>
+                <a:spcPct val="0"/>
+              </a:spcBef>
+              <a:spcAft>
+                <a:spcPct val="0"/>
+              </a:spcAft>
+              <a:buClrTx/>
+              <a:buSzTx/>
+              <a:buFontTx/>
+              <a:buNone/>
+              <a:tabLst/>
             </a:pPr>
-            <a:r>
-              <a:rPr lang="en-US" sz="2600" dirty="0" smtClean="0"/>
-              <a:t>Using tide file </a:t>
-            </a:r>
-          </a:p>
-          <a:p>
-            <a:pPr marL="742950" indent="-742950" algn="l">
-              <a:buFont typeface="+mj-lt"/>
-              <a:buAutoNum type="arabicPeriod"/>
+            <a:endParaRPr kumimoji="0" lang="en-US" sz="3600" b="1" i="0" u="none" strike="noStrike" cap="none" normalizeH="0" baseline="0" smtClean="0">
+              <a:ln>
+                <a:noFill/>
+              </a:ln>
+              <a:solidFill>
+                <a:schemeClr val="tx1"/>
+              </a:solidFill>
+              <a:effectLst/>
+              <a:latin typeface="Arial" charset="0"/>
+            </a:endParaRPr>
+          </a:p>
+        </p:txBody>
+      </p:sp>
+      <p:sp>
+        <p:nvSpPr>
+          <p:cNvPr id="18" name="Right Arrow 17"/>
+          <p:cNvSpPr/>
+          <p:nvPr/>
+        </p:nvSpPr>
+        <p:spPr bwMode="auto">
+          <a:xfrm>
+            <a:off x="3991429" y="5196114"/>
+            <a:ext cx="1103085" cy="304800"/>
+          </a:xfrm>
+          <a:prstGeom prst="rightArrow">
+            <a:avLst/>
+          </a:prstGeom>
+          <a:solidFill>
+            <a:schemeClr val="accent6"/>
+          </a:solidFill>
+          <a:ln w="9525" cap="flat" cmpd="sng" algn="ctr">
+            <a:noFill/>
+            <a:prstDash val="solid"/>
+            <a:round/>
+            <a:headEnd type="none" w="med" len="med"/>
+            <a:tailEnd type="none" w="med" len="med"/>
+          </a:ln>
+          <a:effectLst/>
+        </p:spPr>
+        <p:txBody>
+          <a:bodyPr vert="horz" wrap="square" lIns="91440" tIns="45720" rIns="91440" bIns="45720" numCol="1" rtlCol="0" anchor="ctr" anchorCtr="0" compatLnSpc="1">
+            <a:prstTxWarp prst="textNoShape">
+              <a:avLst/>
+            </a:prstTxWarp>
+          </a:bodyPr>
+          <a:lstStyle/>
+          <a:p>
+            <a:pPr marL="0" marR="0" indent="0" algn="ctr" defTabSz="914400" rtl="0" eaLnBrk="0" fontAlgn="base" latinLnBrk="0" hangingPunct="0">
+              <a:lnSpc>
+                <a:spcPct val="100000"/>
+              </a:lnSpc>
+              <a:spcBef>
+                <a:spcPct val="0"/>
+              </a:spcBef>
+              <a:spcAft>
+                <a:spcPct val="0"/>
+              </a:spcAft>
+              <a:buClrTx/>
+              <a:buSzTx/>
+              <a:buFontTx/>
+              <a:buNone/>
+              <a:tabLst/>
             </a:pPr>
-            <a:r>
-              <a:rPr lang="en-US" sz="2600" dirty="0" smtClean="0"/>
-              <a:t>Restart </a:t>
-            </a:r>
-            <a:r>
-              <a:rPr lang="en-US" sz="2600" dirty="0" smtClean="0"/>
-              <a:t>run</a:t>
-            </a:r>
-          </a:p>
-          <a:p>
-            <a:pPr marL="742950" indent="-742950" algn="l">
-              <a:buFont typeface="+mj-lt"/>
-              <a:buAutoNum type="arabicPeriod"/>
-            </a:pPr>
-            <a:r>
-              <a:rPr lang="en-US" sz="2600" dirty="0" smtClean="0"/>
-              <a:t>Channel dried up</a:t>
-            </a:r>
-            <a:endParaRPr lang="en-US" sz="2600" dirty="0" smtClean="0"/>
-          </a:p>
-          <a:p>
-            <a:pPr marL="742950" indent="-742950" algn="l">
-              <a:buFont typeface="+mj-lt"/>
-              <a:buAutoNum type="arabicPeriod"/>
-            </a:pPr>
-            <a:endParaRPr lang="en-US" sz="2600" dirty="0" smtClean="0"/>
-          </a:p>
-          <a:p>
-            <a:endParaRPr lang="en-US" dirty="0"/>
+            <a:endParaRPr kumimoji="0" lang="en-US" sz="3600" b="1" i="0" u="none" strike="noStrike" cap="none" normalizeH="0" baseline="0" smtClean="0">
+              <a:ln>
+                <a:noFill/>
+              </a:ln>
+              <a:solidFill>
+                <a:schemeClr val="tx1"/>
+              </a:solidFill>
+              <a:effectLst/>
+              <a:latin typeface="Arial" charset="0"/>
+            </a:endParaRPr>
           </a:p>
         </p:txBody>
       </p:sp>
@@ -8411,14 +8509,14 @@
       </p:sp>
       <p:sp>
         <p:nvSpPr>
-          <p:cNvPr id="5" name="TextBox 4"/>
+          <p:cNvPr id="4" name="TextBox 3"/>
           <p:cNvSpPr txBox="1"/>
           <p:nvPr/>
         </p:nvSpPr>
         <p:spPr>
           <a:xfrm>
-            <a:off x="624114" y="246743"/>
-            <a:ext cx="7271657" cy="646331"/>
+            <a:off x="711201" y="609600"/>
+            <a:ext cx="7982856" cy="5632311"/>
           </a:xfrm>
           <a:prstGeom prst="rect">
             <a:avLst/>
@@ -8431,362 +8529,93 @@
           </a:bodyPr>
           <a:lstStyle/>
           <a:p>
-            <a:r>
-              <a:rPr lang="en-US" dirty="0" smtClean="0"/>
-              <a:t>Time series setting problem 1</a:t>
-            </a:r>
-            <a:endParaRPr lang="en-US" dirty="0"/>
-          </a:p>
-        </p:txBody>
-      </p:sp>
-      <p:pic>
-        <p:nvPicPr>
-          <p:cNvPr id="6" name="Picture 5" descr="wind1.JPG"/>
-          <p:cNvPicPr>
-            <a:picLocks noChangeAspect="1"/>
-          </p:cNvPicPr>
-          <p:nvPr/>
-        </p:nvPicPr>
-        <p:blipFill>
-          <a:blip r:embed="rId3" cstate="print"/>
-          <a:stretch>
-            <a:fillRect/>
-          </a:stretch>
-        </p:blipFill>
-        <p:spPr>
-          <a:xfrm>
-            <a:off x="1192213" y="885371"/>
-            <a:ext cx="6353175" cy="3200400"/>
-          </a:xfrm>
-          <a:prstGeom prst="rect">
-            <a:avLst/>
-          </a:prstGeom>
-        </p:spPr>
-      </p:pic>
-      <p:pic>
-        <p:nvPicPr>
-          <p:cNvPr id="7" name="Picture 6" descr="wind2.JPG"/>
-          <p:cNvPicPr>
-            <a:picLocks noChangeAspect="1"/>
-          </p:cNvPicPr>
-          <p:nvPr/>
-        </p:nvPicPr>
-        <p:blipFill>
-          <a:blip r:embed="rId4" cstate="print"/>
-          <a:stretch>
-            <a:fillRect/>
-          </a:stretch>
-        </p:blipFill>
-        <p:spPr>
-          <a:xfrm>
-            <a:off x="746577" y="3897994"/>
-            <a:ext cx="3238500" cy="2495550"/>
-          </a:xfrm>
-          <a:prstGeom prst="rect">
-            <a:avLst/>
-          </a:prstGeom>
-        </p:spPr>
-      </p:pic>
-      <p:pic>
-        <p:nvPicPr>
-          <p:cNvPr id="8" name="Picture 7" descr="wind3.JPG"/>
-          <p:cNvPicPr>
-            <a:picLocks noChangeAspect="1"/>
-          </p:cNvPicPr>
-          <p:nvPr/>
-        </p:nvPicPr>
-        <p:blipFill>
-          <a:blip r:embed="rId5" cstate="print"/>
-          <a:stretch>
-            <a:fillRect/>
-          </a:stretch>
-        </p:blipFill>
-        <p:spPr>
-          <a:xfrm>
-            <a:off x="5126717" y="3868965"/>
-            <a:ext cx="3248025" cy="2495550"/>
-          </a:xfrm>
-          <a:prstGeom prst="rect">
-            <a:avLst/>
-          </a:prstGeom>
-        </p:spPr>
-      </p:pic>
-      <p:cxnSp>
-        <p:nvCxnSpPr>
-          <p:cNvPr id="12" name="Straight Arrow Connector 11"/>
-          <p:cNvCxnSpPr/>
-          <p:nvPr/>
-        </p:nvCxnSpPr>
-        <p:spPr bwMode="auto">
-          <a:xfrm>
-            <a:off x="580571" y="5747657"/>
-            <a:ext cx="769258" cy="1588"/>
-          </a:xfrm>
-          <a:prstGeom prst="straightConnector1">
-            <a:avLst/>
-          </a:prstGeom>
-          <a:solidFill>
-            <a:srgbClr val="FFFF99"/>
-          </a:solidFill>
-          <a:ln w="9525" cap="flat" cmpd="sng" algn="ctr">
-            <a:noFill/>
-            <a:prstDash val="solid"/>
-            <a:round/>
-            <a:headEnd type="none" w="med" len="med"/>
-            <a:tailEnd type="arrow"/>
-          </a:ln>
-          <a:effectLst/>
-        </p:spPr>
-      </p:cxnSp>
-      <p:sp>
-        <p:nvSpPr>
-          <p:cNvPr id="15" name="Right Arrow 14"/>
-          <p:cNvSpPr/>
-          <p:nvPr/>
-        </p:nvSpPr>
-        <p:spPr bwMode="auto">
-          <a:xfrm>
-            <a:off x="580572" y="3360059"/>
-            <a:ext cx="616856" cy="224971"/>
-          </a:xfrm>
-          <a:prstGeom prst="rightArrow">
-            <a:avLst/>
-          </a:prstGeom>
-          <a:solidFill>
-            <a:srgbClr val="FF0000"/>
-          </a:solidFill>
-          <a:ln w="9525" cap="flat" cmpd="sng" algn="ctr">
-            <a:noFill/>
-            <a:prstDash val="solid"/>
-            <a:round/>
-            <a:headEnd type="none" w="med" len="med"/>
-            <a:tailEnd type="none" w="med" len="med"/>
-          </a:ln>
-          <a:effectLst/>
-        </p:spPr>
-        <p:txBody>
-          <a:bodyPr vert="horz" wrap="square" lIns="91440" tIns="45720" rIns="91440" bIns="45720" numCol="1" rtlCol="0" anchor="ctr" anchorCtr="0" compatLnSpc="1">
-            <a:prstTxWarp prst="textNoShape">
-              <a:avLst/>
-            </a:prstTxWarp>
-          </a:bodyPr>
-          <a:lstStyle/>
-          <a:p>
-            <a:pPr marL="0" marR="0" indent="0" algn="ctr" defTabSz="914400" rtl="0" eaLnBrk="0" fontAlgn="base" latinLnBrk="0" hangingPunct="0">
-              <a:lnSpc>
-                <a:spcPct val="100000"/>
-              </a:lnSpc>
-              <a:spcBef>
-                <a:spcPct val="0"/>
-              </a:spcBef>
-              <a:spcAft>
-                <a:spcPct val="0"/>
-              </a:spcAft>
-              <a:buClrTx/>
-              <a:buSzTx/>
-              <a:buFontTx/>
-              <a:buNone/>
-              <a:tabLst/>
+            <a:pPr algn="l">
+              <a:buFont typeface="Arial" pitchFamily="34" charset="0"/>
+              <a:buChar char="•"/>
             </a:pPr>
-            <a:endParaRPr kumimoji="0" lang="en-US" sz="3600" b="1" i="0" u="none" strike="noStrike" cap="none" normalizeH="0" baseline="0" smtClean="0">
-              <a:ln>
-                <a:noFill/>
-              </a:ln>
-              <a:solidFill>
-                <a:schemeClr val="tx1"/>
-              </a:solidFill>
-              <a:effectLst/>
-              <a:latin typeface="Arial" charset="0"/>
-            </a:endParaRPr>
-          </a:p>
-        </p:txBody>
-      </p:sp>
-      <p:sp>
-        <p:nvSpPr>
-          <p:cNvPr id="16" name="Right Arrow 15"/>
-          <p:cNvSpPr/>
-          <p:nvPr/>
-        </p:nvSpPr>
-        <p:spPr bwMode="auto">
-          <a:xfrm>
-            <a:off x="5232400" y="5399316"/>
-            <a:ext cx="616856" cy="224971"/>
-          </a:xfrm>
-          <a:prstGeom prst="rightArrow">
-            <a:avLst/>
-          </a:prstGeom>
-          <a:solidFill>
-            <a:srgbClr val="FF0000"/>
-          </a:solidFill>
-          <a:ln w="9525" cap="flat" cmpd="sng" algn="ctr">
-            <a:noFill/>
-            <a:prstDash val="solid"/>
-            <a:round/>
-            <a:headEnd type="none" w="med" len="med"/>
-            <a:tailEnd type="none" w="med" len="med"/>
-          </a:ln>
-          <a:effectLst/>
-        </p:spPr>
-        <p:txBody>
-          <a:bodyPr vert="horz" wrap="square" lIns="91440" tIns="45720" rIns="91440" bIns="45720" numCol="1" rtlCol="0" anchor="ctr" anchorCtr="0" compatLnSpc="1">
-            <a:prstTxWarp prst="textNoShape">
-              <a:avLst/>
-            </a:prstTxWarp>
-          </a:bodyPr>
-          <a:lstStyle/>
-          <a:p>
-            <a:pPr marL="0" marR="0" indent="0" algn="ctr" defTabSz="914400" rtl="0" eaLnBrk="0" fontAlgn="base" latinLnBrk="0" hangingPunct="0">
-              <a:lnSpc>
-                <a:spcPct val="100000"/>
-              </a:lnSpc>
-              <a:spcBef>
-                <a:spcPct val="0"/>
-              </a:spcBef>
-              <a:spcAft>
-                <a:spcPct val="0"/>
-              </a:spcAft>
-              <a:buClrTx/>
-              <a:buSzTx/>
-              <a:buFontTx/>
-              <a:buNone/>
-              <a:tabLst/>
+            <a:r>
+              <a:rPr lang="en-US" sz="2800" dirty="0" smtClean="0"/>
+              <a:t>Time series should cover the simulation time period.</a:t>
+            </a:r>
+          </a:p>
+          <a:p>
+            <a:pPr algn="l"/>
+            <a:r>
+              <a:rPr lang="en-US" sz="2800" dirty="0" smtClean="0"/>
+              <a:t>    For example:  </a:t>
+            </a:r>
+          </a:p>
+          <a:p>
+            <a:pPr algn="l"/>
+            <a:r>
+              <a:rPr lang="en-US" sz="2800" dirty="0" smtClean="0"/>
+              <a:t>      Simulate 10/01/1990 – 06/01/2009</a:t>
+            </a:r>
+          </a:p>
+          <a:p>
+            <a:pPr algn="l"/>
+            <a:r>
+              <a:rPr lang="en-US" sz="2800" dirty="0" smtClean="0"/>
+              <a:t>      Time series can be </a:t>
+            </a:r>
+          </a:p>
+          <a:p>
+            <a:pPr algn="l"/>
+            <a:r>
+              <a:rPr lang="en-US" sz="2800" dirty="0"/>
+              <a:t>	</a:t>
+            </a:r>
+            <a:r>
+              <a:rPr lang="en-US" sz="2800" dirty="0" smtClean="0"/>
+              <a:t>~09/25/2009 - ~06/05/2009</a:t>
+            </a:r>
+          </a:p>
+          <a:p>
+            <a:pPr algn="l"/>
+            <a:endParaRPr lang="en-US" sz="2800" dirty="0" smtClean="0"/>
+          </a:p>
+          <a:p>
+            <a:pPr algn="l">
+              <a:buFont typeface="Arial" pitchFamily="34" charset="0"/>
+              <a:buChar char="•"/>
             </a:pPr>
-            <a:endParaRPr kumimoji="0" lang="en-US" sz="3600" b="1" i="0" u="none" strike="noStrike" cap="none" normalizeH="0" baseline="0" smtClean="0">
-              <a:ln>
-                <a:noFill/>
-              </a:ln>
-              <a:solidFill>
-                <a:schemeClr val="tx1"/>
-              </a:solidFill>
-              <a:effectLst/>
-              <a:latin typeface="Arial" charset="0"/>
-            </a:endParaRPr>
-          </a:p>
-        </p:txBody>
-      </p:sp>
-      <p:sp>
-        <p:nvSpPr>
-          <p:cNvPr id="17" name="Right Arrow 16"/>
-          <p:cNvSpPr/>
-          <p:nvPr/>
-        </p:nvSpPr>
-        <p:spPr bwMode="auto">
-          <a:xfrm>
-            <a:off x="928915" y="5406575"/>
-            <a:ext cx="616856" cy="224971"/>
-          </a:xfrm>
-          <a:prstGeom prst="rightArrow">
-            <a:avLst/>
-          </a:prstGeom>
-          <a:solidFill>
-            <a:srgbClr val="FF0000"/>
-          </a:solidFill>
-          <a:ln w="9525" cap="flat" cmpd="sng" algn="ctr">
-            <a:noFill/>
-            <a:prstDash val="solid"/>
-            <a:round/>
-            <a:headEnd type="none" w="med" len="med"/>
-            <a:tailEnd type="none" w="med" len="med"/>
-          </a:ln>
-          <a:effectLst/>
-        </p:spPr>
-        <p:txBody>
-          <a:bodyPr vert="horz" wrap="square" lIns="91440" tIns="45720" rIns="91440" bIns="45720" numCol="1" rtlCol="0" anchor="ctr" anchorCtr="0" compatLnSpc="1">
-            <a:prstTxWarp prst="textNoShape">
-              <a:avLst/>
-            </a:prstTxWarp>
-          </a:bodyPr>
-          <a:lstStyle/>
-          <a:p>
-            <a:pPr marL="0" marR="0" indent="0" algn="ctr" defTabSz="914400" rtl="0" eaLnBrk="0" fontAlgn="base" latinLnBrk="0" hangingPunct="0">
-              <a:lnSpc>
-                <a:spcPct val="100000"/>
-              </a:lnSpc>
-              <a:spcBef>
-                <a:spcPct val="0"/>
-              </a:spcBef>
-              <a:spcAft>
-                <a:spcPct val="0"/>
-              </a:spcAft>
-              <a:buClrTx/>
-              <a:buSzTx/>
-              <a:buFontTx/>
-              <a:buNone/>
-              <a:tabLst/>
+            <a:r>
+              <a:rPr lang="en-US" sz="2800" dirty="0" smtClean="0"/>
+              <a:t>Jones Tract </a:t>
+            </a:r>
+            <a:r>
+              <a:rPr lang="en-US" sz="2800" dirty="0" err="1" smtClean="0"/>
+              <a:t>timeseries</a:t>
+            </a:r>
+            <a:r>
+              <a:rPr lang="en-US" sz="2800" dirty="0" smtClean="0"/>
+              <a:t> has this kind of problem. </a:t>
+            </a:r>
+          </a:p>
+          <a:p>
+            <a:pPr algn="l"/>
+            <a:endParaRPr lang="en-US" sz="2800" dirty="0" smtClean="0"/>
+          </a:p>
+          <a:p>
+            <a:pPr algn="l">
+              <a:buFont typeface="Arial" pitchFamily="34" charset="0"/>
+              <a:buChar char="•"/>
             </a:pPr>
-            <a:endParaRPr kumimoji="0" lang="en-US" sz="3600" b="1" i="0" u="none" strike="noStrike" cap="none" normalizeH="0" baseline="0" smtClean="0">
-              <a:ln>
-                <a:noFill/>
-              </a:ln>
-              <a:solidFill>
-                <a:schemeClr val="tx1"/>
-              </a:solidFill>
-              <a:effectLst/>
-              <a:latin typeface="Arial" charset="0"/>
-            </a:endParaRPr>
-          </a:p>
-        </p:txBody>
-      </p:sp>
-      <p:sp>
-        <p:nvSpPr>
-          <p:cNvPr id="18" name="Right Arrow 17"/>
-          <p:cNvSpPr/>
-          <p:nvPr/>
-        </p:nvSpPr>
-        <p:spPr bwMode="auto">
-          <a:xfrm>
-            <a:off x="3991429" y="5196114"/>
-            <a:ext cx="1103085" cy="304800"/>
-          </a:xfrm>
-          <a:prstGeom prst="rightArrow">
-            <a:avLst/>
-          </a:prstGeom>
-          <a:solidFill>
-            <a:schemeClr val="accent6"/>
-          </a:solidFill>
-          <a:ln w="9525" cap="flat" cmpd="sng" algn="ctr">
-            <a:noFill/>
-            <a:prstDash val="solid"/>
-            <a:round/>
-            <a:headEnd type="none" w="med" len="med"/>
-            <a:tailEnd type="none" w="med" len="med"/>
-          </a:ln>
-          <a:effectLst/>
-        </p:spPr>
-        <p:txBody>
-          <a:bodyPr vert="horz" wrap="square" lIns="91440" tIns="45720" rIns="91440" bIns="45720" numCol="1" rtlCol="0" anchor="ctr" anchorCtr="0" compatLnSpc="1">
-            <a:prstTxWarp prst="textNoShape">
-              <a:avLst/>
-            </a:prstTxWarp>
-          </a:bodyPr>
-          <a:lstStyle/>
-          <a:p>
-            <a:pPr marL="0" marR="0" indent="0" algn="ctr" defTabSz="914400" rtl="0" eaLnBrk="0" fontAlgn="base" latinLnBrk="0" hangingPunct="0">
-              <a:lnSpc>
-                <a:spcPct val="100000"/>
-              </a:lnSpc>
-              <a:spcBef>
-                <a:spcPct val="0"/>
-              </a:spcBef>
-              <a:spcAft>
-                <a:spcPct val="0"/>
-              </a:spcAft>
-              <a:buClrTx/>
-              <a:buSzTx/>
-              <a:buFontTx/>
-              <a:buNone/>
-              <a:tabLst/>
-            </a:pPr>
-            <a:endParaRPr kumimoji="0" lang="en-US" sz="3600" b="1" i="0" u="none" strike="noStrike" cap="none" normalizeH="0" baseline="0" smtClean="0">
-              <a:ln>
-                <a:noFill/>
-              </a:ln>
-              <a:solidFill>
-                <a:schemeClr val="tx1"/>
-              </a:solidFill>
-              <a:effectLst/>
-              <a:latin typeface="Arial" charset="0"/>
-            </a:endParaRPr>
+            <a:r>
+              <a:rPr lang="en-US" sz="2800" dirty="0" smtClean="0"/>
+              <a:t>Gate </a:t>
+            </a:r>
+            <a:r>
+              <a:rPr lang="en-US" sz="2800" dirty="0" err="1" smtClean="0"/>
+              <a:t>timeseries</a:t>
+            </a:r>
+            <a:r>
+              <a:rPr lang="en-US" sz="2800" dirty="0" smtClean="0"/>
+              <a:t> meets this problem frequently.</a:t>
+            </a:r>
+          </a:p>
+          <a:p>
+            <a:endParaRPr lang="en-US" sz="2400" dirty="0"/>
           </a:p>
         </p:txBody>
       </p:sp>
@@ -8851,14 +8680,14 @@
       </p:sp>
       <p:sp>
         <p:nvSpPr>
-          <p:cNvPr id="4" name="TextBox 3"/>
+          <p:cNvPr id="3" name="TextBox 2"/>
           <p:cNvSpPr txBox="1"/>
           <p:nvPr/>
         </p:nvSpPr>
         <p:spPr>
           <a:xfrm>
-            <a:off x="711201" y="609600"/>
-            <a:ext cx="7982856" cy="5632311"/>
+            <a:off x="624114" y="246743"/>
+            <a:ext cx="7271657" cy="646331"/>
           </a:xfrm>
           <a:prstGeom prst="rect">
             <a:avLst/>
@@ -8871,93 +8700,335 @@
           </a:bodyPr>
           <a:lstStyle/>
           <a:p>
-            <a:pPr algn="l">
-              <a:buFont typeface="Arial" pitchFamily="34" charset="0"/>
-              <a:buChar char="•"/>
+            <a:r>
+              <a:rPr lang="en-US" dirty="0" smtClean="0"/>
+              <a:t>Time series setting problem 2</a:t>
+            </a:r>
+            <a:endParaRPr lang="en-US" dirty="0"/>
+          </a:p>
+        </p:txBody>
+      </p:sp>
+      <p:pic>
+        <p:nvPicPr>
+          <p:cNvPr id="4" name="Picture 3" descr="wind8.JPG"/>
+          <p:cNvPicPr>
+            <a:picLocks noChangeAspect="1"/>
+          </p:cNvPicPr>
+          <p:nvPr/>
+        </p:nvPicPr>
+        <p:blipFill>
+          <a:blip r:embed="rId3" cstate="print"/>
+          <a:stretch>
+            <a:fillRect/>
+          </a:stretch>
+        </p:blipFill>
+        <p:spPr>
+          <a:xfrm>
+            <a:off x="1429204" y="948191"/>
+            <a:ext cx="6343650" cy="3190875"/>
+          </a:xfrm>
+          <a:prstGeom prst="rect">
+            <a:avLst/>
+          </a:prstGeom>
+        </p:spPr>
+      </p:pic>
+      <p:pic>
+        <p:nvPicPr>
+          <p:cNvPr id="5" name="Picture 4" descr="wind9.JPG"/>
+          <p:cNvPicPr>
+            <a:picLocks noChangeAspect="1"/>
+          </p:cNvPicPr>
+          <p:nvPr/>
+        </p:nvPicPr>
+        <p:blipFill>
+          <a:blip r:embed="rId4" cstate="print"/>
+          <a:stretch>
+            <a:fillRect/>
+          </a:stretch>
+        </p:blipFill>
+        <p:spPr>
+          <a:xfrm>
+            <a:off x="760867" y="4095750"/>
+            <a:ext cx="3209925" cy="2762250"/>
+          </a:xfrm>
+          <a:prstGeom prst="rect">
+            <a:avLst/>
+          </a:prstGeom>
+        </p:spPr>
+      </p:pic>
+      <p:pic>
+        <p:nvPicPr>
+          <p:cNvPr id="6" name="Picture 5" descr="wind10.JPG"/>
+          <p:cNvPicPr>
+            <a:picLocks noChangeAspect="1"/>
+          </p:cNvPicPr>
+          <p:nvPr/>
+        </p:nvPicPr>
+        <p:blipFill>
+          <a:blip r:embed="rId5" cstate="print"/>
+          <a:stretch>
+            <a:fillRect/>
+          </a:stretch>
+        </p:blipFill>
+        <p:spPr>
+          <a:xfrm>
+            <a:off x="5207224" y="4030889"/>
+            <a:ext cx="3228975" cy="2638425"/>
+          </a:xfrm>
+          <a:prstGeom prst="rect">
+            <a:avLst/>
+          </a:prstGeom>
+        </p:spPr>
+      </p:pic>
+      <p:sp>
+        <p:nvSpPr>
+          <p:cNvPr id="7" name="Right Arrow 6"/>
+          <p:cNvSpPr/>
+          <p:nvPr/>
+        </p:nvSpPr>
+        <p:spPr bwMode="auto">
+          <a:xfrm>
+            <a:off x="653143" y="3548744"/>
+            <a:ext cx="616856" cy="224971"/>
+          </a:xfrm>
+          <a:prstGeom prst="rightArrow">
+            <a:avLst/>
+          </a:prstGeom>
+          <a:solidFill>
+            <a:srgbClr val="FF0000"/>
+          </a:solidFill>
+          <a:ln w="9525" cap="flat" cmpd="sng" algn="ctr">
+            <a:noFill/>
+            <a:prstDash val="solid"/>
+            <a:round/>
+            <a:headEnd type="none" w="med" len="med"/>
+            <a:tailEnd type="none" w="med" len="med"/>
+          </a:ln>
+          <a:effectLst/>
+        </p:spPr>
+        <p:txBody>
+          <a:bodyPr vert="horz" wrap="square" lIns="91440" tIns="45720" rIns="91440" bIns="45720" numCol="1" rtlCol="0" anchor="ctr" anchorCtr="0" compatLnSpc="1">
+            <a:prstTxWarp prst="textNoShape">
+              <a:avLst/>
+            </a:prstTxWarp>
+          </a:bodyPr>
+          <a:lstStyle/>
+          <a:p>
+            <a:pPr marL="0" marR="0" indent="0" algn="ctr" defTabSz="914400" rtl="0" eaLnBrk="0" fontAlgn="base" latinLnBrk="0" hangingPunct="0">
+              <a:lnSpc>
+                <a:spcPct val="100000"/>
+              </a:lnSpc>
+              <a:spcBef>
+                <a:spcPct val="0"/>
+              </a:spcBef>
+              <a:spcAft>
+                <a:spcPct val="0"/>
+              </a:spcAft>
+              <a:buClrTx/>
+              <a:buSzTx/>
+              <a:buFontTx/>
+              <a:buNone/>
+              <a:tabLst/>
             </a:pPr>
-            <a:r>
-              <a:rPr lang="en-US" sz="2800" dirty="0" smtClean="0"/>
-              <a:t>Time series should cover the simulation time period.</a:t>
-            </a:r>
-          </a:p>
-          <a:p>
-            <a:pPr algn="l"/>
-            <a:r>
-              <a:rPr lang="en-US" sz="2800" dirty="0" smtClean="0"/>
-              <a:t>    For example:  </a:t>
-            </a:r>
-          </a:p>
-          <a:p>
-            <a:pPr algn="l"/>
-            <a:r>
-              <a:rPr lang="en-US" sz="2800" dirty="0" smtClean="0"/>
-              <a:t>      Simulate 10/01/1990 – 06/01/2009</a:t>
-            </a:r>
-          </a:p>
-          <a:p>
-            <a:pPr algn="l"/>
-            <a:r>
-              <a:rPr lang="en-US" sz="2800" dirty="0" smtClean="0"/>
-              <a:t>      Time series can be </a:t>
-            </a:r>
-          </a:p>
-          <a:p>
-            <a:pPr algn="l"/>
-            <a:r>
-              <a:rPr lang="en-US" sz="2800" dirty="0"/>
-              <a:t>	</a:t>
-            </a:r>
-            <a:r>
-              <a:rPr lang="en-US" sz="2800" dirty="0" smtClean="0"/>
-              <a:t>~09/25/2009 - ~06/05/2009</a:t>
-            </a:r>
-          </a:p>
-          <a:p>
-            <a:pPr algn="l"/>
-            <a:endParaRPr lang="en-US" sz="2800" dirty="0" smtClean="0"/>
-          </a:p>
-          <a:p>
-            <a:pPr algn="l">
-              <a:buFont typeface="Arial" pitchFamily="34" charset="0"/>
-              <a:buChar char="•"/>
+            <a:endParaRPr kumimoji="0" lang="en-US" sz="3600" b="1" i="0" u="none" strike="noStrike" cap="none" normalizeH="0" baseline="0" smtClean="0">
+              <a:ln>
+                <a:noFill/>
+              </a:ln>
+              <a:solidFill>
+                <a:schemeClr val="tx1"/>
+              </a:solidFill>
+              <a:effectLst/>
+              <a:latin typeface="Arial" charset="0"/>
+            </a:endParaRPr>
+          </a:p>
+        </p:txBody>
+      </p:sp>
+      <p:sp>
+        <p:nvSpPr>
+          <p:cNvPr id="8" name="Right Arrow 7"/>
+          <p:cNvSpPr/>
+          <p:nvPr/>
+        </p:nvSpPr>
+        <p:spPr bwMode="auto">
+          <a:xfrm>
+            <a:off x="4630059" y="6074230"/>
+            <a:ext cx="616856" cy="224971"/>
+          </a:xfrm>
+          <a:prstGeom prst="rightArrow">
+            <a:avLst/>
+          </a:prstGeom>
+          <a:solidFill>
+            <a:srgbClr val="FF0000"/>
+          </a:solidFill>
+          <a:ln w="9525" cap="flat" cmpd="sng" algn="ctr">
+            <a:noFill/>
+            <a:prstDash val="solid"/>
+            <a:round/>
+            <a:headEnd type="none" w="med" len="med"/>
+            <a:tailEnd type="none" w="med" len="med"/>
+          </a:ln>
+          <a:effectLst/>
+        </p:spPr>
+        <p:txBody>
+          <a:bodyPr vert="horz" wrap="square" lIns="91440" tIns="45720" rIns="91440" bIns="45720" numCol="1" rtlCol="0" anchor="ctr" anchorCtr="0" compatLnSpc="1">
+            <a:prstTxWarp prst="textNoShape">
+              <a:avLst/>
+            </a:prstTxWarp>
+          </a:bodyPr>
+          <a:lstStyle/>
+          <a:p>
+            <a:pPr marL="0" marR="0" indent="0" algn="ctr" defTabSz="914400" rtl="0" eaLnBrk="0" fontAlgn="base" latinLnBrk="0" hangingPunct="0">
+              <a:lnSpc>
+                <a:spcPct val="100000"/>
+              </a:lnSpc>
+              <a:spcBef>
+                <a:spcPct val="0"/>
+              </a:spcBef>
+              <a:spcAft>
+                <a:spcPct val="0"/>
+              </a:spcAft>
+              <a:buClrTx/>
+              <a:buSzTx/>
+              <a:buFontTx/>
+              <a:buNone/>
+              <a:tabLst/>
             </a:pPr>
-            <a:r>
-              <a:rPr lang="en-US" sz="2800" dirty="0" smtClean="0"/>
-              <a:t>Jones Tract </a:t>
-            </a:r>
-            <a:r>
-              <a:rPr lang="en-US" sz="2800" dirty="0" err="1" smtClean="0"/>
-              <a:t>timeseries</a:t>
-            </a:r>
-            <a:r>
-              <a:rPr lang="en-US" sz="2800" dirty="0" smtClean="0"/>
-              <a:t> has this kind of problem. </a:t>
-            </a:r>
-          </a:p>
-          <a:p>
-            <a:pPr algn="l"/>
-            <a:endParaRPr lang="en-US" sz="2800" dirty="0" smtClean="0"/>
-          </a:p>
-          <a:p>
-            <a:pPr algn="l">
-              <a:buFont typeface="Arial" pitchFamily="34" charset="0"/>
-              <a:buChar char="•"/>
+            <a:endParaRPr kumimoji="0" lang="en-US" sz="3600" b="1" i="0" u="none" strike="noStrike" cap="none" normalizeH="0" baseline="0" smtClean="0">
+              <a:ln>
+                <a:noFill/>
+              </a:ln>
+              <a:solidFill>
+                <a:schemeClr val="tx1"/>
+              </a:solidFill>
+              <a:effectLst/>
+              <a:latin typeface="Arial" charset="0"/>
+            </a:endParaRPr>
+          </a:p>
+        </p:txBody>
+      </p:sp>
+      <p:sp>
+        <p:nvSpPr>
+          <p:cNvPr id="9" name="Right Arrow 8"/>
+          <p:cNvSpPr/>
+          <p:nvPr/>
+        </p:nvSpPr>
+        <p:spPr bwMode="auto">
+          <a:xfrm>
+            <a:off x="471715" y="6154059"/>
+            <a:ext cx="616856" cy="224971"/>
+          </a:xfrm>
+          <a:prstGeom prst="rightArrow">
+            <a:avLst/>
+          </a:prstGeom>
+          <a:solidFill>
+            <a:srgbClr val="FF0000"/>
+          </a:solidFill>
+          <a:ln w="9525" cap="flat" cmpd="sng" algn="ctr">
+            <a:noFill/>
+            <a:prstDash val="solid"/>
+            <a:round/>
+            <a:headEnd type="none" w="med" len="med"/>
+            <a:tailEnd type="none" w="med" len="med"/>
+          </a:ln>
+          <a:effectLst/>
+        </p:spPr>
+        <p:txBody>
+          <a:bodyPr vert="horz" wrap="square" lIns="91440" tIns="45720" rIns="91440" bIns="45720" numCol="1" rtlCol="0" anchor="ctr" anchorCtr="0" compatLnSpc="1">
+            <a:prstTxWarp prst="textNoShape">
+              <a:avLst/>
+            </a:prstTxWarp>
+          </a:bodyPr>
+          <a:lstStyle/>
+          <a:p>
+            <a:pPr marL="0" marR="0" indent="0" algn="ctr" defTabSz="914400" rtl="0" eaLnBrk="0" fontAlgn="base" latinLnBrk="0" hangingPunct="0">
+              <a:lnSpc>
+                <a:spcPct val="100000"/>
+              </a:lnSpc>
+              <a:spcBef>
+                <a:spcPct val="0"/>
+              </a:spcBef>
+              <a:spcAft>
+                <a:spcPct val="0"/>
+              </a:spcAft>
+              <a:buClrTx/>
+              <a:buSzTx/>
+              <a:buFontTx/>
+              <a:buNone/>
+              <a:tabLst/>
             </a:pPr>
-            <a:r>
-              <a:rPr lang="en-US" sz="2800" dirty="0" smtClean="0"/>
-              <a:t>Gate </a:t>
-            </a:r>
-            <a:r>
-              <a:rPr lang="en-US" sz="2800" dirty="0" err="1" smtClean="0"/>
-              <a:t>timeseries</a:t>
-            </a:r>
-            <a:r>
-              <a:rPr lang="en-US" sz="2800" dirty="0" smtClean="0"/>
-              <a:t> meets this problem frequently.</a:t>
-            </a:r>
-          </a:p>
-          <a:p>
-            <a:endParaRPr lang="en-US" sz="2400" dirty="0"/>
+            <a:endParaRPr kumimoji="0" lang="en-US" sz="3600" b="1" i="0" u="none" strike="noStrike" cap="none" normalizeH="0" baseline="0" smtClean="0">
+              <a:ln>
+                <a:noFill/>
+              </a:ln>
+              <a:solidFill>
+                <a:schemeClr val="tx1"/>
+              </a:solidFill>
+              <a:effectLst/>
+              <a:latin typeface="Arial" charset="0"/>
+            </a:endParaRPr>
+          </a:p>
+        </p:txBody>
+      </p:sp>
+      <p:sp>
+        <p:nvSpPr>
+          <p:cNvPr id="10" name="Right Arrow 9"/>
+          <p:cNvSpPr/>
+          <p:nvPr/>
+        </p:nvSpPr>
+        <p:spPr bwMode="auto">
+          <a:xfrm>
+            <a:off x="4034971" y="5196114"/>
+            <a:ext cx="1103085" cy="304800"/>
+          </a:xfrm>
+          <a:prstGeom prst="rightArrow">
+            <a:avLst/>
+          </a:prstGeom>
+          <a:solidFill>
+            <a:schemeClr val="accent6"/>
+          </a:solidFill>
+          <a:ln w="9525" cap="flat" cmpd="sng" algn="ctr">
+            <a:noFill/>
+            <a:prstDash val="solid"/>
+            <a:round/>
+            <a:headEnd type="none" w="med" len="med"/>
+            <a:tailEnd type="none" w="med" len="med"/>
+          </a:ln>
+          <a:effectLst/>
+        </p:spPr>
+        <p:txBody>
+          <a:bodyPr vert="horz" wrap="square" lIns="91440" tIns="45720" rIns="91440" bIns="45720" numCol="1" rtlCol="0" anchor="ctr" anchorCtr="0" compatLnSpc="1">
+            <a:prstTxWarp prst="textNoShape">
+              <a:avLst/>
+            </a:prstTxWarp>
+          </a:bodyPr>
+          <a:lstStyle/>
+          <a:p>
+            <a:pPr marL="0" marR="0" indent="0" algn="ctr" defTabSz="914400" rtl="0" eaLnBrk="0" fontAlgn="base" latinLnBrk="0" hangingPunct="0">
+              <a:lnSpc>
+                <a:spcPct val="100000"/>
+              </a:lnSpc>
+              <a:spcBef>
+                <a:spcPct val="0"/>
+              </a:spcBef>
+              <a:spcAft>
+                <a:spcPct val="0"/>
+              </a:spcAft>
+              <a:buClrTx/>
+              <a:buSzTx/>
+              <a:buFontTx/>
+              <a:buNone/>
+              <a:tabLst/>
+            </a:pPr>
+            <a:endParaRPr kumimoji="0" lang="en-US" sz="3600" b="1" i="0" u="none" strike="noStrike" cap="none" normalizeH="0" baseline="0" smtClean="0">
+              <a:ln>
+                <a:noFill/>
+              </a:ln>
+              <a:solidFill>
+                <a:schemeClr val="tx1"/>
+              </a:solidFill>
+              <a:effectLst/>
+              <a:latin typeface="Arial" charset="0"/>
+            </a:endParaRPr>
           </a:p>
         </p:txBody>
       </p:sp>
@@ -9028,8 +9099,8 @@
         </p:nvSpPr>
         <p:spPr>
           <a:xfrm>
-            <a:off x="624114" y="246743"/>
-            <a:ext cx="7271657" cy="646331"/>
+            <a:off x="1016000" y="740229"/>
+            <a:ext cx="6545943" cy="1384995"/>
           </a:xfrm>
           <a:prstGeom prst="rect">
             <a:avLst/>
@@ -9042,335 +9113,20 @@
           </a:bodyPr>
           <a:lstStyle/>
           <a:p>
-            <a:r>
-              <a:rPr lang="en-US" dirty="0" smtClean="0"/>
-              <a:t>Time series setting problem 2</a:t>
-            </a:r>
-            <a:endParaRPr lang="en-US" dirty="0"/>
-          </a:p>
-        </p:txBody>
-      </p:sp>
-      <p:pic>
-        <p:nvPicPr>
-          <p:cNvPr id="4" name="Picture 3" descr="wind8.JPG"/>
-          <p:cNvPicPr>
-            <a:picLocks noChangeAspect="1"/>
-          </p:cNvPicPr>
-          <p:nvPr/>
-        </p:nvPicPr>
-        <p:blipFill>
-          <a:blip r:embed="rId3" cstate="print"/>
-          <a:stretch>
-            <a:fillRect/>
-          </a:stretch>
-        </p:blipFill>
-        <p:spPr>
-          <a:xfrm>
-            <a:off x="1429204" y="948191"/>
-            <a:ext cx="6343650" cy="3190875"/>
-          </a:xfrm>
-          <a:prstGeom prst="rect">
-            <a:avLst/>
-          </a:prstGeom>
-        </p:spPr>
-      </p:pic>
-      <p:pic>
-        <p:nvPicPr>
-          <p:cNvPr id="5" name="Picture 4" descr="wind9.JPG"/>
-          <p:cNvPicPr>
-            <a:picLocks noChangeAspect="1"/>
-          </p:cNvPicPr>
-          <p:nvPr/>
-        </p:nvPicPr>
-        <p:blipFill>
-          <a:blip r:embed="rId4" cstate="print"/>
-          <a:stretch>
-            <a:fillRect/>
-          </a:stretch>
-        </p:blipFill>
-        <p:spPr>
-          <a:xfrm>
-            <a:off x="760867" y="4095750"/>
-            <a:ext cx="3209925" cy="2762250"/>
-          </a:xfrm>
-          <a:prstGeom prst="rect">
-            <a:avLst/>
-          </a:prstGeom>
-        </p:spPr>
-      </p:pic>
-      <p:pic>
-        <p:nvPicPr>
-          <p:cNvPr id="6" name="Picture 5" descr="wind10.JPG"/>
-          <p:cNvPicPr>
-            <a:picLocks noChangeAspect="1"/>
-          </p:cNvPicPr>
-          <p:nvPr/>
-        </p:nvPicPr>
-        <p:blipFill>
-          <a:blip r:embed="rId5" cstate="print"/>
-          <a:stretch>
-            <a:fillRect/>
-          </a:stretch>
-        </p:blipFill>
-        <p:spPr>
-          <a:xfrm>
-            <a:off x="5207224" y="4030889"/>
-            <a:ext cx="3228975" cy="2638425"/>
-          </a:xfrm>
-          <a:prstGeom prst="rect">
-            <a:avLst/>
-          </a:prstGeom>
-        </p:spPr>
-      </p:pic>
-      <p:sp>
-        <p:nvSpPr>
-          <p:cNvPr id="7" name="Right Arrow 6"/>
-          <p:cNvSpPr/>
-          <p:nvPr/>
-        </p:nvSpPr>
-        <p:spPr bwMode="auto">
-          <a:xfrm>
-            <a:off x="653143" y="3548744"/>
-            <a:ext cx="616856" cy="224971"/>
-          </a:xfrm>
-          <a:prstGeom prst="rightArrow">
-            <a:avLst/>
-          </a:prstGeom>
-          <a:solidFill>
-            <a:srgbClr val="FF0000"/>
-          </a:solidFill>
-          <a:ln w="9525" cap="flat" cmpd="sng" algn="ctr">
-            <a:noFill/>
-            <a:prstDash val="solid"/>
-            <a:round/>
-            <a:headEnd type="none" w="med" len="med"/>
-            <a:tailEnd type="none" w="med" len="med"/>
-          </a:ln>
-          <a:effectLst/>
-        </p:spPr>
-        <p:txBody>
-          <a:bodyPr vert="horz" wrap="square" lIns="91440" tIns="45720" rIns="91440" bIns="45720" numCol="1" rtlCol="0" anchor="ctr" anchorCtr="0" compatLnSpc="1">
-            <a:prstTxWarp prst="textNoShape">
-              <a:avLst/>
-            </a:prstTxWarp>
-          </a:bodyPr>
-          <a:lstStyle/>
-          <a:p>
-            <a:pPr marL="0" marR="0" indent="0" algn="ctr" defTabSz="914400" rtl="0" eaLnBrk="0" fontAlgn="base" latinLnBrk="0" hangingPunct="0">
-              <a:lnSpc>
-                <a:spcPct val="100000"/>
-              </a:lnSpc>
-              <a:spcBef>
-                <a:spcPct val="0"/>
-              </a:spcBef>
-              <a:spcAft>
-                <a:spcPct val="0"/>
-              </a:spcAft>
-              <a:buClrTx/>
-              <a:buSzTx/>
-              <a:buFontTx/>
-              <a:buNone/>
-              <a:tabLst/>
-            </a:pPr>
-            <a:endParaRPr kumimoji="0" lang="en-US" sz="3600" b="1" i="0" u="none" strike="noStrike" cap="none" normalizeH="0" baseline="0" smtClean="0">
-              <a:ln>
-                <a:noFill/>
-              </a:ln>
-              <a:solidFill>
-                <a:schemeClr val="tx1"/>
-              </a:solidFill>
-              <a:effectLst/>
-              <a:latin typeface="Arial" charset="0"/>
-            </a:endParaRPr>
-          </a:p>
-        </p:txBody>
-      </p:sp>
-      <p:sp>
-        <p:nvSpPr>
-          <p:cNvPr id="8" name="Right Arrow 7"/>
-          <p:cNvSpPr/>
-          <p:nvPr/>
-        </p:nvSpPr>
-        <p:spPr bwMode="auto">
-          <a:xfrm>
-            <a:off x="4630059" y="6074230"/>
-            <a:ext cx="616856" cy="224971"/>
-          </a:xfrm>
-          <a:prstGeom prst="rightArrow">
-            <a:avLst/>
-          </a:prstGeom>
-          <a:solidFill>
-            <a:srgbClr val="FF0000"/>
-          </a:solidFill>
-          <a:ln w="9525" cap="flat" cmpd="sng" algn="ctr">
-            <a:noFill/>
-            <a:prstDash val="solid"/>
-            <a:round/>
-            <a:headEnd type="none" w="med" len="med"/>
-            <a:tailEnd type="none" w="med" len="med"/>
-          </a:ln>
-          <a:effectLst/>
-        </p:spPr>
-        <p:txBody>
-          <a:bodyPr vert="horz" wrap="square" lIns="91440" tIns="45720" rIns="91440" bIns="45720" numCol="1" rtlCol="0" anchor="ctr" anchorCtr="0" compatLnSpc="1">
-            <a:prstTxWarp prst="textNoShape">
-              <a:avLst/>
-            </a:prstTxWarp>
-          </a:bodyPr>
-          <a:lstStyle/>
-          <a:p>
-            <a:pPr marL="0" marR="0" indent="0" algn="ctr" defTabSz="914400" rtl="0" eaLnBrk="0" fontAlgn="base" latinLnBrk="0" hangingPunct="0">
-              <a:lnSpc>
-                <a:spcPct val="100000"/>
-              </a:lnSpc>
-              <a:spcBef>
-                <a:spcPct val="0"/>
-              </a:spcBef>
-              <a:spcAft>
-                <a:spcPct val="0"/>
-              </a:spcAft>
-              <a:buClrTx/>
-              <a:buSzTx/>
-              <a:buFontTx/>
-              <a:buNone/>
-              <a:tabLst/>
-            </a:pPr>
-            <a:endParaRPr kumimoji="0" lang="en-US" sz="3600" b="1" i="0" u="none" strike="noStrike" cap="none" normalizeH="0" baseline="0" smtClean="0">
-              <a:ln>
-                <a:noFill/>
-              </a:ln>
-              <a:solidFill>
-                <a:schemeClr val="tx1"/>
-              </a:solidFill>
-              <a:effectLst/>
-              <a:latin typeface="Arial" charset="0"/>
-            </a:endParaRPr>
-          </a:p>
-        </p:txBody>
-      </p:sp>
-      <p:sp>
-        <p:nvSpPr>
-          <p:cNvPr id="9" name="Right Arrow 8"/>
-          <p:cNvSpPr/>
-          <p:nvPr/>
-        </p:nvSpPr>
-        <p:spPr bwMode="auto">
-          <a:xfrm>
-            <a:off x="471715" y="6154059"/>
-            <a:ext cx="616856" cy="224971"/>
-          </a:xfrm>
-          <a:prstGeom prst="rightArrow">
-            <a:avLst/>
-          </a:prstGeom>
-          <a:solidFill>
-            <a:srgbClr val="FF0000"/>
-          </a:solidFill>
-          <a:ln w="9525" cap="flat" cmpd="sng" algn="ctr">
-            <a:noFill/>
-            <a:prstDash val="solid"/>
-            <a:round/>
-            <a:headEnd type="none" w="med" len="med"/>
-            <a:tailEnd type="none" w="med" len="med"/>
-          </a:ln>
-          <a:effectLst/>
-        </p:spPr>
-        <p:txBody>
-          <a:bodyPr vert="horz" wrap="square" lIns="91440" tIns="45720" rIns="91440" bIns="45720" numCol="1" rtlCol="0" anchor="ctr" anchorCtr="0" compatLnSpc="1">
-            <a:prstTxWarp prst="textNoShape">
-              <a:avLst/>
-            </a:prstTxWarp>
-          </a:bodyPr>
-          <a:lstStyle/>
-          <a:p>
-            <a:pPr marL="0" marR="0" indent="0" algn="ctr" defTabSz="914400" rtl="0" eaLnBrk="0" fontAlgn="base" latinLnBrk="0" hangingPunct="0">
-              <a:lnSpc>
-                <a:spcPct val="100000"/>
-              </a:lnSpc>
-              <a:spcBef>
-                <a:spcPct val="0"/>
-              </a:spcBef>
-              <a:spcAft>
-                <a:spcPct val="0"/>
-              </a:spcAft>
-              <a:buClrTx/>
-              <a:buSzTx/>
-              <a:buFontTx/>
-              <a:buNone/>
-              <a:tabLst/>
-            </a:pPr>
-            <a:endParaRPr kumimoji="0" lang="en-US" sz="3600" b="1" i="0" u="none" strike="noStrike" cap="none" normalizeH="0" baseline="0" smtClean="0">
-              <a:ln>
-                <a:noFill/>
-              </a:ln>
-              <a:solidFill>
-                <a:schemeClr val="tx1"/>
-              </a:solidFill>
-              <a:effectLst/>
-              <a:latin typeface="Arial" charset="0"/>
-            </a:endParaRPr>
-          </a:p>
-        </p:txBody>
-      </p:sp>
-      <p:sp>
-        <p:nvSpPr>
-          <p:cNvPr id="10" name="Right Arrow 9"/>
-          <p:cNvSpPr/>
-          <p:nvPr/>
-        </p:nvSpPr>
-        <p:spPr bwMode="auto">
-          <a:xfrm>
-            <a:off x="4034971" y="5196114"/>
-            <a:ext cx="1103085" cy="304800"/>
-          </a:xfrm>
-          <a:prstGeom prst="rightArrow">
-            <a:avLst/>
-          </a:prstGeom>
-          <a:solidFill>
-            <a:schemeClr val="accent6"/>
-          </a:solidFill>
-          <a:ln w="9525" cap="flat" cmpd="sng" algn="ctr">
-            <a:noFill/>
-            <a:prstDash val="solid"/>
-            <a:round/>
-            <a:headEnd type="none" w="med" len="med"/>
-            <a:tailEnd type="none" w="med" len="med"/>
-          </a:ln>
-          <a:effectLst/>
-        </p:spPr>
-        <p:txBody>
-          <a:bodyPr vert="horz" wrap="square" lIns="91440" tIns="45720" rIns="91440" bIns="45720" numCol="1" rtlCol="0" anchor="ctr" anchorCtr="0" compatLnSpc="1">
-            <a:prstTxWarp prst="textNoShape">
-              <a:avLst/>
-            </a:prstTxWarp>
-          </a:bodyPr>
-          <a:lstStyle/>
-          <a:p>
-            <a:pPr marL="0" marR="0" indent="0" algn="ctr" defTabSz="914400" rtl="0" eaLnBrk="0" fontAlgn="base" latinLnBrk="0" hangingPunct="0">
-              <a:lnSpc>
-                <a:spcPct val="100000"/>
-              </a:lnSpc>
-              <a:spcBef>
-                <a:spcPct val="0"/>
-              </a:spcBef>
-              <a:spcAft>
-                <a:spcPct val="0"/>
-              </a:spcAft>
-              <a:buClrTx/>
-              <a:buSzTx/>
-              <a:buFontTx/>
-              <a:buNone/>
-              <a:tabLst/>
-            </a:pPr>
-            <a:endParaRPr kumimoji="0" lang="en-US" sz="3600" b="1" i="0" u="none" strike="noStrike" cap="none" normalizeH="0" baseline="0" smtClean="0">
-              <a:ln>
-                <a:noFill/>
-              </a:ln>
-              <a:solidFill>
-                <a:schemeClr val="tx1"/>
-              </a:solidFill>
-              <a:effectLst/>
-              <a:latin typeface="Arial" charset="0"/>
-            </a:endParaRPr>
+            <a:pPr algn="l"/>
+            <a:r>
+              <a:rPr lang="en-US" sz="2800" dirty="0" smtClean="0"/>
+              <a:t>In each Irregular </a:t>
+            </a:r>
+            <a:r>
+              <a:rPr lang="en-US" sz="2800" dirty="0" err="1" smtClean="0"/>
+              <a:t>timeseries</a:t>
+            </a:r>
+            <a:r>
+              <a:rPr lang="en-US" sz="2800" dirty="0" smtClean="0"/>
+              <a:t>, time interval between two values must be less than two years. </a:t>
+            </a:r>
+            <a:endParaRPr lang="en-US" sz="2800" dirty="0"/>
           </a:p>
         </p:txBody>
       </p:sp>
@@ -9602,17 +9358,8 @@
               <a:rPr lang="en-US" altLang="zh-CN" sz="2600" dirty="0" smtClean="0">
                 <a:ea typeface="宋体" charset="-122"/>
               </a:rPr>
-              <a:t>How to start model </a:t>
-            </a:r>
-            <a:r>
-              <a:rPr lang="en-US" altLang="zh-CN" sz="2600" dirty="0" smtClean="0">
-                <a:ea typeface="宋体" charset="-122"/>
-              </a:rPr>
-              <a:t>simulation</a:t>
-            </a:r>
-            <a:endParaRPr lang="en-US" altLang="zh-CN" sz="2600" dirty="0" smtClean="0">
-              <a:ea typeface="宋体" charset="-122"/>
-            </a:endParaRPr>
+              <a:t>How to start model simulation</a:t>
+            </a:r>
           </a:p>
           <a:p>
             <a:pPr>
@@ -9723,14 +9470,14 @@
       </p:sp>
       <p:sp>
         <p:nvSpPr>
-          <p:cNvPr id="3" name="TextBox 2"/>
+          <p:cNvPr id="4" name="TextBox 3"/>
           <p:cNvSpPr txBox="1"/>
           <p:nvPr/>
         </p:nvSpPr>
         <p:spPr>
           <a:xfrm>
-            <a:off x="1016000" y="740229"/>
-            <a:ext cx="6545943" cy="1384995"/>
+            <a:off x="624114" y="246743"/>
+            <a:ext cx="7271657" cy="646331"/>
           </a:xfrm>
           <a:prstGeom prst="rect">
             <a:avLst/>
@@ -9745,21 +9492,98 @@
           <a:p>
             <a:pPr algn="l"/>
             <a:r>
+              <a:rPr lang="en-US" dirty="0" smtClean="0"/>
+              <a:t>Transfer flow</a:t>
+            </a:r>
+            <a:endParaRPr lang="en-US" dirty="0"/>
+          </a:p>
+        </p:txBody>
+      </p:sp>
+      <p:sp>
+        <p:nvSpPr>
+          <p:cNvPr id="6" name="TextBox 5"/>
+          <p:cNvSpPr txBox="1"/>
+          <p:nvPr/>
+        </p:nvSpPr>
+        <p:spPr>
+          <a:xfrm>
+            <a:off x="1175656" y="1306286"/>
+            <a:ext cx="7445830" cy="1815882"/>
+          </a:xfrm>
+          <a:prstGeom prst="rect">
+            <a:avLst/>
+          </a:prstGeom>
+          <a:noFill/>
+        </p:spPr>
+        <p:txBody>
+          <a:bodyPr wrap="square" rtlCol="0">
+            <a:spAutoFit/>
+          </a:bodyPr>
+          <a:lstStyle/>
+          <a:p>
+            <a:pPr algn="l"/>
+            <a:r>
               <a:rPr lang="en-US" sz="2800" dirty="0" smtClean="0"/>
-              <a:t>In each Irregular </a:t>
+              <a:t>Step 1: Make a transfer flow time series</a:t>
+            </a:r>
+          </a:p>
+          <a:p>
+            <a:pPr algn="l"/>
+            <a:r>
+              <a:rPr lang="en-US" sz="2800" dirty="0" smtClean="0"/>
+              <a:t>Step 2: Create a transfer flow  .</a:t>
             </a:r>
             <a:r>
               <a:rPr lang="en-US" sz="2800" dirty="0" err="1" smtClean="0"/>
-              <a:t>timeseries</a:t>
+              <a:t>inp</a:t>
             </a:r>
             <a:r>
               <a:rPr lang="en-US" sz="2800" dirty="0" smtClean="0"/>
-              <a:t>, time interval between two values must be less than two years. </a:t>
+              <a:t> file</a:t>
+            </a:r>
+          </a:p>
+          <a:p>
+            <a:pPr algn="l"/>
+            <a:r>
+              <a:rPr lang="en-US" sz="2800" dirty="0" smtClean="0"/>
+              <a:t>Step 3: Add .</a:t>
+            </a:r>
+            <a:r>
+              <a:rPr lang="en-US" sz="2800" dirty="0" err="1" smtClean="0"/>
+              <a:t>inp</a:t>
+            </a:r>
+            <a:r>
+              <a:rPr lang="en-US" sz="2800" dirty="0" smtClean="0"/>
+              <a:t> file in the historical _hydro.inp file</a:t>
             </a:r>
             <a:endParaRPr lang="en-US" sz="2800" dirty="0"/>
           </a:p>
         </p:txBody>
       </p:sp>
+      <p:pic>
+        <p:nvPicPr>
+          <p:cNvPr id="8" name="Picture 7" descr="trans1.JPG"/>
+          <p:cNvPicPr>
+            <a:picLocks noChangeAspect="1"/>
+          </p:cNvPicPr>
+          <p:nvPr/>
+        </p:nvPicPr>
+        <p:blipFill>
+          <a:blip r:embed="rId3" cstate="print"/>
+          <a:stretch>
+            <a:fillRect/>
+          </a:stretch>
+        </p:blipFill>
+        <p:spPr>
+          <a:xfrm>
+            <a:off x="521380" y="3143022"/>
+            <a:ext cx="8391525" cy="2981325"/>
+          </a:xfrm>
+          <a:prstGeom prst="rect">
+            <a:avLst/>
+          </a:prstGeom>
+        </p:spPr>
+      </p:pic>
     </p:spTree>
   </p:cSld>
   <p:clrMapOvr>
@@ -9819,109 +9643,9 @@
           </a:p>
         </p:txBody>
       </p:sp>
-      <p:sp>
-        <p:nvSpPr>
-          <p:cNvPr id="4" name="TextBox 3"/>
-          <p:cNvSpPr txBox="1"/>
-          <p:nvPr/>
-        </p:nvSpPr>
-        <p:spPr>
-          <a:xfrm>
-            <a:off x="624114" y="246743"/>
-            <a:ext cx="7271657" cy="646331"/>
-          </a:xfrm>
-          <a:prstGeom prst="rect">
-            <a:avLst/>
-          </a:prstGeom>
-          <a:noFill/>
-        </p:spPr>
-        <p:txBody>
-          <a:bodyPr wrap="square" rtlCol="0">
-            <a:spAutoFit/>
-          </a:bodyPr>
-          <a:lstStyle/>
-          <a:p>
-            <a:pPr algn="l"/>
-            <a:r>
-              <a:rPr lang="en-US" dirty="0" smtClean="0"/>
-              <a:t>Transfer flow</a:t>
-            </a:r>
-            <a:endParaRPr lang="en-US" dirty="0"/>
-          </a:p>
-        </p:txBody>
-      </p:sp>
-      <p:sp>
-        <p:nvSpPr>
-          <p:cNvPr id="6" name="TextBox 5"/>
-          <p:cNvSpPr txBox="1"/>
-          <p:nvPr/>
-        </p:nvSpPr>
-        <p:spPr>
-          <a:xfrm>
-            <a:off x="1175656" y="1306286"/>
-            <a:ext cx="7445830" cy="1815882"/>
-          </a:xfrm>
-          <a:prstGeom prst="rect">
-            <a:avLst/>
-          </a:prstGeom>
-          <a:noFill/>
-        </p:spPr>
-        <p:txBody>
-          <a:bodyPr wrap="square" rtlCol="0">
-            <a:spAutoFit/>
-          </a:bodyPr>
-          <a:lstStyle/>
-          <a:p>
-            <a:pPr algn="l"/>
-            <a:r>
-              <a:rPr lang="en-US" sz="2800" dirty="0" smtClean="0"/>
-              <a:t>Step 1: Make a transfer flow time series</a:t>
-            </a:r>
-          </a:p>
-          <a:p>
-            <a:pPr algn="l"/>
-            <a:r>
-              <a:rPr lang="en-US" sz="2800" dirty="0" smtClean="0"/>
-              <a:t>Step 2: Create a transfer flow  .</a:t>
-            </a:r>
-            <a:r>
-              <a:rPr lang="en-US" sz="2800" dirty="0" err="1" smtClean="0"/>
-              <a:t>inp</a:t>
-            </a:r>
-            <a:r>
-              <a:rPr lang="en-US" sz="2800" dirty="0" smtClean="0"/>
-              <a:t> file</a:t>
-            </a:r>
-          </a:p>
-          <a:p>
-            <a:pPr algn="l"/>
-            <a:r>
-              <a:rPr lang="en-US" sz="2800" dirty="0" smtClean="0"/>
-              <a:t>Step 3: Add .</a:t>
-            </a:r>
-            <a:r>
-              <a:rPr lang="en-US" sz="2800" dirty="0" err="1" smtClean="0"/>
-              <a:t>inp</a:t>
-            </a:r>
-            <a:r>
-              <a:rPr lang="en-US" sz="2800" dirty="0" smtClean="0"/>
-              <a:t> file in </a:t>
-            </a:r>
-            <a:r>
-              <a:rPr lang="en-US" sz="2800" dirty="0" smtClean="0"/>
-              <a:t>the historical _hydro.inp </a:t>
-            </a:r>
-            <a:r>
-              <a:rPr lang="en-US" sz="2800" dirty="0" smtClean="0"/>
-              <a:t>file</a:t>
-            </a:r>
-            <a:endParaRPr lang="en-US" sz="2800" dirty="0"/>
-          </a:p>
-        </p:txBody>
-      </p:sp>
       <p:pic>
         <p:nvPicPr>
-          <p:cNvPr id="8" name="Picture 7" descr="trans1.JPG"/>
+          <p:cNvPr id="4" name="Picture 3" descr="wind5.JPG"/>
           <p:cNvPicPr>
             <a:picLocks noChangeAspect="1"/>
           </p:cNvPicPr>
@@ -9935,8 +9659,8 @@
         </p:blipFill>
         <p:spPr>
           <a:xfrm>
-            <a:off x="521380" y="3143022"/>
-            <a:ext cx="8391525" cy="2981325"/>
+            <a:off x="723219" y="1505856"/>
+            <a:ext cx="8069191" cy="3864429"/>
           </a:xfrm>
           <a:prstGeom prst="rect">
             <a:avLst/>
@@ -10002,30 +9726,110 @@
           </a:p>
         </p:txBody>
       </p:sp>
-      <p:pic>
-        <p:nvPicPr>
-          <p:cNvPr id="4" name="Picture 3" descr="wind5.JPG"/>
-          <p:cNvPicPr>
-            <a:picLocks noChangeAspect="1"/>
-          </p:cNvPicPr>
+      <p:sp>
+        <p:nvSpPr>
+          <p:cNvPr id="3" name="TextBox 2"/>
+          <p:cNvSpPr txBox="1"/>
           <p:nvPr/>
-        </p:nvPicPr>
-        <p:blipFill>
-          <a:blip r:embed="rId3" cstate="print"/>
-          <a:stretch>
-            <a:fillRect/>
-          </a:stretch>
-        </p:blipFill>
+        </p:nvSpPr>
         <p:spPr>
           <a:xfrm>
-            <a:off x="723219" y="1505856"/>
-            <a:ext cx="8069191" cy="3864429"/>
+            <a:off x="624114" y="246743"/>
+            <a:ext cx="7271657" cy="646331"/>
           </a:xfrm>
           <a:prstGeom prst="rect">
             <a:avLst/>
           </a:prstGeom>
-        </p:spPr>
-      </p:pic>
+          <a:noFill/>
+        </p:spPr>
+        <p:txBody>
+          <a:bodyPr wrap="square" rtlCol="0">
+            <a:spAutoFit/>
+          </a:bodyPr>
+          <a:lstStyle/>
+          <a:p>
+            <a:pPr algn="l"/>
+            <a:r>
+              <a:rPr lang="en-US" dirty="0" smtClean="0"/>
+              <a:t>Using tide file</a:t>
+            </a:r>
+            <a:endParaRPr lang="en-US" dirty="0"/>
+          </a:p>
+        </p:txBody>
+      </p:sp>
+      <p:sp>
+        <p:nvSpPr>
+          <p:cNvPr id="4" name="TextBox 3"/>
+          <p:cNvSpPr txBox="1"/>
+          <p:nvPr/>
+        </p:nvSpPr>
+        <p:spPr>
+          <a:xfrm>
+            <a:off x="798286" y="1698171"/>
+            <a:ext cx="7837714" cy="3108543"/>
+          </a:xfrm>
+          <a:prstGeom prst="rect">
+            <a:avLst/>
+          </a:prstGeom>
+          <a:noFill/>
+        </p:spPr>
+        <p:txBody>
+          <a:bodyPr wrap="square" rtlCol="0">
+            <a:spAutoFit/>
+          </a:bodyPr>
+          <a:lstStyle/>
+          <a:p>
+            <a:pPr algn="l">
+              <a:buFont typeface="Arial" pitchFamily="34" charset="0"/>
+              <a:buChar char="•"/>
+            </a:pPr>
+            <a:r>
+              <a:rPr lang="en-US" sz="2800" dirty="0" smtClean="0"/>
+              <a:t>Tide file: historical.h5 in the ./output folder</a:t>
+            </a:r>
+          </a:p>
+          <a:p>
+            <a:pPr algn="l"/>
+            <a:endParaRPr lang="en-US" sz="2800" dirty="0" smtClean="0"/>
+          </a:p>
+          <a:p>
+            <a:pPr algn="l">
+              <a:buFont typeface="Arial" pitchFamily="34" charset="0"/>
+              <a:buChar char="•"/>
+            </a:pPr>
+            <a:r>
+              <a:rPr lang="en-US" sz="2800" dirty="0" smtClean="0"/>
+              <a:t>It saves the flow and stage for all the channels and nodes of DSM2.</a:t>
+            </a:r>
+          </a:p>
+          <a:p>
+            <a:pPr algn="l">
+              <a:buFont typeface="Arial" pitchFamily="34" charset="0"/>
+              <a:buChar char="•"/>
+            </a:pPr>
+            <a:endParaRPr lang="en-US" sz="2800" dirty="0" smtClean="0"/>
+          </a:p>
+          <a:p>
+            <a:pPr algn="l">
+              <a:buFont typeface="Arial" pitchFamily="34" charset="0"/>
+              <a:buChar char="•"/>
+            </a:pPr>
+            <a:r>
+              <a:rPr lang="en-US" sz="2800" dirty="0" smtClean="0"/>
+              <a:t>It can be used for many </a:t>
+            </a:r>
+            <a:r>
+              <a:rPr lang="en-US" sz="2800" dirty="0" err="1" smtClean="0"/>
+              <a:t>qual</a:t>
+            </a:r>
+            <a:r>
+              <a:rPr lang="en-US" sz="2800" dirty="0" smtClean="0"/>
+              <a:t> runs w/o repeat hydro run.</a:t>
+            </a:r>
+            <a:endParaRPr lang="en-US" sz="2800" dirty="0"/>
+          </a:p>
+        </p:txBody>
+      </p:sp>
     </p:spTree>
   </p:cSld>
   <p:clrMapOvr>
@@ -10110,22 +9914,70 @@
             <a:pPr algn="l"/>
             <a:r>
               <a:rPr lang="en-US" dirty="0" smtClean="0"/>
-              <a:t>Using tide file</a:t>
+              <a:t>Restart hydro run</a:t>
             </a:r>
             <a:endParaRPr lang="en-US" dirty="0"/>
           </a:p>
         </p:txBody>
       </p:sp>
-      <p:sp>
-        <p:nvSpPr>
-          <p:cNvPr id="4" name="TextBox 3"/>
+      <p:pic>
+        <p:nvPicPr>
+          <p:cNvPr id="4" name="Picture 3" descr="wind6.JPG"/>
+          <p:cNvPicPr>
+            <a:picLocks noChangeAspect="1"/>
+          </p:cNvPicPr>
+          <p:nvPr/>
+        </p:nvPicPr>
+        <p:blipFill>
+          <a:blip r:embed="rId3" cstate="print"/>
+          <a:stretch>
+            <a:fillRect/>
+          </a:stretch>
+        </p:blipFill>
+        <p:spPr>
+          <a:xfrm>
+            <a:off x="180975" y="1379537"/>
+            <a:ext cx="8963025" cy="2066925"/>
+          </a:xfrm>
+          <a:prstGeom prst="rect">
+            <a:avLst/>
+          </a:prstGeom>
+        </p:spPr>
+      </p:pic>
+      <p:pic>
+        <p:nvPicPr>
+          <p:cNvPr id="5" name="Picture 4" descr="wind7.JPG"/>
+          <p:cNvPicPr>
+            <a:picLocks noChangeAspect="1"/>
+          </p:cNvPicPr>
+          <p:nvPr/>
+        </p:nvPicPr>
+        <p:blipFill>
+          <a:blip r:embed="rId4" cstate="print"/>
+          <a:stretch>
+            <a:fillRect/>
+          </a:stretch>
+        </p:blipFill>
+        <p:spPr>
+          <a:xfrm>
+            <a:off x="180975" y="4088946"/>
+            <a:ext cx="8963025" cy="2076450"/>
+          </a:xfrm>
+          <a:prstGeom prst="rect">
+            <a:avLst/>
+          </a:prstGeom>
+        </p:spPr>
+      </p:pic>
+      <p:sp>
+        <p:nvSpPr>
+          <p:cNvPr id="6" name="TextBox 5"/>
           <p:cNvSpPr txBox="1"/>
           <p:nvPr/>
         </p:nvSpPr>
         <p:spPr>
           <a:xfrm>
-            <a:off x="798286" y="1698171"/>
-            <a:ext cx="7837714" cy="3108543"/>
+            <a:off x="508001" y="957944"/>
+            <a:ext cx="5094514" cy="461665"/>
           </a:xfrm>
           <a:prstGeom prst="rect">
             <a:avLst/>
@@ -10138,59 +9990,46 @@
           </a:bodyPr>
           <a:lstStyle/>
           <a:p>
-            <a:pPr algn="l">
-              <a:buFont typeface="Arial" pitchFamily="34" charset="0"/>
-              <a:buChar char="•"/>
-            </a:pPr>
-            <a:r>
-              <a:rPr lang="en-US" sz="2800" dirty="0" smtClean="0"/>
-              <a:t>Tide file: historical.h5 in the ./output folder</a:t>
-            </a:r>
-          </a:p>
+            <a:r>
+              <a:rPr lang="en-US" sz="2400" dirty="0"/>
+              <a:t>S</a:t>
+            </a:r>
+            <a:r>
+              <a:rPr lang="en-US" sz="2400" dirty="0" smtClean="0"/>
+              <a:t>tep 1: Save the restart file</a:t>
+            </a:r>
+            <a:endParaRPr lang="en-US" sz="2400" dirty="0"/>
+          </a:p>
+        </p:txBody>
+      </p:sp>
+      <p:sp>
+        <p:nvSpPr>
+          <p:cNvPr id="8" name="TextBox 7"/>
+          <p:cNvSpPr txBox="1"/>
+          <p:nvPr/>
+        </p:nvSpPr>
+        <p:spPr>
+          <a:xfrm>
+            <a:off x="979714" y="3548743"/>
+            <a:ext cx="7271657" cy="461665"/>
+          </a:xfrm>
+          <a:prstGeom prst="rect">
+            <a:avLst/>
+          </a:prstGeom>
+          <a:noFill/>
+        </p:spPr>
+        <p:txBody>
+          <a:bodyPr wrap="square" rtlCol="0">
+            <a:spAutoFit/>
+          </a:bodyPr>
+          <a:lstStyle/>
           <a:p>
             <a:pPr algn="l"/>
-            <a:endParaRPr lang="en-US" sz="2800" dirty="0" smtClean="0"/>
-          </a:p>
-          <a:p>
-            <a:pPr algn="l">
-              <a:buFont typeface="Arial" pitchFamily="34" charset="0"/>
-              <a:buChar char="•"/>
-            </a:pPr>
-            <a:r>
-              <a:rPr lang="en-US" sz="2800" dirty="0" smtClean="0"/>
-              <a:t>It saves the flow and stage for all the channels and nodes of </a:t>
-            </a:r>
-            <a:r>
-              <a:rPr lang="en-US" sz="2800" dirty="0" smtClean="0"/>
-              <a:t>DSM2.</a:t>
-            </a:r>
-            <a:endParaRPr lang="en-US" sz="2800" dirty="0" smtClean="0"/>
-          </a:p>
-          <a:p>
-            <a:pPr algn="l">
-              <a:buFont typeface="Arial" pitchFamily="34" charset="0"/>
-              <a:buChar char="•"/>
-            </a:pPr>
-            <a:endParaRPr lang="en-US" sz="2800" dirty="0" smtClean="0"/>
-          </a:p>
-          <a:p>
-            <a:pPr algn="l">
-              <a:buFont typeface="Arial" pitchFamily="34" charset="0"/>
-              <a:buChar char="•"/>
-            </a:pPr>
-            <a:r>
-              <a:rPr lang="en-US" sz="2800" dirty="0" smtClean="0"/>
-              <a:t>It can be used for many </a:t>
-            </a:r>
-            <a:r>
-              <a:rPr lang="en-US" sz="2800" dirty="0" err="1" smtClean="0"/>
-              <a:t>qual</a:t>
-            </a:r>
-            <a:r>
-              <a:rPr lang="en-US" sz="2800" dirty="0" smtClean="0"/>
-              <a:t> runs w/o repeat hydro run.</a:t>
-            </a:r>
-            <a:endParaRPr lang="en-US" sz="2800" dirty="0"/>
+            <a:r>
+              <a:rPr lang="en-US" sz="2400" dirty="0" smtClean="0"/>
+              <a:t>Step 2: Use the restart file as the initial condition</a:t>
+            </a:r>
+            <a:endParaRPr lang="en-US" sz="2400" dirty="0"/>
           </a:p>
         </p:txBody>
       </p:sp>
@@ -10229,7 +10068,7 @@
       </p:grpSpPr>
       <p:sp>
         <p:nvSpPr>
-          <p:cNvPr id="30722" name="Date Placeholder 1"/>
+          <p:cNvPr id="29698" name="Date Placeholder 3"/>
           <p:cNvSpPr>
             <a:spLocks noGrp="1"/>
           </p:cNvSpPr>
@@ -10244,213 +10083,10 @@
           <a:bodyPr/>
           <a:lstStyle/>
           <a:p>
-            <a:fld id="{9E533BF5-C97B-4A26-846D-6C6295B9B19D}" type="slidenum">
+            <a:fld id="{30B24E78-8EC7-4990-8387-15F3C04C9DCA}" type="slidenum">
               <a:rPr lang="zh-CN" altLang="en-US"/>
               <a:pPr/>
               <a:t>24</a:t>
-            </a:fld>
-            <a:endParaRPr lang="en-US" altLang="zh-CN"/>
-          </a:p>
-        </p:txBody>
-      </p:sp>
-      <p:sp>
-        <p:nvSpPr>
-          <p:cNvPr id="3" name="TextBox 2"/>
-          <p:cNvSpPr txBox="1"/>
-          <p:nvPr/>
-        </p:nvSpPr>
-        <p:spPr>
-          <a:xfrm>
-            <a:off x="624114" y="246743"/>
-            <a:ext cx="7271657" cy="646331"/>
-          </a:xfrm>
-          <a:prstGeom prst="rect">
-            <a:avLst/>
-          </a:prstGeom>
-          <a:noFill/>
-        </p:spPr>
-        <p:txBody>
-          <a:bodyPr wrap="square" rtlCol="0">
-            <a:spAutoFit/>
-          </a:bodyPr>
-          <a:lstStyle/>
-          <a:p>
-            <a:pPr algn="l"/>
-            <a:r>
-              <a:rPr lang="en-US" dirty="0" smtClean="0"/>
-              <a:t>Restart hydro run</a:t>
-            </a:r>
-            <a:endParaRPr lang="en-US" dirty="0"/>
-          </a:p>
-        </p:txBody>
-      </p:sp>
-      <p:pic>
-        <p:nvPicPr>
-          <p:cNvPr id="4" name="Picture 3" descr="wind6.JPG"/>
-          <p:cNvPicPr>
-            <a:picLocks noChangeAspect="1"/>
-          </p:cNvPicPr>
-          <p:nvPr/>
-        </p:nvPicPr>
-        <p:blipFill>
-          <a:blip r:embed="rId3" cstate="print"/>
-          <a:stretch>
-            <a:fillRect/>
-          </a:stretch>
-        </p:blipFill>
-        <p:spPr>
-          <a:xfrm>
-            <a:off x="180975" y="1379537"/>
-            <a:ext cx="8963025" cy="2066925"/>
-          </a:xfrm>
-          <a:prstGeom prst="rect">
-            <a:avLst/>
-          </a:prstGeom>
-        </p:spPr>
-      </p:pic>
-      <p:pic>
-        <p:nvPicPr>
-          <p:cNvPr id="5" name="Picture 4" descr="wind7.JPG"/>
-          <p:cNvPicPr>
-            <a:picLocks noChangeAspect="1"/>
-          </p:cNvPicPr>
-          <p:nvPr/>
-        </p:nvPicPr>
-        <p:blipFill>
-          <a:blip r:embed="rId4" cstate="print"/>
-          <a:stretch>
-            <a:fillRect/>
-          </a:stretch>
-        </p:blipFill>
-        <p:spPr>
-          <a:xfrm>
-            <a:off x="180975" y="4088946"/>
-            <a:ext cx="8963025" cy="2076450"/>
-          </a:xfrm>
-          <a:prstGeom prst="rect">
-            <a:avLst/>
-          </a:prstGeom>
-        </p:spPr>
-      </p:pic>
-      <p:sp>
-        <p:nvSpPr>
-          <p:cNvPr id="6" name="TextBox 5"/>
-          <p:cNvSpPr txBox="1"/>
-          <p:nvPr/>
-        </p:nvSpPr>
-        <p:spPr>
-          <a:xfrm>
-            <a:off x="508001" y="957944"/>
-            <a:ext cx="5094514" cy="461665"/>
-          </a:xfrm>
-          <a:prstGeom prst="rect">
-            <a:avLst/>
-          </a:prstGeom>
-          <a:noFill/>
-        </p:spPr>
-        <p:txBody>
-          <a:bodyPr wrap="square" rtlCol="0">
-            <a:spAutoFit/>
-          </a:bodyPr>
-          <a:lstStyle/>
-          <a:p>
-            <a:r>
-              <a:rPr lang="en-US" sz="2400" dirty="0"/>
-              <a:t>S</a:t>
-            </a:r>
-            <a:r>
-              <a:rPr lang="en-US" sz="2400" dirty="0" smtClean="0"/>
-              <a:t>tep 1: Save the restart file</a:t>
-            </a:r>
-            <a:endParaRPr lang="en-US" sz="2400" dirty="0"/>
-          </a:p>
-        </p:txBody>
-      </p:sp>
-      <p:sp>
-        <p:nvSpPr>
-          <p:cNvPr id="8" name="TextBox 7"/>
-          <p:cNvSpPr txBox="1"/>
-          <p:nvPr/>
-        </p:nvSpPr>
-        <p:spPr>
-          <a:xfrm>
-            <a:off x="979714" y="3548743"/>
-            <a:ext cx="7271657" cy="461665"/>
-          </a:xfrm>
-          <a:prstGeom prst="rect">
-            <a:avLst/>
-          </a:prstGeom>
-          <a:noFill/>
-        </p:spPr>
-        <p:txBody>
-          <a:bodyPr wrap="square" rtlCol="0">
-            <a:spAutoFit/>
-          </a:bodyPr>
-          <a:lstStyle/>
-          <a:p>
-            <a:pPr algn="l"/>
-            <a:r>
-              <a:rPr lang="en-US" sz="2400" dirty="0" smtClean="0"/>
-              <a:t>Step 2: Use the restart file as the initial condition</a:t>
-            </a:r>
-            <a:endParaRPr lang="en-US" sz="2400" dirty="0"/>
-          </a:p>
-        </p:txBody>
-      </p:sp>
-    </p:spTree>
-  </p:cSld>
-  <p:clrMapOvr>
-    <a:masterClrMapping/>
-  </p:clrMapOvr>
-  <p:transition/>
-  <p:timing>
-    <p:tnLst>
-      <p:par>
-        <p:cTn id="1" dur="indefinite" restart="never" nodeType="tmRoot"/>
-      </p:par>
-    </p:tnLst>
-  </p:timing>
-</p:sld>
-</file>
-
-<file path=ppt/slides/slide25.xml><?xml version="1.0" encoding="utf-8"?>
-<p:sld xmlns:a="http://schemas.openxmlformats.org/drawingml/2006/main" xmlns:r="http://schemas.openxmlformats.org/officeDocument/2006/relationships" xmlns:p="http://schemas.openxmlformats.org/presentationml/2006/main">
-  <p:cSld>
-    <p:spTree>
-      <p:nvGrpSpPr>
-        <p:cNvPr id="1" name=""/>
-        <p:cNvGrpSpPr/>
-        <p:nvPr/>
-      </p:nvGrpSpPr>
-      <p:grpSpPr>
-        <a:xfrm>
-          <a:off x="0" y="0"/>
-          <a:ext cx="0" cy="0"/>
-          <a:chOff x="0" y="0"/>
-          <a:chExt cx="0" cy="0"/>
-        </a:xfrm>
-      </p:grpSpPr>
-      <p:sp>
-        <p:nvSpPr>
-          <p:cNvPr id="29698" name="Date Placeholder 3"/>
-          <p:cNvSpPr>
-            <a:spLocks noGrp="1"/>
-          </p:cNvSpPr>
-          <p:nvPr>
-            <p:ph type="dt" sz="quarter" idx="10"/>
-          </p:nvPr>
-        </p:nvSpPr>
-        <p:spPr>
-          <a:noFill/>
-        </p:spPr>
-        <p:txBody>
-          <a:bodyPr/>
-          <a:lstStyle/>
-          <a:p>
-            <a:fld id="{30B24E78-8EC7-4990-8387-15F3C04C9DCA}" type="slidenum">
-              <a:rPr lang="zh-CN" altLang="en-US"/>
-              <a:pPr/>
-              <a:t>25</a:t>
             </a:fld>
             <a:endParaRPr lang="en-US" altLang="zh-CN"/>
           </a:p>
@@ -10843,199 +10479,6 @@
       </p:grpSpPr>
       <p:sp>
         <p:nvSpPr>
-          <p:cNvPr id="18434" name="Slide Number Placeholder 5"/>
-          <p:cNvSpPr>
-            <a:spLocks noGrp="1"/>
-          </p:cNvSpPr>
-          <p:nvPr>
-            <p:ph type="sldNum" sz="quarter" idx="4294967295"/>
-          </p:nvPr>
-        </p:nvSpPr>
-        <p:spPr bwMode="auto">
-          <a:xfrm>
-            <a:off x="6934200" y="6400800"/>
-            <a:ext cx="2133600" cy="381000"/>
-          </a:xfrm>
-          <a:prstGeom prst="rect">
-            <a:avLst/>
-          </a:prstGeom>
-          <a:noFill/>
-          <a:ln>
-            <a:miter lim="800000"/>
-            <a:headEnd/>
-            <a:tailEnd/>
-          </a:ln>
-        </p:spPr>
-        <p:txBody>
-          <a:bodyPr/>
-          <a:lstStyle/>
-          <a:p>
-            <a:fld id="{03C74A71-8209-4D26-AAF5-03CEF71736C8}" type="slidenum">
-              <a:rPr lang="en-US"/>
-              <a:pPr/>
-              <a:t>4</a:t>
-            </a:fld>
-            <a:endParaRPr lang="en-US"/>
-          </a:p>
-        </p:txBody>
-      </p:sp>
-      <p:sp>
-        <p:nvSpPr>
-          <p:cNvPr id="18435" name="Rectangle 2"/>
-          <p:cNvSpPr>
-            <a:spLocks noGrp="1" noChangeArrowheads="1"/>
-          </p:cNvSpPr>
-          <p:nvPr>
-            <p:ph type="title"/>
-          </p:nvPr>
-        </p:nvSpPr>
-        <p:spPr/>
-        <p:txBody>
-          <a:bodyPr/>
-          <a:lstStyle/>
-          <a:p>
-            <a:r>
-              <a:rPr lang="en-US" sz="4000" dirty="0" smtClean="0"/>
-              <a:t>Simulating impact of flooded islands</a:t>
-            </a:r>
-          </a:p>
-        </p:txBody>
-      </p:sp>
-      <p:sp>
-        <p:nvSpPr>
-          <p:cNvPr id="18436" name="Rectangle 3"/>
-          <p:cNvSpPr>
-            <a:spLocks noGrp="1" noChangeArrowheads="1"/>
-          </p:cNvSpPr>
-          <p:nvPr>
-            <p:ph type="body" idx="1"/>
-          </p:nvPr>
-        </p:nvSpPr>
-        <p:spPr>
-          <a:xfrm>
-            <a:off x="457200" y="2438400"/>
-            <a:ext cx="8229600" cy="4038600"/>
-          </a:xfrm>
-        </p:spPr>
-        <p:txBody>
-          <a:bodyPr/>
-          <a:lstStyle/>
-          <a:p>
-            <a:pPr>
-              <a:lnSpc>
-                <a:spcPct val="90000"/>
-              </a:lnSpc>
-              <a:buNone/>
-            </a:pPr>
-            <a:r>
-              <a:rPr lang="en-US" sz="2800" dirty="0" smtClean="0"/>
-              <a:t>	June 3, 2004 Upper Jones Tract levee failed</a:t>
-            </a:r>
-          </a:p>
-          <a:p>
-            <a:pPr lvl="1">
-              <a:lnSpc>
-                <a:spcPct val="90000"/>
-              </a:lnSpc>
-            </a:pPr>
-            <a:r>
-              <a:rPr lang="en-US" sz="2400" dirty="0" smtClean="0"/>
-              <a:t>No Winds / Storm</a:t>
-            </a:r>
-          </a:p>
-          <a:p>
-            <a:pPr lvl="1">
-              <a:lnSpc>
-                <a:spcPct val="90000"/>
-              </a:lnSpc>
-            </a:pPr>
-            <a:r>
-              <a:rPr lang="en-US" sz="2400" dirty="0" smtClean="0"/>
-              <a:t>Mid to Low Flows</a:t>
-            </a:r>
-          </a:p>
-          <a:p>
-            <a:pPr lvl="1">
-              <a:lnSpc>
-                <a:spcPct val="90000"/>
-              </a:lnSpc>
-              <a:buNone/>
-            </a:pPr>
-            <a:endParaRPr lang="en-US" sz="2400" dirty="0" smtClean="0"/>
-          </a:p>
-          <a:p>
-            <a:pPr lvl="1">
-              <a:lnSpc>
-                <a:spcPct val="90000"/>
-              </a:lnSpc>
-              <a:buNone/>
-            </a:pPr>
-            <a:r>
-              <a:rPr lang="en-US" sz="2400" dirty="0" smtClean="0"/>
-              <a:t>DMS conducted simulation of long term forecast of</a:t>
-            </a:r>
-          </a:p>
-          <a:p>
-            <a:pPr lvl="1">
-              <a:lnSpc>
-                <a:spcPct val="90000"/>
-              </a:lnSpc>
-              <a:buNone/>
-            </a:pPr>
-            <a:r>
-              <a:rPr lang="en-US" sz="2400" dirty="0" smtClean="0"/>
-              <a:t>projected DOC from pump out reaching Clifton Court</a:t>
-            </a:r>
-          </a:p>
-          <a:p>
-            <a:pPr lvl="1">
-              <a:lnSpc>
-                <a:spcPct val="90000"/>
-              </a:lnSpc>
-              <a:buNone/>
-            </a:pPr>
-            <a:r>
-              <a:rPr lang="en-US" sz="2400" dirty="0" err="1" smtClean="0"/>
-              <a:t>Forebay</a:t>
-            </a:r>
-            <a:endParaRPr lang="en-US" sz="2400" dirty="0" smtClean="0"/>
-          </a:p>
-        </p:txBody>
-      </p:sp>
-    </p:spTree>
-  </p:cSld>
-  <p:clrMapOvr>
-    <a:masterClrMapping/>
-  </p:clrMapOvr>
-  <p:timing>
-    <p:tnLst>
-      <p:par>
-        <p:cTn id="1" dur="indefinite" restart="never" nodeType="tmRoot"/>
-      </p:par>
-    </p:tnLst>
-  </p:timing>
-</p:sld>
-</file>
-
-<file path=ppt/slides/slide5.xml><?xml version="1.0" encoding="utf-8"?>
-<p:sld xmlns:a="http://schemas.openxmlformats.org/drawingml/2006/main" xmlns:r="http://schemas.openxmlformats.org/officeDocument/2006/relationships" xmlns:p="http://schemas.openxmlformats.org/presentationml/2006/main">
-  <p:cSld>
-    <p:spTree>
-      <p:nvGrpSpPr>
-        <p:cNvPr id="1" name=""/>
-        <p:cNvGrpSpPr/>
-        <p:nvPr/>
-      </p:nvGrpSpPr>
-      <p:grpSpPr>
-        <a:xfrm>
-          <a:off x="0" y="0"/>
-          <a:ext cx="0" cy="0"/>
-          <a:chOff x="0" y="0"/>
-          <a:chExt cx="0" cy="0"/>
-        </a:xfrm>
-      </p:grpSpPr>
-      <p:sp>
-        <p:nvSpPr>
           <p:cNvPr id="16386" name="Date Placeholder 3"/>
           <p:cNvSpPr>
             <a:spLocks noGrp="1"/>
@@ -11054,7 +10497,7 @@
             <a:fld id="{55136D9E-BAE6-424A-B772-767456D6DFD0}" type="slidenum">
               <a:rPr lang="zh-CN" altLang="en-US"/>
               <a:pPr/>
-              <a:t>5</a:t>
+              <a:t>4</a:t>
             </a:fld>
             <a:endParaRPr lang="en-US" altLang="zh-CN"/>
           </a:p>
@@ -11084,19 +10527,7 @@
               <a:rPr lang="en-US" altLang="zh-CN" dirty="0" smtClean="0">
                 <a:ea typeface="宋体" charset="-122"/>
               </a:rPr>
-              <a:t>Hydro</a:t>
-            </a:r>
-            <a:r>
-              <a:rPr lang="en-US" altLang="zh-CN" dirty="0" smtClean="0">
-                <a:ea typeface="宋体" charset="-122"/>
-              </a:rPr>
-              <a:t> </a:t>
-            </a:r>
-            <a:r>
-              <a:rPr lang="en-US" altLang="zh-CN" dirty="0" smtClean="0">
-                <a:ea typeface="宋体" charset="-122"/>
-              </a:rPr>
-              <a:t>Data Requirements</a:t>
+              <a:t>Hydro Data Requirements</a:t>
             </a:r>
           </a:p>
         </p:txBody>
@@ -11984,7 +11415,7 @@
 </p:sld>
 </file>
 
-<file path=ppt/slides/slide6.xml><?xml version="1.0" encoding="utf-8"?>
+<file path=ppt/slides/slide5.xml><?xml version="1.0" encoding="utf-8"?>
 <p:sld xmlns:a="http://schemas.openxmlformats.org/drawingml/2006/main" xmlns:r="http://schemas.openxmlformats.org/officeDocument/2006/relationships" xmlns:p="http://schemas.openxmlformats.org/presentationml/2006/main">
   <p:cSld>
     <p:spTree>
@@ -12021,7 +11452,7 @@
             <a:fld id="{9B4BB348-7CD4-4EB9-9880-2AEE2598CA60}" type="slidenum">
               <a:rPr lang="zh-CN" altLang="en-US"/>
               <a:pPr/>
-              <a:t>6</a:t>
+              <a:t>5</a:t>
             </a:fld>
             <a:endParaRPr lang="en-US" altLang="zh-CN"/>
           </a:p>
@@ -12422,7 +11853,7 @@
 </p:sld>
 </file>
 
-<file path=ppt/slides/slide7.xml><?xml version="1.0" encoding="utf-8"?>
+<file path=ppt/slides/slide6.xml><?xml version="1.0" encoding="utf-8"?>
 <p:sld xmlns:a="http://schemas.openxmlformats.org/drawingml/2006/main" xmlns:r="http://schemas.openxmlformats.org/officeDocument/2006/relationships" xmlns:p="http://schemas.openxmlformats.org/presentationml/2006/main">
   <p:cSld>
     <p:spTree>
@@ -14862,6 +14293,135 @@
 </p:sld>
 </file>
 
+<file path=ppt/slides/slide7.xml><?xml version="1.0" encoding="utf-8"?>
+<p:sld xmlns:a="http://schemas.openxmlformats.org/drawingml/2006/main" xmlns:r="http://schemas.openxmlformats.org/officeDocument/2006/relationships" xmlns:p="http://schemas.openxmlformats.org/presentationml/2006/main">
+  <p:cSld>
+    <p:spTree>
+      <p:nvGrpSpPr>
+        <p:cNvPr id="1" name=""/>
+        <p:cNvGrpSpPr/>
+        <p:nvPr/>
+      </p:nvGrpSpPr>
+      <p:grpSpPr>
+        <a:xfrm>
+          <a:off x="0" y="0"/>
+          <a:ext cx="0" cy="0"/>
+          <a:chOff x="0" y="0"/>
+          <a:chExt cx="0" cy="0"/>
+        </a:xfrm>
+      </p:grpSpPr>
+      <p:sp>
+        <p:nvSpPr>
+          <p:cNvPr id="20482" name="Date Placeholder 3"/>
+          <p:cNvSpPr>
+            <a:spLocks noGrp="1"/>
+          </p:cNvSpPr>
+          <p:nvPr>
+            <p:ph type="dt" sz="quarter" idx="10"/>
+          </p:nvPr>
+        </p:nvSpPr>
+        <p:spPr>
+          <a:noFill/>
+        </p:spPr>
+        <p:txBody>
+          <a:bodyPr/>
+          <a:lstStyle/>
+          <a:p>
+            <a:fld id="{A868670C-8E6B-4923-8B10-6DAB9A275378}" type="slidenum">
+              <a:rPr lang="zh-CN" altLang="en-US"/>
+              <a:pPr/>
+              <a:t>7</a:t>
+            </a:fld>
+            <a:endParaRPr lang="en-US" altLang="zh-CN"/>
+          </a:p>
+        </p:txBody>
+      </p:sp>
+      <p:sp>
+        <p:nvSpPr>
+          <p:cNvPr id="20483" name="Rectangle 2"/>
+          <p:cNvSpPr>
+            <a:spLocks noGrp="1" noChangeArrowheads="1"/>
+          </p:cNvSpPr>
+          <p:nvPr>
+            <p:ph type="title"/>
+          </p:nvPr>
+        </p:nvSpPr>
+        <p:spPr>
+          <a:xfrm>
+            <a:off x="685800" y="188913"/>
+            <a:ext cx="7772400" cy="1143000"/>
+          </a:xfrm>
+        </p:spPr>
+        <p:txBody>
+          <a:bodyPr/>
+          <a:lstStyle/>
+          <a:p>
+            <a:r>
+              <a:rPr lang="en-US" altLang="zh-CN" smtClean="0">
+                <a:ea typeface="宋体" charset="-122"/>
+              </a:rPr>
+              <a:t>Historical Data update tool</a:t>
+            </a:r>
+            <a:br>
+              <a:rPr lang="en-US" altLang="zh-CN" smtClean="0">
+                <a:ea typeface="宋体" charset="-122"/>
+              </a:rPr>
+            </a:br>
+            <a:r>
+              <a:rPr lang="en-US" altLang="zh-CN" sz="2600" smtClean="0">
+                <a:ea typeface="宋体" charset="-122"/>
+              </a:rPr>
+              <a:t>by Siqing Liu</a:t>
+            </a:r>
+          </a:p>
+        </p:txBody>
+      </p:sp>
+      <p:pic>
+        <p:nvPicPr>
+          <p:cNvPr id="16" name="Picture 15" descr="updatetool.JPG"/>
+          <p:cNvPicPr>
+            <a:picLocks noChangeAspect="1"/>
+          </p:cNvPicPr>
+          <p:nvPr/>
+        </p:nvPicPr>
+        <p:blipFill>
+          <a:blip r:embed="rId3" cstate="print"/>
+          <a:stretch>
+            <a:fillRect/>
+          </a:stretch>
+        </p:blipFill>
+        <p:spPr>
+          <a:xfrm>
+            <a:off x="0" y="1291771"/>
+            <a:ext cx="9144000" cy="5334000"/>
+          </a:xfrm>
+          <a:prstGeom prst="rect">
+            <a:avLst/>
+          </a:prstGeom>
+          <a:ln>
+            <a:noFill/>
+          </a:ln>
+          <a:effectLst>
+            <a:softEdge rad="112500"/>
+          </a:effectLst>
+        </p:spPr>
+      </p:pic>
+    </p:spTree>
+  </p:cSld>
+  <p:clrMapOvr>
+    <a:masterClrMapping/>
+  </p:clrMapOvr>
+  <p:transition/>
+  <p:timing>
+    <p:tnLst>
+      <p:par>
+        <p:cTn id="1" dur="indefinite" restart="never" nodeType="tmRoot"/>
+      </p:par>
+    </p:tnLst>
+  </p:timing>
+</p:sld>
+</file>
+
 <file path=ppt/slides/slide8.xml><?xml version="1.0" encoding="utf-8"?>
 <p:sld xmlns:a="http://schemas.openxmlformats.org/drawingml/2006/main" xmlns:r="http://schemas.openxmlformats.org/officeDocument/2006/relationships" xmlns:p="http://schemas.openxmlformats.org/presentationml/2006/main">
   <p:cSld>
@@ -14881,7 +14441,7 @@
       </p:grpSpPr>
       <p:sp>
         <p:nvSpPr>
-          <p:cNvPr id="20482" name="Date Placeholder 3"/>
+          <p:cNvPr id="30722" name="Date Placeholder 1"/>
           <p:cNvSpPr>
             <a:spLocks noGrp="1"/>
           </p:cNvSpPr>
@@ -14896,7 +14456,7 @@
           <a:bodyPr/>
           <a:lstStyle/>
           <a:p>
-            <a:fld id="{A868670C-8E6B-4923-8B10-6DAB9A275378}" type="slidenum">
+            <a:fld id="{9E533BF5-C97B-4A26-846D-6C6295B9B19D}" type="slidenum">
               <a:rPr lang="zh-CN" altLang="en-US"/>
               <a:pPr/>
               <a:t>8</a:t>
@@ -14907,74 +14467,359 @@
       </p:sp>
       <p:sp>
         <p:nvSpPr>
-          <p:cNvPr id="20483" name="Rectangle 2"/>
-          <p:cNvSpPr>
-            <a:spLocks noGrp="1" noChangeArrowheads="1"/>
-          </p:cNvSpPr>
-          <p:nvPr>
-            <p:ph type="title"/>
-          </p:nvPr>
+          <p:cNvPr id="3" name="Rectangle 2"/>
+          <p:cNvSpPr/>
+          <p:nvPr/>
         </p:nvSpPr>
         <p:spPr>
           <a:xfrm>
-            <a:off x="685800" y="188913"/>
-            <a:ext cx="7772400" cy="1143000"/>
-          </a:xfrm>
-        </p:spPr>
-        <p:txBody>
-          <a:bodyPr/>
-          <a:lstStyle/>
-          <a:p>
-            <a:r>
-              <a:rPr lang="en-US" altLang="zh-CN" smtClean="0">
-                <a:ea typeface="宋体" charset="-122"/>
-              </a:rPr>
-              <a:t>Historical Data update tool</a:t>
-            </a:r>
-            <a:br>
-              <a:rPr lang="en-US" altLang="zh-CN" smtClean="0">
-                <a:ea typeface="宋体" charset="-122"/>
-              </a:rPr>
-            </a:br>
-            <a:r>
-              <a:rPr lang="en-US" altLang="zh-CN" sz="2600" smtClean="0">
-                <a:ea typeface="宋体" charset="-122"/>
-              </a:rPr>
-              <a:t>by Siqing Liu</a:t>
-            </a:r>
-          </a:p>
-        </p:txBody>
-      </p:sp>
-      <p:pic>
-        <p:nvPicPr>
-          <p:cNvPr id="16" name="Picture 15" descr="updatetool.JPG"/>
-          <p:cNvPicPr>
-            <a:picLocks noChangeAspect="1"/>
-          </p:cNvPicPr>
-          <p:nvPr/>
-        </p:nvPicPr>
-        <p:blipFill>
-          <a:blip r:embed="rId3" cstate="print"/>
-          <a:stretch>
-            <a:fillRect/>
-          </a:stretch>
-        </p:blipFill>
-        <p:spPr>
-          <a:xfrm>
-            <a:off x="0" y="1291771"/>
-            <a:ext cx="9144000" cy="5334000"/>
+            <a:off x="1277451" y="246521"/>
+            <a:ext cx="7314823" cy="646331"/>
           </a:xfrm>
           <a:prstGeom prst="rect">
             <a:avLst/>
           </a:prstGeom>
-          <a:ln>
+        </p:spPr>
+        <p:txBody>
+          <a:bodyPr wrap="none">
+            <a:spAutoFit/>
+          </a:bodyPr>
+          <a:lstStyle/>
+          <a:p>
+            <a:r>
+              <a:rPr lang="en-US" dirty="0" smtClean="0">
+                <a:solidFill>
+                  <a:schemeClr val="tx2"/>
+                </a:solidFill>
+                <a:ea typeface="宋体" charset="-122"/>
+              </a:rPr>
+              <a:t>File structure of DSM2 Historical</a:t>
+            </a:r>
+            <a:endParaRPr lang="en-US" dirty="0">
+              <a:solidFill>
+                <a:schemeClr val="tx2"/>
+              </a:solidFill>
+            </a:endParaRPr>
+          </a:p>
+        </p:txBody>
+      </p:sp>
+      <p:sp>
+        <p:nvSpPr>
+          <p:cNvPr id="4" name="Rounded Rectangle 3"/>
+          <p:cNvSpPr/>
+          <p:nvPr/>
+        </p:nvSpPr>
+        <p:spPr bwMode="auto">
+          <a:xfrm>
+            <a:off x="885372" y="1248230"/>
+            <a:ext cx="4441372" cy="522514"/>
+          </a:xfrm>
+          <a:prstGeom prst="roundRect">
+            <a:avLst/>
+          </a:prstGeom>
+          <a:solidFill>
+            <a:srgbClr val="FF6600"/>
+          </a:solidFill>
+          <a:ln w="9525" cap="flat" cmpd="sng" algn="ctr">
             <a:noFill/>
+            <a:prstDash val="solid"/>
+            <a:round/>
+            <a:headEnd type="none" w="med" len="med"/>
+            <a:tailEnd type="none" w="med" len="med"/>
           </a:ln>
-          <a:effectLst>
-            <a:softEdge rad="112500"/>
-          </a:effectLst>
-        </p:spPr>
-      </p:pic>
+          <a:effectLst/>
+        </p:spPr>
+        <p:txBody>
+          <a:bodyPr vert="horz" wrap="square" lIns="91440" tIns="45720" rIns="91440" bIns="45720" numCol="1" rtlCol="0" anchor="ctr" anchorCtr="0" compatLnSpc="1">
+            <a:prstTxWarp prst="textNoShape">
+              <a:avLst/>
+            </a:prstTxWarp>
+          </a:bodyPr>
+          <a:lstStyle/>
+          <a:p>
+            <a:pPr marL="0" marR="0" indent="0" algn="ctr" defTabSz="914400" rtl="0" eaLnBrk="0" fontAlgn="base" latinLnBrk="0" hangingPunct="0">
+              <a:lnSpc>
+                <a:spcPct val="100000"/>
+              </a:lnSpc>
+              <a:spcBef>
+                <a:spcPct val="0"/>
+              </a:spcBef>
+              <a:spcAft>
+                <a:spcPct val="0"/>
+              </a:spcAft>
+              <a:buClrTx/>
+              <a:buSzTx/>
+              <a:buFontTx/>
+              <a:buNone/>
+              <a:tabLst/>
+            </a:pPr>
+            <a:r>
+              <a:rPr kumimoji="0" lang="en-US" sz="2400" b="1" i="0" u="none" strike="noStrike" cap="none" normalizeH="0" dirty="0" smtClean="0">
+                <a:ln>
+                  <a:noFill/>
+                </a:ln>
+                <a:solidFill>
+                  <a:schemeClr val="tx1"/>
+                </a:solidFill>
+                <a:effectLst/>
+                <a:latin typeface="Arial" charset="0"/>
+              </a:rPr>
+              <a:t>configuration_historical.inp</a:t>
+            </a:r>
+          </a:p>
+        </p:txBody>
+      </p:sp>
+      <p:sp>
+        <p:nvSpPr>
+          <p:cNvPr id="11" name="Rounded Rectangle 10"/>
+          <p:cNvSpPr/>
+          <p:nvPr/>
+        </p:nvSpPr>
+        <p:spPr bwMode="auto">
+          <a:xfrm>
+            <a:off x="899887" y="3055257"/>
+            <a:ext cx="3243946" cy="544286"/>
+          </a:xfrm>
+          <a:prstGeom prst="roundRect">
+            <a:avLst>
+              <a:gd name="adj" fmla="val 16667"/>
+            </a:avLst>
+          </a:prstGeom>
+          <a:solidFill>
+            <a:srgbClr val="FF6600"/>
+          </a:solidFill>
+          <a:ln w="9525" cap="flat" cmpd="sng" algn="ctr">
+            <a:noFill/>
+            <a:prstDash val="solid"/>
+            <a:round/>
+            <a:headEnd type="none" w="med" len="med"/>
+            <a:tailEnd type="none" w="med" len="med"/>
+          </a:ln>
+          <a:effectLst/>
+        </p:spPr>
+        <p:txBody>
+          <a:bodyPr vert="horz" wrap="square" lIns="91440" tIns="45720" rIns="91440" bIns="45720" numCol="1" rtlCol="0" anchor="ctr" anchorCtr="0" compatLnSpc="1">
+            <a:prstTxWarp prst="textNoShape">
+              <a:avLst/>
+            </a:prstTxWarp>
+          </a:bodyPr>
+          <a:lstStyle/>
+          <a:p>
+            <a:pPr marL="0" marR="0" indent="0" algn="ctr" defTabSz="914400" rtl="0" eaLnBrk="0" fontAlgn="base" latinLnBrk="0" hangingPunct="0">
+              <a:lnSpc>
+                <a:spcPct val="100000"/>
+              </a:lnSpc>
+              <a:spcBef>
+                <a:spcPct val="0"/>
+              </a:spcBef>
+              <a:spcAft>
+                <a:spcPct val="0"/>
+              </a:spcAft>
+              <a:buClrTx/>
+              <a:buSzTx/>
+              <a:buFontTx/>
+              <a:buNone/>
+              <a:tabLst/>
+            </a:pPr>
+            <a:r>
+              <a:rPr lang="en-US" sz="2400" dirty="0" smtClean="0"/>
+              <a:t>historical_hydro</a:t>
+            </a:r>
+            <a:r>
+              <a:rPr kumimoji="0" lang="en-US" sz="2400" b="1" i="0" u="none" strike="noStrike" cap="none" normalizeH="0" dirty="0" smtClean="0">
+                <a:ln>
+                  <a:noFill/>
+                </a:ln>
+                <a:solidFill>
+                  <a:schemeClr val="tx1"/>
+                </a:solidFill>
+                <a:effectLst/>
+                <a:latin typeface="Arial" charset="0"/>
+              </a:rPr>
+              <a:t>.inp</a:t>
+            </a:r>
+          </a:p>
+        </p:txBody>
+      </p:sp>
+      <p:sp>
+        <p:nvSpPr>
+          <p:cNvPr id="14" name="Rounded Rectangle 13"/>
+          <p:cNvSpPr/>
+          <p:nvPr/>
+        </p:nvSpPr>
+        <p:spPr bwMode="auto">
+          <a:xfrm>
+            <a:off x="820057" y="5094513"/>
+            <a:ext cx="3519713" cy="544286"/>
+          </a:xfrm>
+          <a:prstGeom prst="roundRect">
+            <a:avLst/>
+          </a:prstGeom>
+          <a:solidFill>
+            <a:srgbClr val="FF6600"/>
+          </a:solidFill>
+          <a:ln w="9525" cap="flat" cmpd="sng" algn="ctr">
+            <a:noFill/>
+            <a:prstDash val="solid"/>
+            <a:round/>
+            <a:headEnd type="none" w="med" len="med"/>
+            <a:tailEnd type="none" w="med" len="med"/>
+          </a:ln>
+          <a:effectLst/>
+        </p:spPr>
+        <p:txBody>
+          <a:bodyPr vert="horz" wrap="square" lIns="91440" tIns="45720" rIns="91440" bIns="45720" numCol="1" rtlCol="0" anchor="ctr" anchorCtr="0" compatLnSpc="1">
+            <a:prstTxWarp prst="textNoShape">
+              <a:avLst/>
+            </a:prstTxWarp>
+          </a:bodyPr>
+          <a:lstStyle/>
+          <a:p>
+            <a:pPr marL="0" marR="0" indent="0" algn="ctr" defTabSz="914400" rtl="0" eaLnBrk="0" fontAlgn="base" latinLnBrk="0" hangingPunct="0">
+              <a:lnSpc>
+                <a:spcPct val="100000"/>
+              </a:lnSpc>
+              <a:spcBef>
+                <a:spcPct val="0"/>
+              </a:spcBef>
+              <a:spcAft>
+                <a:spcPct val="0"/>
+              </a:spcAft>
+              <a:buClrTx/>
+              <a:buSzTx/>
+              <a:buFontTx/>
+              <a:buNone/>
+              <a:tabLst/>
+            </a:pPr>
+            <a:r>
+              <a:rPr lang="en-US" sz="2400" dirty="0" smtClean="0"/>
+              <a:t>historical_qual_ec</a:t>
+            </a:r>
+            <a:r>
+              <a:rPr kumimoji="0" lang="en-US" sz="2400" b="1" i="0" u="none" strike="noStrike" cap="none" normalizeH="0" dirty="0" smtClean="0">
+                <a:ln>
+                  <a:noFill/>
+                </a:ln>
+                <a:solidFill>
+                  <a:schemeClr val="tx1"/>
+                </a:solidFill>
+                <a:effectLst/>
+                <a:latin typeface="Arial" charset="0"/>
+              </a:rPr>
+              <a:t>.inp</a:t>
+            </a:r>
+          </a:p>
+        </p:txBody>
+      </p:sp>
+      <p:sp>
+        <p:nvSpPr>
+          <p:cNvPr id="15" name="TextBox 14"/>
+          <p:cNvSpPr txBox="1"/>
+          <p:nvPr/>
+        </p:nvSpPr>
+        <p:spPr>
+          <a:xfrm>
+            <a:off x="1422399" y="1988457"/>
+            <a:ext cx="5820229" cy="830997"/>
+          </a:xfrm>
+          <a:prstGeom prst="rect">
+            <a:avLst/>
+          </a:prstGeom>
+          <a:noFill/>
+        </p:spPr>
+        <p:txBody>
+          <a:bodyPr wrap="square" rtlCol="0">
+            <a:spAutoFit/>
+          </a:bodyPr>
+          <a:lstStyle/>
+          <a:p>
+            <a:pPr algn="l"/>
+            <a:r>
+              <a:rPr lang="en-US" sz="2400" dirty="0" smtClean="0"/>
+              <a:t>ENVVARs, run time, input </a:t>
+            </a:r>
+            <a:r>
+              <a:rPr lang="en-US" sz="2400" dirty="0" err="1" smtClean="0"/>
+              <a:t>dss</a:t>
+            </a:r>
+            <a:r>
+              <a:rPr lang="en-US" sz="2400" dirty="0" smtClean="0"/>
+              <a:t> file names, output file names</a:t>
+            </a:r>
+            <a:endParaRPr lang="en-US" sz="2400" dirty="0"/>
+          </a:p>
+        </p:txBody>
+      </p:sp>
+      <p:sp>
+        <p:nvSpPr>
+          <p:cNvPr id="17" name="TextBox 16"/>
+          <p:cNvSpPr txBox="1"/>
+          <p:nvPr/>
+        </p:nvSpPr>
+        <p:spPr>
+          <a:xfrm>
+            <a:off x="1400628" y="3824515"/>
+            <a:ext cx="7322458" cy="1200329"/>
+          </a:xfrm>
+          <a:prstGeom prst="rect">
+            <a:avLst/>
+          </a:prstGeom>
+          <a:noFill/>
+        </p:spPr>
+        <p:txBody>
+          <a:bodyPr wrap="square" rtlCol="0">
+            <a:spAutoFit/>
+          </a:bodyPr>
+          <a:lstStyle/>
+          <a:p>
+            <a:pPr algn="l"/>
+            <a:r>
+              <a:rPr lang="en-US" sz="2400" dirty="0" smtClean="0"/>
+              <a:t>IO files,  launch files (.</a:t>
+            </a:r>
+            <a:r>
+              <a:rPr lang="en-US" sz="2400" dirty="0" err="1" smtClean="0"/>
+              <a:t>inp</a:t>
+            </a:r>
+            <a:r>
+              <a:rPr lang="en-US" sz="2400" dirty="0" smtClean="0"/>
+              <a:t>) of parameter, grid, initial condition, boundary condition, gate operation,  and output time series</a:t>
+            </a:r>
+            <a:endParaRPr lang="en-US" sz="2400" dirty="0"/>
+          </a:p>
+        </p:txBody>
+      </p:sp>
+      <p:sp>
+        <p:nvSpPr>
+          <p:cNvPr id="18" name="TextBox 17"/>
+          <p:cNvSpPr txBox="1"/>
+          <p:nvPr/>
+        </p:nvSpPr>
+        <p:spPr>
+          <a:xfrm>
+            <a:off x="1444171" y="5754914"/>
+            <a:ext cx="6785429" cy="830997"/>
+          </a:xfrm>
+          <a:prstGeom prst="rect">
+            <a:avLst/>
+          </a:prstGeom>
+          <a:noFill/>
+        </p:spPr>
+        <p:txBody>
+          <a:bodyPr wrap="square" rtlCol="0">
+            <a:spAutoFit/>
+          </a:bodyPr>
+          <a:lstStyle/>
+          <a:p>
+            <a:pPr algn="l"/>
+            <a:r>
+              <a:rPr lang="en-US" sz="2400" dirty="0" smtClean="0"/>
+              <a:t>IO files, launch files of parameter, groups, boundary condition, and output time series</a:t>
+            </a:r>
+            <a:endParaRPr lang="en-US" sz="2400" dirty="0"/>
+          </a:p>
+        </p:txBody>
+      </p:sp>
     </p:spTree>
   </p:cSld>
   <p:clrMapOvr>
@@ -15010,7 +14855,7 @@
       </p:grpSpPr>
       <p:sp>
         <p:nvSpPr>
-          <p:cNvPr id="30722" name="Date Placeholder 1"/>
+          <p:cNvPr id="27650" name="Date Placeholder 3"/>
           <p:cNvSpPr>
             <a:spLocks noGrp="1"/>
           </p:cNvSpPr>
@@ -15025,7 +14870,7 @@
           <a:bodyPr/>
           <a:lstStyle/>
           <a:p>
-            <a:fld id="{9E533BF5-C97B-4A26-846D-6C6295B9B19D}" type="slidenum">
+            <a:fld id="{88A28128-C081-432C-935D-5E65757EC0BB}" type="slidenum">
               <a:rPr lang="zh-CN" altLang="en-US"/>
               <a:pPr/>
               <a:t>9</a:t>
@@ -15036,364 +14881,150 @@
       </p:sp>
       <p:sp>
         <p:nvSpPr>
-          <p:cNvPr id="3" name="Rectangle 2"/>
-          <p:cNvSpPr/>
-          <p:nvPr/>
+          <p:cNvPr id="27651" name="Rectangle 4"/>
+          <p:cNvSpPr>
+            <a:spLocks noGrp="1" noChangeArrowheads="1"/>
+          </p:cNvSpPr>
+          <p:nvPr>
+            <p:ph type="title"/>
+          </p:nvPr>
         </p:nvSpPr>
         <p:spPr>
           <a:xfrm>
-            <a:off x="1277451" y="246521"/>
-            <a:ext cx="7314823" cy="646331"/>
+            <a:off x="394855" y="303069"/>
+            <a:ext cx="8749145" cy="1143000"/>
           </a:xfrm>
-          <a:prstGeom prst="rect">
-            <a:avLst/>
-          </a:prstGeom>
-        </p:spPr>
-        <p:txBody>
-          <a:bodyPr wrap="none">
-            <a:spAutoFit/>
-          </a:bodyPr>
-          <a:lstStyle/>
-          <a:p>
-            <a:r>
-              <a:rPr lang="en-US" dirty="0" smtClean="0">
-                <a:solidFill>
-                  <a:schemeClr val="tx2"/>
-                </a:solidFill>
+        </p:spPr>
+        <p:txBody>
+          <a:bodyPr/>
+          <a:lstStyle/>
+          <a:p>
+            <a:r>
+              <a:rPr lang="en-US" altLang="zh-CN" dirty="0" smtClean="0">
                 <a:ea typeface="宋体" charset="-122"/>
               </a:rPr>
-              <a:t>File structure of DSM2 Historical</a:t>
-            </a:r>
-            <a:endParaRPr lang="en-US" dirty="0">
-              <a:solidFill>
-                <a:schemeClr val="tx2"/>
-              </a:solidFill>
+              <a:t>How to start model simulation</a:t>
+            </a:r>
+          </a:p>
+        </p:txBody>
+      </p:sp>
+      <p:sp>
+        <p:nvSpPr>
+          <p:cNvPr id="27652" name="Rectangle 5"/>
+          <p:cNvSpPr>
+            <a:spLocks noGrp="1" noChangeArrowheads="1"/>
+          </p:cNvSpPr>
+          <p:nvPr>
+            <p:ph type="body" idx="1"/>
+          </p:nvPr>
+        </p:nvSpPr>
+        <p:spPr>
+          <a:xfrm>
+            <a:off x="685800" y="1465943"/>
+            <a:ext cx="8066314" cy="5109028"/>
+          </a:xfrm>
+        </p:spPr>
+        <p:txBody>
+          <a:bodyPr/>
+          <a:lstStyle/>
+          <a:p>
+            <a:pPr>
+              <a:buNone/>
+            </a:pPr>
+            <a:r>
+              <a:rPr lang="en-US" altLang="zh-CN" dirty="0" smtClean="0">
+                <a:ea typeface="宋体" charset="-122"/>
+              </a:rPr>
+              <a:t>Modify data as needed</a:t>
+            </a:r>
+          </a:p>
+          <a:p>
+            <a:r>
+              <a:rPr lang="en-US" altLang="zh-CN" dirty="0" smtClean="0">
+                <a:ea typeface="宋体" charset="-122"/>
+              </a:rPr>
+              <a:t>Use preprocess tool to update </a:t>
+            </a:r>
+            <a:r>
+              <a:rPr lang="en-US" altLang="zh-CN" dirty="0" err="1" smtClean="0">
+                <a:ea typeface="宋体" charset="-122"/>
+              </a:rPr>
+              <a:t>timeseries</a:t>
+            </a:r>
+            <a:endParaRPr lang="en-US" altLang="zh-CN" dirty="0" smtClean="0">
+              <a:ea typeface="宋体" charset="-122"/>
             </a:endParaRPr>
           </a:p>
-        </p:txBody>
-      </p:sp>
-      <p:sp>
-        <p:nvSpPr>
-          <p:cNvPr id="4" name="Rounded Rectangle 3"/>
-          <p:cNvSpPr/>
-          <p:nvPr/>
-        </p:nvSpPr>
-        <p:spPr bwMode="auto">
-          <a:xfrm>
-            <a:off x="885372" y="1248230"/>
-            <a:ext cx="4441372" cy="522514"/>
-          </a:xfrm>
-          <a:prstGeom prst="roundRect">
-            <a:avLst/>
-          </a:prstGeom>
-          <a:solidFill>
-            <a:srgbClr val="FF6600"/>
-          </a:solidFill>
-          <a:ln w="9525" cap="flat" cmpd="sng" algn="ctr">
-            <a:noFill/>
-            <a:prstDash val="solid"/>
-            <a:round/>
-            <a:headEnd type="none" w="med" len="med"/>
-            <a:tailEnd type="none" w="med" len="med"/>
-          </a:ln>
-          <a:effectLst/>
-        </p:spPr>
-        <p:txBody>
-          <a:bodyPr vert="horz" wrap="square" lIns="91440" tIns="45720" rIns="91440" bIns="45720" numCol="1" rtlCol="0" anchor="ctr" anchorCtr="0" compatLnSpc="1">
-            <a:prstTxWarp prst="textNoShape">
-              <a:avLst/>
-            </a:prstTxWarp>
-          </a:bodyPr>
-          <a:lstStyle/>
-          <a:p>
-            <a:pPr marL="0" marR="0" indent="0" algn="ctr" defTabSz="914400" rtl="0" eaLnBrk="0" fontAlgn="base" latinLnBrk="0" hangingPunct="0">
-              <a:lnSpc>
-                <a:spcPct val="100000"/>
-              </a:lnSpc>
-              <a:spcBef>
-                <a:spcPct val="0"/>
-              </a:spcBef>
-              <a:spcAft>
-                <a:spcPct val="0"/>
-              </a:spcAft>
-              <a:buClrTx/>
-              <a:buSzTx/>
-              <a:buFontTx/>
+          <a:p>
+            <a:r>
+              <a:rPr lang="en-US" altLang="zh-CN" dirty="0" smtClean="0">
+                <a:ea typeface="宋体" charset="-122"/>
+              </a:rPr>
+              <a:t>Modify configuration file</a:t>
+            </a:r>
+          </a:p>
+          <a:p>
+            <a:r>
+              <a:rPr lang="en-US" altLang="zh-CN" dirty="0" smtClean="0">
+                <a:ea typeface="宋体" charset="-122"/>
+              </a:rPr>
+              <a:t>Adjust scalars, </a:t>
+            </a:r>
+            <a:r>
+              <a:rPr lang="en-US" altLang="zh-CN" dirty="0" err="1" smtClean="0">
+                <a:ea typeface="宋体" charset="-122"/>
+              </a:rPr>
+              <a:t>tidefile</a:t>
+            </a:r>
+            <a:r>
+              <a:rPr lang="en-US" altLang="zh-CN" dirty="0" smtClean="0">
+                <a:ea typeface="宋体" charset="-122"/>
+              </a:rPr>
+              <a:t> and output in the launch files</a:t>
+            </a:r>
+          </a:p>
+          <a:p>
+            <a:pPr>
               <a:buNone/>
-              <a:tabLst/>
             </a:pPr>
-            <a:r>
-              <a:rPr kumimoji="0" lang="en-US" sz="2400" b="1" i="0" u="none" strike="noStrike" cap="none" normalizeH="0" dirty="0" smtClean="0">
-                <a:ln>
-                  <a:noFill/>
-                </a:ln>
-                <a:solidFill>
-                  <a:schemeClr val="tx1"/>
-                </a:solidFill>
-                <a:effectLst/>
-                <a:latin typeface="Arial" charset="0"/>
+            <a:endParaRPr lang="en-US" altLang="zh-CN" dirty="0" smtClean="0">
+              <a:ea typeface="宋体" charset="-122"/>
+            </a:endParaRPr>
+          </a:p>
+          <a:p>
+            <a:pPr>
+              <a:buNone/>
+            </a:pPr>
+            <a:r>
+              <a:rPr lang="en-US" altLang="zh-CN" dirty="0" smtClean="0">
+                <a:ea typeface="宋体" charset="-122"/>
               </a:rPr>
-              <a:t>configuration_historical.inp</a:t>
-            </a:r>
-          </a:p>
-        </p:txBody>
-      </p:sp>
-      <p:sp>
-        <p:nvSpPr>
-          <p:cNvPr id="11" name="Rounded Rectangle 10"/>
-          <p:cNvSpPr/>
-          <p:nvPr/>
-        </p:nvSpPr>
-        <p:spPr bwMode="auto">
-          <a:xfrm>
-            <a:off x="899887" y="3055257"/>
-            <a:ext cx="3243946" cy="544286"/>
-          </a:xfrm>
-          <a:prstGeom prst="roundRect">
-            <a:avLst>
-              <a:gd name="adj" fmla="val 16667"/>
-            </a:avLst>
-          </a:prstGeom>
-          <a:solidFill>
-            <a:srgbClr val="FF6600"/>
-          </a:solidFill>
-          <a:ln w="9525" cap="flat" cmpd="sng" algn="ctr">
-            <a:noFill/>
-            <a:prstDash val="solid"/>
-            <a:round/>
-            <a:headEnd type="none" w="med" len="med"/>
-            <a:tailEnd type="none" w="med" len="med"/>
-          </a:ln>
-          <a:effectLst/>
-        </p:spPr>
-        <p:txBody>
-          <a:bodyPr vert="horz" wrap="square" lIns="91440" tIns="45720" rIns="91440" bIns="45720" numCol="1" rtlCol="0" anchor="ctr" anchorCtr="0" compatLnSpc="1">
-            <a:prstTxWarp prst="textNoShape">
-              <a:avLst/>
-            </a:prstTxWarp>
-          </a:bodyPr>
-          <a:lstStyle/>
-          <a:p>
-            <a:pPr marL="0" marR="0" indent="0" algn="ctr" defTabSz="914400" rtl="0" eaLnBrk="0" fontAlgn="base" latinLnBrk="0" hangingPunct="0">
-              <a:lnSpc>
-                <a:spcPct val="100000"/>
-              </a:lnSpc>
-              <a:spcBef>
-                <a:spcPct val="0"/>
-              </a:spcBef>
-              <a:spcAft>
-                <a:spcPct val="0"/>
-              </a:spcAft>
-              <a:buClrTx/>
-              <a:buSzTx/>
-              <a:buFontTx/>
+              <a:t>Use historical model template</a:t>
+            </a:r>
+          </a:p>
+          <a:p>
+            <a:pPr>
               <a:buNone/>
-              <a:tabLst/>
             </a:pPr>
-            <a:r>
-              <a:rPr lang="en-US" sz="2400" dirty="0" smtClean="0"/>
-              <a:t>historical_hydro</a:t>
-            </a:r>
-            <a:r>
-              <a:rPr kumimoji="0" lang="en-US" sz="2400" b="1" i="0" u="none" strike="noStrike" cap="none" normalizeH="0" dirty="0" smtClean="0">
-                <a:ln>
-                  <a:noFill/>
-                </a:ln>
-                <a:solidFill>
-                  <a:schemeClr val="tx1"/>
-                </a:solidFill>
-                <a:effectLst/>
-                <a:latin typeface="Arial" charset="0"/>
+            <a:endParaRPr lang="en-US" altLang="zh-CN" dirty="0" smtClean="0">
+              <a:ea typeface="宋体" charset="-122"/>
+            </a:endParaRPr>
+          </a:p>
+          <a:p>
+            <a:pPr>
+              <a:buNone/>
+            </a:pPr>
+            <a:r>
+              <a:rPr lang="en-US" altLang="zh-CN" dirty="0" smtClean="0">
+                <a:ea typeface="宋体" charset="-122"/>
               </a:rPr>
-              <a:t>.inp</a:t>
-            </a:r>
-          </a:p>
-        </p:txBody>
-      </p:sp>
-      <p:sp>
-        <p:nvSpPr>
-          <p:cNvPr id="14" name="Rounded Rectangle 13"/>
-          <p:cNvSpPr/>
-          <p:nvPr/>
-        </p:nvSpPr>
-        <p:spPr bwMode="auto">
-          <a:xfrm>
-            <a:off x="820057" y="5094513"/>
-            <a:ext cx="3519713" cy="544286"/>
-          </a:xfrm>
-          <a:prstGeom prst="roundRect">
-            <a:avLst/>
-          </a:prstGeom>
-          <a:solidFill>
-            <a:srgbClr val="FF6600"/>
-          </a:solidFill>
-          <a:ln w="9525" cap="flat" cmpd="sng" algn="ctr">
-            <a:noFill/>
-            <a:prstDash val="solid"/>
-            <a:round/>
-            <a:headEnd type="none" w="med" len="med"/>
-            <a:tailEnd type="none" w="med" len="med"/>
-          </a:ln>
-          <a:effectLst/>
-        </p:spPr>
-        <p:txBody>
-          <a:bodyPr vert="horz" wrap="square" lIns="91440" tIns="45720" rIns="91440" bIns="45720" numCol="1" rtlCol="0" anchor="ctr" anchorCtr="0" compatLnSpc="1">
-            <a:prstTxWarp prst="textNoShape">
-              <a:avLst/>
-            </a:prstTxWarp>
-          </a:bodyPr>
-          <a:lstStyle/>
-          <a:p>
-            <a:pPr marL="0" marR="0" indent="0" algn="ctr" defTabSz="914400" rtl="0" eaLnBrk="0" fontAlgn="base" latinLnBrk="0" hangingPunct="0">
-              <a:lnSpc>
-                <a:spcPct val="100000"/>
-              </a:lnSpc>
-              <a:spcBef>
-                <a:spcPct val="0"/>
-              </a:spcBef>
-              <a:spcAft>
-                <a:spcPct val="0"/>
-              </a:spcAft>
-              <a:buClrTx/>
-              <a:buSzTx/>
-              <a:buFontTx/>
-              <a:buNone/>
-              <a:tabLst/>
-            </a:pPr>
-            <a:r>
-              <a:rPr lang="en-US" sz="2400" dirty="0" smtClean="0"/>
-              <a:t>historical_qual_ec</a:t>
-            </a:r>
-            <a:r>
-              <a:rPr kumimoji="0" lang="en-US" sz="2400" b="1" i="0" u="none" strike="noStrike" cap="none" normalizeH="0" dirty="0" smtClean="0">
-                <a:ln>
-                  <a:noFill/>
-                </a:ln>
-                <a:solidFill>
-                  <a:schemeClr val="tx1"/>
-                </a:solidFill>
-                <a:effectLst/>
-                <a:latin typeface="Arial" charset="0"/>
-              </a:rPr>
-              <a:t>.inp</a:t>
-            </a:r>
-          </a:p>
-        </p:txBody>
-      </p:sp>
-      <p:sp>
-        <p:nvSpPr>
-          <p:cNvPr id="15" name="TextBox 14"/>
-          <p:cNvSpPr txBox="1"/>
-          <p:nvPr/>
-        </p:nvSpPr>
-        <p:spPr>
-          <a:xfrm>
-            <a:off x="1422399" y="1988457"/>
-            <a:ext cx="5820229" cy="830997"/>
-          </a:xfrm>
-          <a:prstGeom prst="rect">
-            <a:avLst/>
-          </a:prstGeom>
-          <a:noFill/>
-        </p:spPr>
-        <p:txBody>
-          <a:bodyPr wrap="square" rtlCol="0">
-            <a:spAutoFit/>
-          </a:bodyPr>
-          <a:lstStyle/>
-          <a:p>
-            <a:pPr algn="l"/>
-            <a:r>
-              <a:rPr lang="en-US" sz="2400" dirty="0" smtClean="0"/>
-              <a:t>ENVVARs, run time, input </a:t>
-            </a:r>
-            <a:r>
-              <a:rPr lang="en-US" sz="2400" dirty="0" err="1" smtClean="0"/>
-              <a:t>dss</a:t>
-            </a:r>
-            <a:r>
-              <a:rPr lang="en-US" sz="2400" dirty="0" smtClean="0"/>
-              <a:t> file names, output file names</a:t>
-            </a:r>
-            <a:endParaRPr lang="en-US" sz="2400" dirty="0"/>
-          </a:p>
-        </p:txBody>
-      </p:sp>
-      <p:sp>
-        <p:nvSpPr>
-          <p:cNvPr id="17" name="TextBox 16"/>
-          <p:cNvSpPr txBox="1"/>
-          <p:nvPr/>
-        </p:nvSpPr>
-        <p:spPr>
-          <a:xfrm>
-            <a:off x="1400628" y="3824515"/>
-            <a:ext cx="7322458" cy="1200329"/>
-          </a:xfrm>
-          <a:prstGeom prst="rect">
-            <a:avLst/>
-          </a:prstGeom>
-          <a:noFill/>
-        </p:spPr>
-        <p:txBody>
-          <a:bodyPr wrap="square" rtlCol="0">
-            <a:spAutoFit/>
-          </a:bodyPr>
-          <a:lstStyle/>
-          <a:p>
-            <a:pPr algn="l"/>
-            <a:r>
-              <a:rPr lang="en-US" sz="2400" dirty="0" smtClean="0"/>
-              <a:t>IO files,  launch files (.</a:t>
-            </a:r>
-            <a:r>
-              <a:rPr lang="en-US" sz="2400" dirty="0" err="1" smtClean="0"/>
-              <a:t>inp</a:t>
-            </a:r>
-            <a:r>
-              <a:rPr lang="en-US" sz="2400" dirty="0" smtClean="0"/>
-              <a:t>) of </a:t>
-            </a:r>
-            <a:r>
-              <a:rPr lang="en-US" sz="2400" dirty="0" smtClean="0"/>
-              <a:t>parameter, </a:t>
-            </a:r>
-            <a:r>
-              <a:rPr lang="en-US" sz="2400" dirty="0" smtClean="0"/>
-              <a:t>grid, initial condition, boundary condition, gate operation,  and output time series</a:t>
-            </a:r>
-            <a:endParaRPr lang="en-US" sz="2400" dirty="0"/>
-          </a:p>
-        </p:txBody>
-      </p:sp>
-      <p:sp>
-        <p:nvSpPr>
-          <p:cNvPr id="18" name="TextBox 17"/>
-          <p:cNvSpPr txBox="1"/>
-          <p:nvPr/>
-        </p:nvSpPr>
-        <p:spPr>
-          <a:xfrm>
-            <a:off x="1444171" y="5754914"/>
-            <a:ext cx="6785429" cy="830997"/>
-          </a:xfrm>
-          <a:prstGeom prst="rect">
-            <a:avLst/>
-          </a:prstGeom>
-          <a:noFill/>
-        </p:spPr>
-        <p:txBody>
-          <a:bodyPr wrap="square" rtlCol="0">
-            <a:spAutoFit/>
-          </a:bodyPr>
-          <a:lstStyle/>
-          <a:p>
-            <a:pPr algn="l"/>
-            <a:r>
-              <a:rPr lang="en-US" sz="2400" dirty="0" smtClean="0"/>
-              <a:t>IO files, launch files of parameter, groups, boundary condition, and output time series</a:t>
-            </a:r>
-            <a:endParaRPr lang="en-US" sz="2400" dirty="0"/>
+              <a:t>Run DSM2 historical models</a:t>
+            </a:r>
+          </a:p>
+          <a:p>
+            <a:endParaRPr lang="en-US" altLang="zh-CN" dirty="0" smtClean="0">
+              <a:ea typeface="宋体" charset="-122"/>
+            </a:endParaRPr>
           </a:p>
         </p:txBody>
       </p:sp>
